--- a/Taller/Taller.pptx
+++ b/Taller/Taller.pptx
@@ -3376,6 +3376,1294 @@
           <a:chExt cx="0" cy="0"/>
         </a:xfrm>
       </p:grpSpPr>
+      <p:sp>
+        <p:nvSpPr>
+          <p:cNvPr id="2" name="Rectangle 1">
+            <a:extLst>
+              <a:ext uri="{FF2B5EF4-FFF2-40B4-BE49-F238E27FC236}">
+                <a16:creationId xmlns:a16="http://schemas.microsoft.com/office/drawing/2014/main" id="{4C31441B-B96A-2164-5FF3-6D1D2F6AF5CF}"/>
+              </a:ext>
+            </a:extLst>
+          </p:cNvPr>
+          <p:cNvSpPr/>
+          <p:nvPr/>
+        </p:nvSpPr>
+        <p:spPr>
+          <a:xfrm>
+            <a:off x="4359435" y="4931639"/>
+            <a:ext cx="1193234" cy="1553463"/>
+          </a:xfrm>
+          <a:prstGeom prst="rect">
+            <a:avLst/>
+          </a:prstGeom>
+          <a:solidFill>
+            <a:schemeClr val="accent2">
+              <a:lumMod val="60000"/>
+              <a:lumOff val="40000"/>
+              <a:alpha val="25000"/>
+            </a:schemeClr>
+          </a:solidFill>
+          <a:ln>
+            <a:noFill/>
+          </a:ln>
+        </p:spPr>
+        <p:style>
+          <a:lnRef idx="2">
+            <a:schemeClr val="accent1">
+              <a:shade val="50000"/>
+            </a:schemeClr>
+          </a:lnRef>
+          <a:fillRef idx="1">
+            <a:schemeClr val="accent1"/>
+          </a:fillRef>
+          <a:effectRef idx="0">
+            <a:schemeClr val="accent1"/>
+          </a:effectRef>
+          <a:fontRef idx="minor">
+            <a:schemeClr val="lt1"/>
+          </a:fontRef>
+        </p:style>
+        <p:txBody>
+          <a:bodyPr rtlCol="0" anchor="ctr"/>
+          <a:lstStyle/>
+          <a:p>
+            <a:pPr algn="ctr"/>
+            <a:endParaRPr lang="es-419"/>
+          </a:p>
+        </p:txBody>
+      </p:sp>
+      <p:sp>
+        <p:nvSpPr>
+          <p:cNvPr id="3" name="Rectangle: Rounded Corners 2">
+            <a:extLst>
+              <a:ext uri="{FF2B5EF4-FFF2-40B4-BE49-F238E27FC236}">
+                <a16:creationId xmlns:a16="http://schemas.microsoft.com/office/drawing/2014/main" id="{3308D7FA-A1B2-BF48-12CC-5D2BFBD1BE04}"/>
+              </a:ext>
+            </a:extLst>
+          </p:cNvPr>
+          <p:cNvSpPr/>
+          <p:nvPr/>
+        </p:nvSpPr>
+        <p:spPr>
+          <a:xfrm>
+            <a:off x="4728630" y="5132277"/>
+            <a:ext cx="473029" cy="1002249"/>
+          </a:xfrm>
+          <a:prstGeom prst="roundRect">
+            <a:avLst/>
+          </a:prstGeom>
+          <a:solidFill>
+            <a:schemeClr val="bg1"/>
+          </a:solidFill>
+        </p:spPr>
+        <p:style>
+          <a:lnRef idx="2">
+            <a:schemeClr val="accent1">
+              <a:shade val="50000"/>
+            </a:schemeClr>
+          </a:lnRef>
+          <a:fillRef idx="1">
+            <a:schemeClr val="accent1"/>
+          </a:fillRef>
+          <a:effectRef idx="0">
+            <a:schemeClr val="accent1"/>
+          </a:effectRef>
+          <a:fontRef idx="minor">
+            <a:schemeClr val="lt1"/>
+          </a:fontRef>
+        </p:style>
+        <p:txBody>
+          <a:bodyPr vert="vert270" rtlCol="0" anchor="ctr"/>
+          <a:lstStyle/>
+          <a:p>
+            <a:pPr algn="ctr"/>
+            <a:r>
+              <a:rPr lang="es-419" sz="800" dirty="0">
+                <a:solidFill>
+                  <a:schemeClr val="tx1"/>
+                </a:solidFill>
+              </a:rPr>
+              <a:t>Discovery </a:t>
+            </a:r>
+            <a:r>
+              <a:rPr lang="es-419" sz="800" dirty="0" err="1">
+                <a:solidFill>
+                  <a:schemeClr val="tx1"/>
+                </a:solidFill>
+              </a:rPr>
+              <a:t>Service</a:t>
+            </a:r>
+            <a:endParaRPr lang="en-US" sz="800" dirty="0">
+              <a:solidFill>
+                <a:schemeClr val="tx1"/>
+              </a:solidFill>
+            </a:endParaRPr>
+          </a:p>
+        </p:txBody>
+      </p:sp>
+      <p:pic>
+        <p:nvPicPr>
+          <p:cNvPr id="4" name="Picture 26" descr="Dasturlash UZ">
+            <a:extLst>
+              <a:ext uri="{FF2B5EF4-FFF2-40B4-BE49-F238E27FC236}">
+                <a16:creationId xmlns:a16="http://schemas.microsoft.com/office/drawing/2014/main" id="{D7F36AE2-A62D-54D9-036D-A5B0514DF205}"/>
+              </a:ext>
+            </a:extLst>
+          </p:cNvPr>
+          <p:cNvPicPr>
+            <a:picLocks noChangeAspect="1" noChangeArrowheads="1"/>
+          </p:cNvPicPr>
+          <p:nvPr/>
+        </p:nvPicPr>
+        <p:blipFill>
+          <a:blip r:embed="rId2">
+            <a:extLst>
+              <a:ext uri="{28A0092B-C50C-407E-A947-70E740481C1C}">
+                <a14:useLocalDpi xmlns:a14="http://schemas.microsoft.com/office/drawing/2010/main" val="0"/>
+              </a:ext>
+            </a:extLst>
+          </a:blip>
+          <a:srcRect/>
+          <a:stretch>
+            <a:fillRect/>
+          </a:stretch>
+        </p:blipFill>
+        <p:spPr bwMode="auto">
+          <a:xfrm>
+            <a:off x="5112947" y="5918660"/>
+            <a:ext cx="323903" cy="323903"/>
+          </a:xfrm>
+          <a:prstGeom prst="rect">
+            <a:avLst/>
+          </a:prstGeom>
+          <a:noFill/>
+          <a:extLst>
+            <a:ext uri="{909E8E84-426E-40DD-AFC4-6F175D3DCCD1}">
+              <a14:hiddenFill xmlns:a14="http://schemas.microsoft.com/office/drawing/2010/main">
+                <a:solidFill>
+                  <a:srgbClr val="FFFFFF"/>
+                </a:solidFill>
+              </a14:hiddenFill>
+            </a:ext>
+          </a:extLst>
+        </p:spPr>
+      </p:pic>
+      <p:sp>
+        <p:nvSpPr>
+          <p:cNvPr id="5" name="TextBox 4">
+            <a:extLst>
+              <a:ext uri="{FF2B5EF4-FFF2-40B4-BE49-F238E27FC236}">
+                <a16:creationId xmlns:a16="http://schemas.microsoft.com/office/drawing/2014/main" id="{FB15BA8C-DE4A-1F1E-0D64-07CAF0163082}"/>
+              </a:ext>
+            </a:extLst>
+          </p:cNvPr>
+          <p:cNvSpPr txBox="1"/>
+          <p:nvPr/>
+        </p:nvSpPr>
+        <p:spPr>
+          <a:xfrm>
+            <a:off x="5347987" y="5965258"/>
+            <a:ext cx="838717" cy="215444"/>
+          </a:xfrm>
+          <a:prstGeom prst="rect">
+            <a:avLst/>
+          </a:prstGeom>
+          <a:noFill/>
+        </p:spPr>
+        <p:txBody>
+          <a:bodyPr wrap="square" rtlCol="0">
+            <a:spAutoFit/>
+          </a:bodyPr>
+          <a:lstStyle/>
+          <a:p>
+            <a:pPr algn="ctr"/>
+            <a:r>
+              <a:rPr lang="en-US" sz="800" dirty="0"/>
+              <a:t>Port: 8761</a:t>
+            </a:r>
+          </a:p>
+        </p:txBody>
+      </p:sp>
+      <p:sp>
+        <p:nvSpPr>
+          <p:cNvPr id="6" name="Rectangle 5">
+            <a:extLst>
+              <a:ext uri="{FF2B5EF4-FFF2-40B4-BE49-F238E27FC236}">
+                <a16:creationId xmlns:a16="http://schemas.microsoft.com/office/drawing/2014/main" id="{99091272-781C-EF1B-B34F-8A13C546E92C}"/>
+              </a:ext>
+            </a:extLst>
+          </p:cNvPr>
+          <p:cNvSpPr/>
+          <p:nvPr/>
+        </p:nvSpPr>
+        <p:spPr>
+          <a:xfrm>
+            <a:off x="7806509" y="1151395"/>
+            <a:ext cx="1411955" cy="831712"/>
+          </a:xfrm>
+          <a:prstGeom prst="rect">
+            <a:avLst/>
+          </a:prstGeom>
+          <a:solidFill>
+            <a:schemeClr val="accent2">
+              <a:lumMod val="60000"/>
+              <a:lumOff val="40000"/>
+              <a:alpha val="25000"/>
+            </a:schemeClr>
+          </a:solidFill>
+          <a:ln>
+            <a:noFill/>
+          </a:ln>
+        </p:spPr>
+        <p:style>
+          <a:lnRef idx="2">
+            <a:schemeClr val="accent1">
+              <a:shade val="50000"/>
+            </a:schemeClr>
+          </a:lnRef>
+          <a:fillRef idx="1">
+            <a:schemeClr val="accent1"/>
+          </a:fillRef>
+          <a:effectRef idx="0">
+            <a:schemeClr val="accent1"/>
+          </a:effectRef>
+          <a:fontRef idx="minor">
+            <a:schemeClr val="lt1"/>
+          </a:fontRef>
+        </p:style>
+        <p:txBody>
+          <a:bodyPr rtlCol="0" anchor="ctr"/>
+          <a:lstStyle/>
+          <a:p>
+            <a:pPr algn="ctr"/>
+            <a:endParaRPr lang="es-419" dirty="0"/>
+          </a:p>
+        </p:txBody>
+      </p:sp>
+      <p:sp>
+        <p:nvSpPr>
+          <p:cNvPr id="7" name="Rectangle: Rounded Corners 6">
+            <a:extLst>
+              <a:ext uri="{FF2B5EF4-FFF2-40B4-BE49-F238E27FC236}">
+                <a16:creationId xmlns:a16="http://schemas.microsoft.com/office/drawing/2014/main" id="{781747F2-1AF9-0085-0BDB-B9E502867976}"/>
+              </a:ext>
+            </a:extLst>
+          </p:cNvPr>
+          <p:cNvSpPr/>
+          <p:nvPr/>
+        </p:nvSpPr>
+        <p:spPr>
+          <a:xfrm>
+            <a:off x="7981434" y="1425900"/>
+            <a:ext cx="972948" cy="395847"/>
+          </a:xfrm>
+          <a:prstGeom prst="roundRect">
+            <a:avLst/>
+          </a:prstGeom>
+          <a:solidFill>
+            <a:schemeClr val="bg1"/>
+          </a:solidFill>
+        </p:spPr>
+        <p:style>
+          <a:lnRef idx="2">
+            <a:schemeClr val="accent1">
+              <a:shade val="50000"/>
+            </a:schemeClr>
+          </a:lnRef>
+          <a:fillRef idx="1">
+            <a:schemeClr val="accent1"/>
+          </a:fillRef>
+          <a:effectRef idx="0">
+            <a:schemeClr val="accent1"/>
+          </a:effectRef>
+          <a:fontRef idx="minor">
+            <a:schemeClr val="lt1"/>
+          </a:fontRef>
+        </p:style>
+        <p:txBody>
+          <a:bodyPr vert="horz" rtlCol="0" anchor="ctr"/>
+          <a:lstStyle/>
+          <a:p>
+            <a:pPr algn="ctr"/>
+            <a:r>
+              <a:rPr lang="es-419" sz="800" dirty="0" err="1">
+                <a:solidFill>
+                  <a:schemeClr val="tx1"/>
+                </a:solidFill>
+              </a:rPr>
+              <a:t>Config</a:t>
+            </a:r>
+            <a:r>
+              <a:rPr lang="es-419" sz="800" dirty="0">
+                <a:solidFill>
+                  <a:schemeClr val="tx1"/>
+                </a:solidFill>
+              </a:rPr>
+              <a:t> Server</a:t>
+            </a:r>
+            <a:endParaRPr lang="en-US" sz="800" dirty="0">
+              <a:solidFill>
+                <a:schemeClr val="tx1"/>
+              </a:solidFill>
+            </a:endParaRPr>
+          </a:p>
+        </p:txBody>
+      </p:sp>
+      <p:pic>
+        <p:nvPicPr>
+          <p:cNvPr id="8" name="Picture 26" descr="Dasturlash UZ">
+            <a:extLst>
+              <a:ext uri="{FF2B5EF4-FFF2-40B4-BE49-F238E27FC236}">
+                <a16:creationId xmlns:a16="http://schemas.microsoft.com/office/drawing/2014/main" id="{E11264B5-351F-244D-C68A-949E500FD91D}"/>
+              </a:ext>
+            </a:extLst>
+          </p:cNvPr>
+          <p:cNvPicPr>
+            <a:picLocks noChangeAspect="1" noChangeArrowheads="1"/>
+          </p:cNvPicPr>
+          <p:nvPr/>
+        </p:nvPicPr>
+        <p:blipFill>
+          <a:blip r:embed="rId3">
+            <a:extLst>
+              <a:ext uri="{28A0092B-C50C-407E-A947-70E740481C1C}">
+                <a14:useLocalDpi xmlns:a14="http://schemas.microsoft.com/office/drawing/2010/main" val="0"/>
+              </a:ext>
+            </a:extLst>
+          </a:blip>
+          <a:srcRect/>
+          <a:stretch>
+            <a:fillRect/>
+          </a:stretch>
+        </p:blipFill>
+        <p:spPr bwMode="auto">
+          <a:xfrm>
+            <a:off x="8821017" y="1267713"/>
+            <a:ext cx="323903" cy="323903"/>
+          </a:xfrm>
+          <a:prstGeom prst="rect">
+            <a:avLst/>
+          </a:prstGeom>
+          <a:noFill/>
+          <a:extLst>
+            <a:ext uri="{909E8E84-426E-40DD-AFC4-6F175D3DCCD1}">
+              <a14:hiddenFill xmlns:a14="http://schemas.microsoft.com/office/drawing/2010/main">
+                <a:solidFill>
+                  <a:srgbClr val="FFFFFF"/>
+                </a:solidFill>
+              </a14:hiddenFill>
+            </a:ext>
+          </a:extLst>
+        </p:spPr>
+      </p:pic>
+      <p:sp>
+        <p:nvSpPr>
+          <p:cNvPr id="9" name="Cylinder 8">
+            <a:extLst>
+              <a:ext uri="{FF2B5EF4-FFF2-40B4-BE49-F238E27FC236}">
+                <a16:creationId xmlns:a16="http://schemas.microsoft.com/office/drawing/2014/main" id="{FB9F3D01-DB97-EC16-0F77-6BD68255758A}"/>
+              </a:ext>
+            </a:extLst>
+          </p:cNvPr>
+          <p:cNvSpPr/>
+          <p:nvPr/>
+        </p:nvSpPr>
+        <p:spPr>
+          <a:xfrm>
+            <a:off x="10471928" y="1333515"/>
+            <a:ext cx="531933" cy="569399"/>
+          </a:xfrm>
+          <a:prstGeom prst="can">
+            <a:avLst/>
+          </a:prstGeom>
+          <a:solidFill>
+            <a:schemeClr val="bg1"/>
+          </a:solidFill>
+          <a:ln>
+            <a:solidFill>
+              <a:srgbClr val="7030A0"/>
+            </a:solidFill>
+          </a:ln>
+        </p:spPr>
+        <p:style>
+          <a:lnRef idx="2">
+            <a:schemeClr val="accent1">
+              <a:shade val="50000"/>
+            </a:schemeClr>
+          </a:lnRef>
+          <a:fillRef idx="1">
+            <a:schemeClr val="accent1"/>
+          </a:fillRef>
+          <a:effectRef idx="0">
+            <a:schemeClr val="accent1"/>
+          </a:effectRef>
+          <a:fontRef idx="minor">
+            <a:schemeClr val="lt1"/>
+          </a:fontRef>
+        </p:style>
+        <p:txBody>
+          <a:bodyPr rtlCol="0" anchor="ctr"/>
+          <a:lstStyle/>
+          <a:p>
+            <a:pPr algn="ctr"/>
+            <a:endParaRPr lang="en-US" sz="1400" dirty="0"/>
+          </a:p>
+        </p:txBody>
+      </p:sp>
+      <p:sp>
+        <p:nvSpPr>
+          <p:cNvPr id="10" name="TextBox 9">
+            <a:extLst>
+              <a:ext uri="{FF2B5EF4-FFF2-40B4-BE49-F238E27FC236}">
+                <a16:creationId xmlns:a16="http://schemas.microsoft.com/office/drawing/2014/main" id="{3242B653-F0E4-6CAF-6701-8BCB569C22B5}"/>
+              </a:ext>
+            </a:extLst>
+          </p:cNvPr>
+          <p:cNvSpPr txBox="1"/>
+          <p:nvPr/>
+        </p:nvSpPr>
+        <p:spPr>
+          <a:xfrm>
+            <a:off x="9801537" y="932061"/>
+            <a:ext cx="1770248" cy="338554"/>
+          </a:xfrm>
+          <a:prstGeom prst="rect">
+            <a:avLst/>
+          </a:prstGeom>
+          <a:noFill/>
+        </p:spPr>
+        <p:txBody>
+          <a:bodyPr wrap="square" rtlCol="0">
+            <a:spAutoFit/>
+          </a:bodyPr>
+          <a:lstStyle/>
+          <a:p>
+            <a:pPr algn="ctr"/>
+            <a:r>
+              <a:rPr lang="es-419" sz="800" b="1" dirty="0"/>
+              <a:t>https://github.com/Scorpius86/Microservices-Config-Repository</a:t>
+            </a:r>
+          </a:p>
+        </p:txBody>
+      </p:sp>
+      <p:pic>
+        <p:nvPicPr>
+          <p:cNvPr id="11" name="Picture 10" descr="Git - Logo Downloads">
+            <a:extLst>
+              <a:ext uri="{FF2B5EF4-FFF2-40B4-BE49-F238E27FC236}">
+                <a16:creationId xmlns:a16="http://schemas.microsoft.com/office/drawing/2014/main" id="{2AA302AD-15D3-AC86-64D7-C7ACD602AF51}"/>
+              </a:ext>
+            </a:extLst>
+          </p:cNvPr>
+          <p:cNvPicPr>
+            <a:picLocks noChangeAspect="1" noChangeArrowheads="1"/>
+          </p:cNvPicPr>
+          <p:nvPr/>
+        </p:nvPicPr>
+        <p:blipFill>
+          <a:blip r:embed="rId4">
+            <a:extLst>
+              <a:ext uri="{28A0092B-C50C-407E-A947-70E740481C1C}">
+                <a14:useLocalDpi xmlns:a14="http://schemas.microsoft.com/office/drawing/2010/main" val="0"/>
+              </a:ext>
+            </a:extLst>
+          </a:blip>
+          <a:srcRect/>
+          <a:stretch>
+            <a:fillRect/>
+          </a:stretch>
+        </p:blipFill>
+        <p:spPr bwMode="auto">
+          <a:xfrm>
+            <a:off x="10581722" y="1527508"/>
+            <a:ext cx="323903" cy="323903"/>
+          </a:xfrm>
+          <a:prstGeom prst="rect">
+            <a:avLst/>
+          </a:prstGeom>
+          <a:noFill/>
+          <a:extLst>
+            <a:ext uri="{909E8E84-426E-40DD-AFC4-6F175D3DCCD1}">
+              <a14:hiddenFill xmlns:a14="http://schemas.microsoft.com/office/drawing/2010/main">
+                <a:solidFill>
+                  <a:srgbClr val="FFFFFF"/>
+                </a:solidFill>
+              </a14:hiddenFill>
+            </a:ext>
+          </a:extLst>
+        </p:spPr>
+      </p:pic>
+      <p:cxnSp>
+        <p:nvCxnSpPr>
+          <p:cNvPr id="12" name="Straight Arrow Connector 11">
+            <a:extLst>
+              <a:ext uri="{FF2B5EF4-FFF2-40B4-BE49-F238E27FC236}">
+                <a16:creationId xmlns:a16="http://schemas.microsoft.com/office/drawing/2014/main" id="{2B9B7ED8-5183-6C8F-C847-4DEC11EBDF82}"/>
+              </a:ext>
+            </a:extLst>
+          </p:cNvPr>
+          <p:cNvCxnSpPr>
+            <a:cxnSpLocks/>
+          </p:cNvCxnSpPr>
+          <p:nvPr/>
+        </p:nvCxnSpPr>
+        <p:spPr>
+          <a:xfrm flipV="1">
+            <a:off x="8954382" y="1618215"/>
+            <a:ext cx="1517546" cy="5609"/>
+          </a:xfrm>
+          <a:prstGeom prst="straightConnector1">
+            <a:avLst/>
+          </a:prstGeom>
+          <a:ln>
+            <a:solidFill>
+              <a:srgbClr val="7030A0"/>
+            </a:solidFill>
+            <a:tailEnd type="triangle"/>
+          </a:ln>
+        </p:spPr>
+        <p:style>
+          <a:lnRef idx="1">
+            <a:schemeClr val="accent1"/>
+          </a:lnRef>
+          <a:fillRef idx="0">
+            <a:schemeClr val="accent1"/>
+          </a:fillRef>
+          <a:effectRef idx="0">
+            <a:schemeClr val="accent1"/>
+          </a:effectRef>
+          <a:fontRef idx="minor">
+            <a:schemeClr val="tx1"/>
+          </a:fontRef>
+        </p:style>
+      </p:cxnSp>
+      <p:sp>
+        <p:nvSpPr>
+          <p:cNvPr id="13" name="Rectangle 12">
+            <a:extLst>
+              <a:ext uri="{FF2B5EF4-FFF2-40B4-BE49-F238E27FC236}">
+                <a16:creationId xmlns:a16="http://schemas.microsoft.com/office/drawing/2014/main" id="{083020EC-4421-1D04-E414-4E915F5F7561}"/>
+              </a:ext>
+            </a:extLst>
+          </p:cNvPr>
+          <p:cNvSpPr/>
+          <p:nvPr/>
+        </p:nvSpPr>
+        <p:spPr>
+          <a:xfrm>
+            <a:off x="9608983" y="2483287"/>
+            <a:ext cx="1531906" cy="628386"/>
+          </a:xfrm>
+          <a:prstGeom prst="rect">
+            <a:avLst/>
+          </a:prstGeom>
+          <a:solidFill>
+            <a:schemeClr val="accent2">
+              <a:lumMod val="60000"/>
+              <a:lumOff val="40000"/>
+              <a:alpha val="25000"/>
+            </a:schemeClr>
+          </a:solidFill>
+          <a:ln>
+            <a:noFill/>
+          </a:ln>
+        </p:spPr>
+        <p:style>
+          <a:lnRef idx="2">
+            <a:schemeClr val="accent1">
+              <a:shade val="50000"/>
+            </a:schemeClr>
+          </a:lnRef>
+          <a:fillRef idx="1">
+            <a:schemeClr val="accent1"/>
+          </a:fillRef>
+          <a:effectRef idx="0">
+            <a:schemeClr val="accent1"/>
+          </a:effectRef>
+          <a:fontRef idx="minor">
+            <a:schemeClr val="lt1"/>
+          </a:fontRef>
+        </p:style>
+        <p:txBody>
+          <a:bodyPr rtlCol="0" anchor="ctr"/>
+          <a:lstStyle/>
+          <a:p>
+            <a:pPr algn="ctr"/>
+            <a:endParaRPr lang="es-419" dirty="0"/>
+          </a:p>
+        </p:txBody>
+      </p:sp>
+      <p:sp>
+        <p:nvSpPr>
+          <p:cNvPr id="14" name="Cylinder 13">
+            <a:extLst>
+              <a:ext uri="{FF2B5EF4-FFF2-40B4-BE49-F238E27FC236}">
+                <a16:creationId xmlns:a16="http://schemas.microsoft.com/office/drawing/2014/main" id="{451F7883-C4EF-1A68-CA05-07739A852483}"/>
+              </a:ext>
+            </a:extLst>
+          </p:cNvPr>
+          <p:cNvSpPr/>
+          <p:nvPr/>
+        </p:nvSpPr>
+        <p:spPr>
+          <a:xfrm rot="5400000">
+            <a:off x="10241916" y="2166515"/>
+            <a:ext cx="266040" cy="1266980"/>
+          </a:xfrm>
+          <a:prstGeom prst="can">
+            <a:avLst/>
+          </a:prstGeom>
+          <a:solidFill>
+            <a:schemeClr val="bg1"/>
+          </a:solidFill>
+          <a:ln>
+            <a:solidFill>
+              <a:srgbClr val="FF0000"/>
+            </a:solidFill>
+            <a:prstDash val="dash"/>
+          </a:ln>
+        </p:spPr>
+        <p:style>
+          <a:lnRef idx="2">
+            <a:schemeClr val="accent1">
+              <a:shade val="50000"/>
+            </a:schemeClr>
+          </a:lnRef>
+          <a:fillRef idx="1">
+            <a:schemeClr val="accent1"/>
+          </a:fillRef>
+          <a:effectRef idx="0">
+            <a:schemeClr val="accent1"/>
+          </a:effectRef>
+          <a:fontRef idx="minor">
+            <a:schemeClr val="lt1"/>
+          </a:fontRef>
+        </p:style>
+        <p:txBody>
+          <a:bodyPr rtlCol="0" anchor="ctr"/>
+          <a:lstStyle/>
+          <a:p>
+            <a:pPr algn="ctr"/>
+            <a:endParaRPr lang="en-US" sz="1400" dirty="0"/>
+          </a:p>
+        </p:txBody>
+      </p:sp>
+      <p:sp>
+        <p:nvSpPr>
+          <p:cNvPr id="15" name="Rectangle 14">
+            <a:extLst>
+              <a:ext uri="{FF2B5EF4-FFF2-40B4-BE49-F238E27FC236}">
+                <a16:creationId xmlns:a16="http://schemas.microsoft.com/office/drawing/2014/main" id="{1C0889FF-F972-05AC-2AE6-9FB8E4CE024C}"/>
+              </a:ext>
+            </a:extLst>
+          </p:cNvPr>
+          <p:cNvSpPr/>
+          <p:nvPr/>
+        </p:nvSpPr>
+        <p:spPr>
+          <a:xfrm>
+            <a:off x="2451414" y="130369"/>
+            <a:ext cx="1756307" cy="6332359"/>
+          </a:xfrm>
+          <a:prstGeom prst="rect">
+            <a:avLst/>
+          </a:prstGeom>
+          <a:solidFill>
+            <a:schemeClr val="accent2">
+              <a:lumMod val="60000"/>
+              <a:lumOff val="40000"/>
+              <a:alpha val="25000"/>
+            </a:schemeClr>
+          </a:solidFill>
+          <a:ln>
+            <a:noFill/>
+          </a:ln>
+        </p:spPr>
+        <p:style>
+          <a:lnRef idx="2">
+            <a:schemeClr val="accent1">
+              <a:shade val="50000"/>
+            </a:schemeClr>
+          </a:lnRef>
+          <a:fillRef idx="1">
+            <a:schemeClr val="accent1"/>
+          </a:fillRef>
+          <a:effectRef idx="0">
+            <a:schemeClr val="accent1"/>
+          </a:effectRef>
+          <a:fontRef idx="minor">
+            <a:schemeClr val="lt1"/>
+          </a:fontRef>
+        </p:style>
+        <p:txBody>
+          <a:bodyPr rtlCol="0" anchor="ctr"/>
+          <a:lstStyle/>
+          <a:p>
+            <a:pPr algn="ctr"/>
+            <a:endParaRPr lang="es-419" dirty="0"/>
+          </a:p>
+        </p:txBody>
+      </p:sp>
+      <p:sp>
+        <p:nvSpPr>
+          <p:cNvPr id="16" name="Rectangle: Rounded Corners 15">
+            <a:extLst>
+              <a:ext uri="{FF2B5EF4-FFF2-40B4-BE49-F238E27FC236}">
+                <a16:creationId xmlns:a16="http://schemas.microsoft.com/office/drawing/2014/main" id="{DB3C6B2E-D297-8C83-FB56-276C7C8735C8}"/>
+              </a:ext>
+            </a:extLst>
+          </p:cNvPr>
+          <p:cNvSpPr/>
+          <p:nvPr/>
+        </p:nvSpPr>
+        <p:spPr>
+          <a:xfrm>
+            <a:off x="2608621" y="485228"/>
+            <a:ext cx="1287969" cy="5766314"/>
+          </a:xfrm>
+          <a:prstGeom prst="roundRect">
+            <a:avLst/>
+          </a:prstGeom>
+          <a:solidFill>
+            <a:schemeClr val="bg1"/>
+          </a:solidFill>
+        </p:spPr>
+        <p:style>
+          <a:lnRef idx="2">
+            <a:schemeClr val="accent1">
+              <a:shade val="50000"/>
+            </a:schemeClr>
+          </a:lnRef>
+          <a:fillRef idx="1">
+            <a:schemeClr val="accent1"/>
+          </a:fillRef>
+          <a:effectRef idx="0">
+            <a:schemeClr val="accent1"/>
+          </a:effectRef>
+          <a:fontRef idx="minor">
+            <a:schemeClr val="lt1"/>
+          </a:fontRef>
+        </p:style>
+        <p:txBody>
+          <a:bodyPr rtlCol="0" anchor="ctr"/>
+          <a:lstStyle/>
+          <a:p>
+            <a:pPr algn="ctr"/>
+            <a:endParaRPr lang="en-US" sz="1400"/>
+          </a:p>
+        </p:txBody>
+      </p:sp>
+      <p:sp>
+        <p:nvSpPr>
+          <p:cNvPr id="17" name="TextBox 16">
+            <a:extLst>
+              <a:ext uri="{FF2B5EF4-FFF2-40B4-BE49-F238E27FC236}">
+                <a16:creationId xmlns:a16="http://schemas.microsoft.com/office/drawing/2014/main" id="{DF961A29-34AD-E14E-7785-9C6E3A02604E}"/>
+              </a:ext>
+            </a:extLst>
+          </p:cNvPr>
+          <p:cNvSpPr txBox="1"/>
+          <p:nvPr/>
+        </p:nvSpPr>
+        <p:spPr>
+          <a:xfrm>
+            <a:off x="2608621" y="550116"/>
+            <a:ext cx="1287969" cy="338554"/>
+          </a:xfrm>
+          <a:prstGeom prst="rect">
+            <a:avLst/>
+          </a:prstGeom>
+          <a:noFill/>
+        </p:spPr>
+        <p:txBody>
+          <a:bodyPr wrap="square" rtlCol="0">
+            <a:spAutoFit/>
+          </a:bodyPr>
+          <a:lstStyle/>
+          <a:p>
+            <a:pPr algn="ctr"/>
+            <a:r>
+              <a:rPr lang="es-419" sz="800" dirty="0"/>
+              <a:t>API Gateway</a:t>
+            </a:r>
+          </a:p>
+          <a:p>
+            <a:pPr algn="ctr"/>
+            <a:r>
+              <a:rPr lang="en-US" sz="800" dirty="0" err="1"/>
+              <a:t>client.web.apigateway</a:t>
+            </a:r>
+            <a:endParaRPr lang="en-US" sz="800" dirty="0"/>
+          </a:p>
+        </p:txBody>
+      </p:sp>
+      <p:cxnSp>
+        <p:nvCxnSpPr>
+          <p:cNvPr id="18" name="Connector: Curved 17">
+            <a:extLst>
+              <a:ext uri="{FF2B5EF4-FFF2-40B4-BE49-F238E27FC236}">
+                <a16:creationId xmlns:a16="http://schemas.microsoft.com/office/drawing/2014/main" id="{F1C098B1-2F8C-95CE-2BCD-41EDA1BF92AA}"/>
+              </a:ext>
+            </a:extLst>
+          </p:cNvPr>
+          <p:cNvCxnSpPr>
+            <a:cxnSpLocks/>
+          </p:cNvCxnSpPr>
+          <p:nvPr/>
+        </p:nvCxnSpPr>
+        <p:spPr>
+          <a:xfrm rot="5400000" flipH="1" flipV="1">
+            <a:off x="4050367" y="5336764"/>
+            <a:ext cx="117016" cy="1712539"/>
+          </a:xfrm>
+          <a:prstGeom prst="curvedConnector3">
+            <a:avLst>
+              <a:gd name="adj1" fmla="val -195358"/>
+            </a:avLst>
+          </a:prstGeom>
+          <a:ln w="19050">
+            <a:tailEnd type="triangle"/>
+          </a:ln>
+        </p:spPr>
+        <p:style>
+          <a:lnRef idx="1">
+            <a:schemeClr val="dk1"/>
+          </a:lnRef>
+          <a:fillRef idx="0">
+            <a:schemeClr val="dk1"/>
+          </a:fillRef>
+          <a:effectRef idx="0">
+            <a:schemeClr val="dk1"/>
+          </a:effectRef>
+          <a:fontRef idx="minor">
+            <a:schemeClr val="tx1"/>
+          </a:fontRef>
+        </p:style>
+      </p:cxnSp>
+      <p:sp>
+        <p:nvSpPr>
+          <p:cNvPr id="19" name="Rectangle: Rounded Corners 18">
+            <a:extLst>
+              <a:ext uri="{FF2B5EF4-FFF2-40B4-BE49-F238E27FC236}">
+                <a16:creationId xmlns:a16="http://schemas.microsoft.com/office/drawing/2014/main" id="{2A27D51F-385B-7926-EF60-46E5A05401DF}"/>
+              </a:ext>
+            </a:extLst>
+          </p:cNvPr>
+          <p:cNvSpPr/>
+          <p:nvPr/>
+        </p:nvSpPr>
+        <p:spPr>
+          <a:xfrm>
+            <a:off x="671405" y="2871343"/>
+            <a:ext cx="1124105" cy="757549"/>
+          </a:xfrm>
+          <a:prstGeom prst="roundRect">
+            <a:avLst/>
+          </a:prstGeom>
+          <a:solidFill>
+            <a:schemeClr val="bg1"/>
+          </a:solidFill>
+        </p:spPr>
+        <p:style>
+          <a:lnRef idx="2">
+            <a:schemeClr val="accent1">
+              <a:shade val="50000"/>
+            </a:schemeClr>
+          </a:lnRef>
+          <a:fillRef idx="1">
+            <a:schemeClr val="accent1"/>
+          </a:fillRef>
+          <a:effectRef idx="0">
+            <a:schemeClr val="accent1"/>
+          </a:effectRef>
+          <a:fontRef idx="minor">
+            <a:schemeClr val="lt1"/>
+          </a:fontRef>
+        </p:style>
+        <p:txBody>
+          <a:bodyPr rtlCol="0" anchor="ctr"/>
+          <a:lstStyle/>
+          <a:p>
+            <a:pPr algn="ctr"/>
+            <a:endParaRPr lang="en-US" sz="1400"/>
+          </a:p>
+        </p:txBody>
+      </p:sp>
+      <p:sp>
+        <p:nvSpPr>
+          <p:cNvPr id="20" name="Parallelogram 19">
+            <a:extLst>
+              <a:ext uri="{FF2B5EF4-FFF2-40B4-BE49-F238E27FC236}">
+                <a16:creationId xmlns:a16="http://schemas.microsoft.com/office/drawing/2014/main" id="{E3966802-63BE-66C6-07A6-9CA050804C8B}"/>
+              </a:ext>
+            </a:extLst>
+          </p:cNvPr>
+          <p:cNvSpPr/>
+          <p:nvPr/>
+        </p:nvSpPr>
+        <p:spPr>
+          <a:xfrm>
+            <a:off x="671405" y="3661475"/>
+            <a:ext cx="1124105" cy="211788"/>
+          </a:xfrm>
+          <a:prstGeom prst="parallelogram">
+            <a:avLst/>
+          </a:prstGeom>
+          <a:solidFill>
+            <a:schemeClr val="bg1"/>
+          </a:solidFill>
+        </p:spPr>
+        <p:style>
+          <a:lnRef idx="2">
+            <a:schemeClr val="accent1">
+              <a:shade val="50000"/>
+            </a:schemeClr>
+          </a:lnRef>
+          <a:fillRef idx="1">
+            <a:schemeClr val="accent1"/>
+          </a:fillRef>
+          <a:effectRef idx="0">
+            <a:schemeClr val="accent1"/>
+          </a:effectRef>
+          <a:fontRef idx="minor">
+            <a:schemeClr val="lt1"/>
+          </a:fontRef>
+        </p:style>
+        <p:txBody>
+          <a:bodyPr rtlCol="0" anchor="ctr"/>
+          <a:lstStyle/>
+          <a:p>
+            <a:pPr algn="ctr"/>
+            <a:endParaRPr lang="en-US" sz="1400"/>
+          </a:p>
+        </p:txBody>
+      </p:sp>
+      <p:sp>
+        <p:nvSpPr>
+          <p:cNvPr id="21" name="TextBox 20">
+            <a:extLst>
+              <a:ext uri="{FF2B5EF4-FFF2-40B4-BE49-F238E27FC236}">
+                <a16:creationId xmlns:a16="http://schemas.microsoft.com/office/drawing/2014/main" id="{587F80D5-A1CD-7047-9B17-40CA4DD03EB3}"/>
+              </a:ext>
+            </a:extLst>
+          </p:cNvPr>
+          <p:cNvSpPr txBox="1"/>
+          <p:nvPr/>
+        </p:nvSpPr>
+        <p:spPr>
+          <a:xfrm>
+            <a:off x="1014809" y="3918901"/>
+            <a:ext cx="426720" cy="215444"/>
+          </a:xfrm>
+          <a:prstGeom prst="rect">
+            <a:avLst/>
+          </a:prstGeom>
+          <a:noFill/>
+        </p:spPr>
+        <p:txBody>
+          <a:bodyPr wrap="none" rtlCol="0">
+            <a:spAutoFit/>
+          </a:bodyPr>
+          <a:lstStyle/>
+          <a:p>
+            <a:r>
+              <a:rPr lang="es-419" sz="800" dirty="0"/>
+              <a:t>Client</a:t>
+            </a:r>
+            <a:endParaRPr lang="en-US" sz="800" dirty="0"/>
+          </a:p>
+        </p:txBody>
+      </p:sp>
+      <p:pic>
+        <p:nvPicPr>
+          <p:cNvPr id="22" name="Picture 28" descr="Icon | Angular Material">
+            <a:extLst>
+              <a:ext uri="{FF2B5EF4-FFF2-40B4-BE49-F238E27FC236}">
+                <a16:creationId xmlns:a16="http://schemas.microsoft.com/office/drawing/2014/main" id="{3D50CC68-D690-9507-527F-F71C4CA7749C}"/>
+              </a:ext>
+            </a:extLst>
+          </p:cNvPr>
+          <p:cNvPicPr>
+            <a:picLocks noChangeAspect="1" noChangeArrowheads="1"/>
+          </p:cNvPicPr>
+          <p:nvPr/>
+        </p:nvPicPr>
+        <p:blipFill>
+          <a:blip r:embed="rId5">
+            <a:extLst>
+              <a:ext uri="{28A0092B-C50C-407E-A947-70E740481C1C}">
+                <a14:useLocalDpi xmlns:a14="http://schemas.microsoft.com/office/drawing/2010/main" val="0"/>
+              </a:ext>
+            </a:extLst>
+          </a:blip>
+          <a:srcRect/>
+          <a:stretch>
+            <a:fillRect/>
+          </a:stretch>
+        </p:blipFill>
+        <p:spPr bwMode="auto">
+          <a:xfrm>
+            <a:off x="1071506" y="3108124"/>
+            <a:ext cx="323903" cy="323903"/>
+          </a:xfrm>
+          <a:prstGeom prst="rect">
+            <a:avLst/>
+          </a:prstGeom>
+          <a:noFill/>
+          <a:extLst>
+            <a:ext uri="{909E8E84-426E-40DD-AFC4-6F175D3DCCD1}">
+              <a14:hiddenFill xmlns:a14="http://schemas.microsoft.com/office/drawing/2010/main">
+                <a:solidFill>
+                  <a:srgbClr val="FFFFFF"/>
+                </a:solidFill>
+              </a14:hiddenFill>
+            </a:ext>
+          </a:extLst>
+        </p:spPr>
+      </p:pic>
+      <p:sp>
+        <p:nvSpPr>
+          <p:cNvPr id="23" name="TextBox 22">
+            <a:extLst>
+              <a:ext uri="{FF2B5EF4-FFF2-40B4-BE49-F238E27FC236}">
+                <a16:creationId xmlns:a16="http://schemas.microsoft.com/office/drawing/2014/main" id="{CF265767-92D1-820B-D5BA-78930218F99E}"/>
+              </a:ext>
+            </a:extLst>
+          </p:cNvPr>
+          <p:cNvSpPr txBox="1"/>
+          <p:nvPr/>
+        </p:nvSpPr>
+        <p:spPr>
+          <a:xfrm>
+            <a:off x="850825" y="4112162"/>
+            <a:ext cx="838717" cy="215444"/>
+          </a:xfrm>
+          <a:prstGeom prst="rect">
+            <a:avLst/>
+          </a:prstGeom>
+          <a:noFill/>
+        </p:spPr>
+        <p:txBody>
+          <a:bodyPr wrap="square" rtlCol="0">
+            <a:spAutoFit/>
+          </a:bodyPr>
+          <a:lstStyle/>
+          <a:p>
+            <a:pPr algn="ctr"/>
+            <a:r>
+              <a:rPr lang="en-US" sz="800" dirty="0"/>
+              <a:t>Port: 8081</a:t>
+            </a:r>
+          </a:p>
+        </p:txBody>
+      </p:sp>
+      <p:sp>
+        <p:nvSpPr>
+          <p:cNvPr id="24" name="Rectangle 23">
+            <a:extLst>
+              <a:ext uri="{FF2B5EF4-FFF2-40B4-BE49-F238E27FC236}">
+                <a16:creationId xmlns:a16="http://schemas.microsoft.com/office/drawing/2014/main" id="{0607F0A7-3E98-26E2-CA4C-8FA4DF26BC9C}"/>
+              </a:ext>
+            </a:extLst>
+          </p:cNvPr>
+          <p:cNvSpPr/>
+          <p:nvPr/>
+        </p:nvSpPr>
+        <p:spPr>
+          <a:xfrm>
+            <a:off x="4359435" y="1085185"/>
+            <a:ext cx="1193234" cy="1049117"/>
+          </a:xfrm>
+          <a:prstGeom prst="rect">
+            <a:avLst/>
+          </a:prstGeom>
+          <a:solidFill>
+            <a:schemeClr val="accent2">
+              <a:lumMod val="60000"/>
+              <a:lumOff val="40000"/>
+              <a:alpha val="25000"/>
+            </a:schemeClr>
+          </a:solidFill>
+          <a:ln>
+            <a:noFill/>
+          </a:ln>
+        </p:spPr>
+        <p:style>
+          <a:lnRef idx="2">
+            <a:schemeClr val="accent1">
+              <a:shade val="50000"/>
+            </a:schemeClr>
+          </a:lnRef>
+          <a:fillRef idx="1">
+            <a:schemeClr val="accent1"/>
+          </a:fillRef>
+          <a:effectRef idx="0">
+            <a:schemeClr val="accent1"/>
+          </a:effectRef>
+          <a:fontRef idx="minor">
+            <a:schemeClr val="lt1"/>
+          </a:fontRef>
+        </p:style>
+        <p:txBody>
+          <a:bodyPr rtlCol="0" anchor="ctr"/>
+          <a:lstStyle/>
+          <a:p>
+            <a:pPr algn="ctr"/>
+            <a:endParaRPr lang="es-419"/>
+          </a:p>
+        </p:txBody>
+      </p:sp>
+      <p:sp>
+        <p:nvSpPr>
+          <p:cNvPr id="25" name="Hexagon 24">
+            <a:extLst>
+              <a:ext uri="{FF2B5EF4-FFF2-40B4-BE49-F238E27FC236}">
+                <a16:creationId xmlns:a16="http://schemas.microsoft.com/office/drawing/2014/main" id="{5C46E55A-3D4D-D801-9E09-085AA7256148}"/>
+              </a:ext>
+            </a:extLst>
+          </p:cNvPr>
+          <p:cNvSpPr/>
+          <p:nvPr/>
+        </p:nvSpPr>
+        <p:spPr>
+          <a:xfrm>
+            <a:off x="4585332" y="1300459"/>
+            <a:ext cx="737021" cy="635363"/>
+          </a:xfrm>
+          <a:prstGeom prst="hexagon">
+            <a:avLst/>
+          </a:prstGeom>
+          <a:solidFill>
+            <a:schemeClr val="bg1"/>
+          </a:solidFill>
+        </p:spPr>
+        <p:style>
+          <a:lnRef idx="2">
+            <a:schemeClr val="accent1">
+              <a:shade val="50000"/>
+            </a:schemeClr>
+          </a:lnRef>
+          <a:fillRef idx="1">
+            <a:schemeClr val="accent1"/>
+          </a:fillRef>
+          <a:effectRef idx="0">
+            <a:schemeClr val="accent1"/>
+          </a:effectRef>
+          <a:fontRef idx="minor">
+            <a:schemeClr val="lt1"/>
+          </a:fontRef>
+        </p:style>
+        <p:txBody>
+          <a:bodyPr lIns="0" tIns="0" rIns="0" bIns="0" rtlCol="0" anchor="ctr"/>
+          <a:lstStyle/>
+          <a:p>
+            <a:pPr algn="ctr"/>
+            <a:r>
+              <a:rPr lang="es-419" sz="800" dirty="0" err="1">
+                <a:solidFill>
+                  <a:schemeClr val="tx1"/>
+                </a:solidFill>
+              </a:rPr>
+              <a:t>auth.api</a:t>
+            </a:r>
+            <a:endParaRPr lang="en-US" sz="800" dirty="0">
+              <a:solidFill>
+                <a:schemeClr val="tx1"/>
+              </a:solidFill>
+            </a:endParaRPr>
+          </a:p>
+        </p:txBody>
+      </p:sp>
+      <p:pic>
+        <p:nvPicPr>
+          <p:cNvPr id="26" name="Picture 22" descr="Download C Sharp (C#) Logo Vector SVG, EPS, PDF, Ai and PNG (1.85 KB) Free">
+            <a:extLst>
+              <a:ext uri="{FF2B5EF4-FFF2-40B4-BE49-F238E27FC236}">
+                <a16:creationId xmlns:a16="http://schemas.microsoft.com/office/drawing/2014/main" id="{13AE28B2-CCC2-9F94-5E63-12A75C971702}"/>
+              </a:ext>
+            </a:extLst>
+          </p:cNvPr>
+          <p:cNvPicPr>
+            <a:picLocks noChangeAspect="1" noChangeArrowheads="1"/>
+          </p:cNvPicPr>
+          <p:nvPr/>
+        </p:nvPicPr>
+        <p:blipFill>
+          <a:blip r:embed="rId6">
+            <a:extLst>
+              <a:ext uri="{28A0092B-C50C-407E-A947-70E740481C1C}">
+                <a14:useLocalDpi xmlns:a14="http://schemas.microsoft.com/office/drawing/2010/main" val="0"/>
+              </a:ext>
+            </a:extLst>
+          </a:blip>
+          <a:srcRect/>
+          <a:stretch>
+            <a:fillRect/>
+          </a:stretch>
+        </p:blipFill>
+        <p:spPr bwMode="auto">
+          <a:xfrm>
+            <a:off x="5161000" y="1263829"/>
+            <a:ext cx="322704" cy="323903"/>
+          </a:xfrm>
+          <a:prstGeom prst="rect">
+            <a:avLst/>
+          </a:prstGeom>
+          <a:noFill/>
+          <a:extLst>
+            <a:ext uri="{909E8E84-426E-40DD-AFC4-6F175D3DCCD1}">
+              <a14:hiddenFill xmlns:a14="http://schemas.microsoft.com/office/drawing/2010/main">
+                <a:solidFill>
+                  <a:srgbClr val="FFFFFF"/>
+                </a:solidFill>
+              </a14:hiddenFill>
+            </a:ext>
+          </a:extLst>
+        </p:spPr>
+      </p:pic>
+      <p:cxnSp>
+        <p:nvCxnSpPr>
+          <p:cNvPr id="27" name="Connector: Curved 26">
+            <a:extLst>
+              <a:ext uri="{FF2B5EF4-FFF2-40B4-BE49-F238E27FC236}">
+                <a16:creationId xmlns:a16="http://schemas.microsoft.com/office/drawing/2014/main" id="{65B17DEE-FB88-39F3-2A4F-208EFB550AE1}"/>
+              </a:ext>
+            </a:extLst>
+          </p:cNvPr>
+          <p:cNvCxnSpPr>
+            <a:cxnSpLocks/>
+          </p:cNvCxnSpPr>
+          <p:nvPr/>
+        </p:nvCxnSpPr>
+        <p:spPr>
+          <a:xfrm rot="16200000" flipH="1">
+            <a:off x="3590773" y="147060"/>
+            <a:ext cx="815231" cy="1491567"/>
+          </a:xfrm>
+          <a:prstGeom prst="curvedConnector3">
+            <a:avLst>
+              <a:gd name="adj1" fmla="val -28041"/>
+            </a:avLst>
+          </a:prstGeom>
+          <a:ln w="19050">
+            <a:tailEnd type="triangle"/>
+          </a:ln>
+        </p:spPr>
+        <p:style>
+          <a:lnRef idx="1">
+            <a:schemeClr val="dk1"/>
+          </a:lnRef>
+          <a:fillRef idx="0">
+            <a:schemeClr val="dk1"/>
+          </a:fillRef>
+          <a:effectRef idx="0">
+            <a:schemeClr val="dk1"/>
+          </a:effectRef>
+          <a:fontRef idx="minor">
+            <a:schemeClr val="tx1"/>
+          </a:fontRef>
+        </p:style>
+      </p:cxnSp>
     </p:spTree>
     <p:extLst>
       <p:ext uri="{BB962C8B-B14F-4D97-AF65-F5344CB8AC3E}">

--- a/Taller/Taller.pptx
+++ b/Taller/Taller.pptx
@@ -4664,6 +4664,5527 @@
           </a:fontRef>
         </p:style>
       </p:cxnSp>
+      <p:pic>
+        <p:nvPicPr>
+          <p:cNvPr id="30" name="Picture 22" descr="Download C Sharp (C#) Logo Vector SVG, EPS, PDF, Ai and PNG (1.85 KB) Free">
+            <a:extLst>
+              <a:ext uri="{FF2B5EF4-FFF2-40B4-BE49-F238E27FC236}">
+                <a16:creationId xmlns:a16="http://schemas.microsoft.com/office/drawing/2014/main" id="{876E0C14-4A19-4355-56D6-261C64751F38}"/>
+              </a:ext>
+            </a:extLst>
+          </p:cNvPr>
+          <p:cNvPicPr>
+            <a:picLocks noChangeAspect="1" noChangeArrowheads="1"/>
+          </p:cNvPicPr>
+          <p:nvPr/>
+        </p:nvPicPr>
+        <p:blipFill>
+          <a:blip r:embed="rId6">
+            <a:extLst>
+              <a:ext uri="{28A0092B-C50C-407E-A947-70E740481C1C}">
+                <a14:useLocalDpi xmlns:a14="http://schemas.microsoft.com/office/drawing/2010/main" val="0"/>
+              </a:ext>
+            </a:extLst>
+          </a:blip>
+          <a:srcRect/>
+          <a:stretch>
+            <a:fillRect/>
+          </a:stretch>
+        </p:blipFill>
+        <p:spPr bwMode="auto">
+          <a:xfrm>
+            <a:off x="3770566" y="418423"/>
+            <a:ext cx="322704" cy="323903"/>
+          </a:xfrm>
+          <a:prstGeom prst="rect">
+            <a:avLst/>
+          </a:prstGeom>
+          <a:noFill/>
+          <a:extLst>
+            <a:ext uri="{909E8E84-426E-40DD-AFC4-6F175D3DCCD1}">
+              <a14:hiddenFill xmlns:a14="http://schemas.microsoft.com/office/drawing/2010/main">
+                <a:solidFill>
+                  <a:srgbClr val="FFFFFF"/>
+                </a:solidFill>
+              </a14:hiddenFill>
+            </a:ext>
+          </a:extLst>
+        </p:spPr>
+      </p:pic>
+      <p:sp>
+        <p:nvSpPr>
+          <p:cNvPr id="31" name="Rectangle 30">
+            <a:extLst>
+              <a:ext uri="{FF2B5EF4-FFF2-40B4-BE49-F238E27FC236}">
+                <a16:creationId xmlns:a16="http://schemas.microsoft.com/office/drawing/2014/main" id="{133DCE4B-4D76-C98E-7A5E-5D871EC789DB}"/>
+              </a:ext>
+            </a:extLst>
+          </p:cNvPr>
+          <p:cNvSpPr/>
+          <p:nvPr/>
+        </p:nvSpPr>
+        <p:spPr>
+          <a:xfrm>
+            <a:off x="5699000" y="418072"/>
+            <a:ext cx="1193234" cy="950078"/>
+          </a:xfrm>
+          <a:prstGeom prst="rect">
+            <a:avLst/>
+          </a:prstGeom>
+          <a:solidFill>
+            <a:schemeClr val="accent5">
+              <a:lumMod val="60000"/>
+              <a:lumOff val="40000"/>
+              <a:alpha val="25000"/>
+            </a:schemeClr>
+          </a:solidFill>
+          <a:ln>
+            <a:noFill/>
+          </a:ln>
+        </p:spPr>
+        <p:style>
+          <a:lnRef idx="2">
+            <a:schemeClr val="accent1">
+              <a:shade val="50000"/>
+            </a:schemeClr>
+          </a:lnRef>
+          <a:fillRef idx="1">
+            <a:schemeClr val="accent1"/>
+          </a:fillRef>
+          <a:effectRef idx="0">
+            <a:schemeClr val="accent1"/>
+          </a:effectRef>
+          <a:fontRef idx="minor">
+            <a:schemeClr val="lt1"/>
+          </a:fontRef>
+        </p:style>
+        <p:txBody>
+          <a:bodyPr rtlCol="0" anchor="ctr"/>
+          <a:lstStyle/>
+          <a:p>
+            <a:pPr algn="ctr"/>
+            <a:endParaRPr lang="es-419"/>
+          </a:p>
+        </p:txBody>
+      </p:sp>
+      <p:sp>
+        <p:nvSpPr>
+          <p:cNvPr id="32" name="Cylinder 31">
+            <a:extLst>
+              <a:ext uri="{FF2B5EF4-FFF2-40B4-BE49-F238E27FC236}">
+                <a16:creationId xmlns:a16="http://schemas.microsoft.com/office/drawing/2014/main" id="{052C2EFC-F9C0-3545-4078-300098CB385F}"/>
+              </a:ext>
+            </a:extLst>
+          </p:cNvPr>
+          <p:cNvSpPr/>
+          <p:nvPr/>
+        </p:nvSpPr>
+        <p:spPr>
+          <a:xfrm>
+            <a:off x="6055420" y="544313"/>
+            <a:ext cx="531933" cy="569399"/>
+          </a:xfrm>
+          <a:prstGeom prst="can">
+            <a:avLst/>
+          </a:prstGeom>
+          <a:solidFill>
+            <a:schemeClr val="bg1"/>
+          </a:solidFill>
+        </p:spPr>
+        <p:style>
+          <a:lnRef idx="2">
+            <a:schemeClr val="accent1">
+              <a:shade val="50000"/>
+            </a:schemeClr>
+          </a:lnRef>
+          <a:fillRef idx="1">
+            <a:schemeClr val="accent1"/>
+          </a:fillRef>
+          <a:effectRef idx="0">
+            <a:schemeClr val="accent1"/>
+          </a:effectRef>
+          <a:fontRef idx="minor">
+            <a:schemeClr val="lt1"/>
+          </a:fontRef>
+        </p:style>
+        <p:txBody>
+          <a:bodyPr rtlCol="0" anchor="ctr"/>
+          <a:lstStyle/>
+          <a:p>
+            <a:pPr algn="ctr"/>
+            <a:endParaRPr lang="en-US" sz="1400" dirty="0"/>
+          </a:p>
+        </p:txBody>
+      </p:sp>
+      <p:sp>
+        <p:nvSpPr>
+          <p:cNvPr id="33" name="TextBox 32">
+            <a:extLst>
+              <a:ext uri="{FF2B5EF4-FFF2-40B4-BE49-F238E27FC236}">
+                <a16:creationId xmlns:a16="http://schemas.microsoft.com/office/drawing/2014/main" id="{5972EC64-0913-14C0-0794-A732B4749650}"/>
+              </a:ext>
+            </a:extLst>
+          </p:cNvPr>
+          <p:cNvSpPr txBox="1"/>
+          <p:nvPr/>
+        </p:nvSpPr>
+        <p:spPr>
+          <a:xfrm>
+            <a:off x="6063224" y="1096319"/>
+            <a:ext cx="531933" cy="215444"/>
+          </a:xfrm>
+          <a:prstGeom prst="rect">
+            <a:avLst/>
+          </a:prstGeom>
+          <a:noFill/>
+        </p:spPr>
+        <p:txBody>
+          <a:bodyPr wrap="square" rtlCol="0">
+            <a:spAutoFit/>
+          </a:bodyPr>
+          <a:lstStyle/>
+          <a:p>
+            <a:pPr algn="ctr"/>
+            <a:r>
+              <a:rPr lang="es-419" sz="800" dirty="0" err="1"/>
+              <a:t>auth.db</a:t>
+            </a:r>
+            <a:endParaRPr lang="en-US" sz="800" dirty="0"/>
+          </a:p>
+        </p:txBody>
+      </p:sp>
+      <p:pic>
+        <p:nvPicPr>
+          <p:cNvPr id="34" name="Picture 2" descr="19 Mongodb Icons - Free in SVG, PNG, ICO - IconScout">
+            <a:extLst>
+              <a:ext uri="{FF2B5EF4-FFF2-40B4-BE49-F238E27FC236}">
+                <a16:creationId xmlns:a16="http://schemas.microsoft.com/office/drawing/2014/main" id="{48B7AB8A-0117-2738-27AA-C6B0B3FBBDAB}"/>
+              </a:ext>
+            </a:extLst>
+          </p:cNvPr>
+          <p:cNvPicPr>
+            <a:picLocks noChangeAspect="1" noChangeArrowheads="1"/>
+          </p:cNvPicPr>
+          <p:nvPr/>
+        </p:nvPicPr>
+        <p:blipFill>
+          <a:blip r:embed="rId7">
+            <a:extLst>
+              <a:ext uri="{28A0092B-C50C-407E-A947-70E740481C1C}">
+                <a14:useLocalDpi xmlns:a14="http://schemas.microsoft.com/office/drawing/2010/main" val="0"/>
+              </a:ext>
+            </a:extLst>
+          </a:blip>
+          <a:srcRect/>
+          <a:stretch>
+            <a:fillRect/>
+          </a:stretch>
+        </p:blipFill>
+        <p:spPr bwMode="auto">
+          <a:xfrm>
+            <a:off x="6151336" y="746754"/>
+            <a:ext cx="323903" cy="323903"/>
+          </a:xfrm>
+          <a:prstGeom prst="rect">
+            <a:avLst/>
+          </a:prstGeom>
+          <a:noFill/>
+          <a:extLst>
+            <a:ext uri="{909E8E84-426E-40DD-AFC4-6F175D3DCCD1}">
+              <a14:hiddenFill xmlns:a14="http://schemas.microsoft.com/office/drawing/2010/main">
+                <a:solidFill>
+                  <a:srgbClr val="FFFFFF"/>
+                </a:solidFill>
+              </a14:hiddenFill>
+            </a:ext>
+          </a:extLst>
+        </p:spPr>
+      </p:pic>
+      <p:cxnSp>
+        <p:nvCxnSpPr>
+          <p:cNvPr id="35" name="Connector: Curved 34">
+            <a:extLst>
+              <a:ext uri="{FF2B5EF4-FFF2-40B4-BE49-F238E27FC236}">
+                <a16:creationId xmlns:a16="http://schemas.microsoft.com/office/drawing/2014/main" id="{8A2B244E-2BDD-FB77-1425-78CE57241A1C}"/>
+              </a:ext>
+            </a:extLst>
+          </p:cNvPr>
+          <p:cNvCxnSpPr>
+            <a:cxnSpLocks/>
+          </p:cNvCxnSpPr>
+          <p:nvPr/>
+        </p:nvCxnSpPr>
+        <p:spPr>
+          <a:xfrm rot="5400000" flipH="1" flipV="1">
+            <a:off x="5373743" y="618782"/>
+            <a:ext cx="471446" cy="891908"/>
+          </a:xfrm>
+          <a:prstGeom prst="curvedConnector2">
+            <a:avLst/>
+          </a:prstGeom>
+          <a:ln>
+            <a:tailEnd type="triangle"/>
+          </a:ln>
+        </p:spPr>
+        <p:style>
+          <a:lnRef idx="1">
+            <a:schemeClr val="accent1"/>
+          </a:lnRef>
+          <a:fillRef idx="0">
+            <a:schemeClr val="accent1"/>
+          </a:fillRef>
+          <a:effectRef idx="0">
+            <a:schemeClr val="accent1"/>
+          </a:effectRef>
+          <a:fontRef idx="minor">
+            <a:schemeClr val="tx1"/>
+          </a:fontRef>
+        </p:style>
+      </p:cxnSp>
+      <p:sp>
+        <p:nvSpPr>
+          <p:cNvPr id="36" name="Rectangle 35">
+            <a:extLst>
+              <a:ext uri="{FF2B5EF4-FFF2-40B4-BE49-F238E27FC236}">
+                <a16:creationId xmlns:a16="http://schemas.microsoft.com/office/drawing/2014/main" id="{C48C8A82-90EB-BDE8-0CA0-F9A83731CDA8}"/>
+              </a:ext>
+            </a:extLst>
+          </p:cNvPr>
+          <p:cNvSpPr/>
+          <p:nvPr/>
+        </p:nvSpPr>
+        <p:spPr>
+          <a:xfrm>
+            <a:off x="7806509" y="2224669"/>
+            <a:ext cx="1193234" cy="2997775"/>
+          </a:xfrm>
+          <a:prstGeom prst="rect">
+            <a:avLst/>
+          </a:prstGeom>
+          <a:solidFill>
+            <a:schemeClr val="accent5">
+              <a:lumMod val="60000"/>
+              <a:lumOff val="40000"/>
+              <a:alpha val="25000"/>
+            </a:schemeClr>
+          </a:solidFill>
+          <a:ln>
+            <a:noFill/>
+          </a:ln>
+        </p:spPr>
+        <p:style>
+          <a:lnRef idx="2">
+            <a:schemeClr val="accent1">
+              <a:shade val="50000"/>
+            </a:schemeClr>
+          </a:lnRef>
+          <a:fillRef idx="1">
+            <a:schemeClr val="accent1"/>
+          </a:fillRef>
+          <a:effectRef idx="0">
+            <a:schemeClr val="accent1"/>
+          </a:effectRef>
+          <a:fontRef idx="minor">
+            <a:schemeClr val="lt1"/>
+          </a:fontRef>
+        </p:style>
+        <p:txBody>
+          <a:bodyPr rtlCol="0" anchor="ctr"/>
+          <a:lstStyle/>
+          <a:p>
+            <a:pPr algn="ctr"/>
+            <a:endParaRPr lang="es-419"/>
+          </a:p>
+        </p:txBody>
+      </p:sp>
+      <p:sp>
+        <p:nvSpPr>
+          <p:cNvPr id="37" name="Cylinder 36">
+            <a:extLst>
+              <a:ext uri="{FF2B5EF4-FFF2-40B4-BE49-F238E27FC236}">
+                <a16:creationId xmlns:a16="http://schemas.microsoft.com/office/drawing/2014/main" id="{A541FBEF-E933-EE5C-224E-9A3A5BB5E89A}"/>
+              </a:ext>
+            </a:extLst>
+          </p:cNvPr>
+          <p:cNvSpPr/>
+          <p:nvPr/>
+        </p:nvSpPr>
+        <p:spPr>
+          <a:xfrm>
+            <a:off x="8137161" y="2382324"/>
+            <a:ext cx="531933" cy="569399"/>
+          </a:xfrm>
+          <a:prstGeom prst="can">
+            <a:avLst/>
+          </a:prstGeom>
+          <a:solidFill>
+            <a:schemeClr val="bg1"/>
+          </a:solidFill>
+        </p:spPr>
+        <p:style>
+          <a:lnRef idx="2">
+            <a:schemeClr val="accent1">
+              <a:shade val="50000"/>
+            </a:schemeClr>
+          </a:lnRef>
+          <a:fillRef idx="1">
+            <a:schemeClr val="accent1"/>
+          </a:fillRef>
+          <a:effectRef idx="0">
+            <a:schemeClr val="accent1"/>
+          </a:effectRef>
+          <a:fontRef idx="minor">
+            <a:schemeClr val="lt1"/>
+          </a:fontRef>
+        </p:style>
+        <p:txBody>
+          <a:bodyPr rtlCol="0" anchor="ctr"/>
+          <a:lstStyle/>
+          <a:p>
+            <a:pPr algn="ctr"/>
+            <a:endParaRPr lang="en-US" sz="1400" dirty="0"/>
+          </a:p>
+        </p:txBody>
+      </p:sp>
+      <p:sp>
+        <p:nvSpPr>
+          <p:cNvPr id="38" name="TextBox 37">
+            <a:extLst>
+              <a:ext uri="{FF2B5EF4-FFF2-40B4-BE49-F238E27FC236}">
+                <a16:creationId xmlns:a16="http://schemas.microsoft.com/office/drawing/2014/main" id="{50F0B287-173C-063E-7FA1-DA376BF1FA5B}"/>
+              </a:ext>
+            </a:extLst>
+          </p:cNvPr>
+          <p:cNvSpPr txBox="1"/>
+          <p:nvPr/>
+        </p:nvSpPr>
+        <p:spPr>
+          <a:xfrm>
+            <a:off x="8097653" y="2951723"/>
+            <a:ext cx="610946" cy="215444"/>
+          </a:xfrm>
+          <a:prstGeom prst="rect">
+            <a:avLst/>
+          </a:prstGeom>
+          <a:noFill/>
+        </p:spPr>
+        <p:txBody>
+          <a:bodyPr wrap="square" rtlCol="0">
+            <a:spAutoFit/>
+          </a:bodyPr>
+          <a:lstStyle/>
+          <a:p>
+            <a:pPr algn="ctr"/>
+            <a:r>
+              <a:rPr lang="es-419" sz="800" dirty="0" err="1"/>
+              <a:t>policy.db</a:t>
+            </a:r>
+            <a:endParaRPr lang="en-US" sz="800" dirty="0"/>
+          </a:p>
+        </p:txBody>
+      </p:sp>
+      <p:sp>
+        <p:nvSpPr>
+          <p:cNvPr id="39" name="Cylinder 38">
+            <a:extLst>
+              <a:ext uri="{FF2B5EF4-FFF2-40B4-BE49-F238E27FC236}">
+                <a16:creationId xmlns:a16="http://schemas.microsoft.com/office/drawing/2014/main" id="{80B107F0-EC57-5AD9-B347-C56E2053E4A2}"/>
+              </a:ext>
+            </a:extLst>
+          </p:cNvPr>
+          <p:cNvSpPr/>
+          <p:nvPr/>
+        </p:nvSpPr>
+        <p:spPr>
+          <a:xfrm>
+            <a:off x="8137161" y="3368846"/>
+            <a:ext cx="531933" cy="569399"/>
+          </a:xfrm>
+          <a:prstGeom prst="can">
+            <a:avLst/>
+          </a:prstGeom>
+          <a:solidFill>
+            <a:schemeClr val="bg1"/>
+          </a:solidFill>
+        </p:spPr>
+        <p:style>
+          <a:lnRef idx="2">
+            <a:schemeClr val="accent1">
+              <a:shade val="50000"/>
+            </a:schemeClr>
+          </a:lnRef>
+          <a:fillRef idx="1">
+            <a:schemeClr val="accent1"/>
+          </a:fillRef>
+          <a:effectRef idx="0">
+            <a:schemeClr val="accent1"/>
+          </a:effectRef>
+          <a:fontRef idx="minor">
+            <a:schemeClr val="lt1"/>
+          </a:fontRef>
+        </p:style>
+        <p:txBody>
+          <a:bodyPr rtlCol="0" anchor="ctr"/>
+          <a:lstStyle/>
+          <a:p>
+            <a:pPr algn="ctr"/>
+            <a:endParaRPr lang="en-US" sz="1400" dirty="0"/>
+          </a:p>
+        </p:txBody>
+      </p:sp>
+      <p:sp>
+        <p:nvSpPr>
+          <p:cNvPr id="40" name="TextBox 39">
+            <a:extLst>
+              <a:ext uri="{FF2B5EF4-FFF2-40B4-BE49-F238E27FC236}">
+                <a16:creationId xmlns:a16="http://schemas.microsoft.com/office/drawing/2014/main" id="{A166D2FC-289E-26D6-355C-E79E6CCAC06F}"/>
+              </a:ext>
+            </a:extLst>
+          </p:cNvPr>
+          <p:cNvSpPr txBox="1"/>
+          <p:nvPr/>
+        </p:nvSpPr>
+        <p:spPr>
+          <a:xfrm>
+            <a:off x="8061961" y="3938171"/>
+            <a:ext cx="737020" cy="215444"/>
+          </a:xfrm>
+          <a:prstGeom prst="rect">
+            <a:avLst/>
+          </a:prstGeom>
+          <a:noFill/>
+        </p:spPr>
+        <p:txBody>
+          <a:bodyPr wrap="square" rtlCol="0">
+            <a:spAutoFit/>
+          </a:bodyPr>
+          <a:lstStyle/>
+          <a:p>
+            <a:pPr algn="ctr"/>
+            <a:r>
+              <a:rPr lang="es-419" sz="800" dirty="0" err="1"/>
+              <a:t>pricing.db</a:t>
+            </a:r>
+            <a:endParaRPr lang="en-US" sz="800" dirty="0"/>
+          </a:p>
+        </p:txBody>
+      </p:sp>
+      <p:sp>
+        <p:nvSpPr>
+          <p:cNvPr id="41" name="Cylinder 40">
+            <a:extLst>
+              <a:ext uri="{FF2B5EF4-FFF2-40B4-BE49-F238E27FC236}">
+                <a16:creationId xmlns:a16="http://schemas.microsoft.com/office/drawing/2014/main" id="{FF5BCD93-B29C-8F07-8E20-69529DF555EE}"/>
+              </a:ext>
+            </a:extLst>
+          </p:cNvPr>
+          <p:cNvSpPr/>
+          <p:nvPr/>
+        </p:nvSpPr>
+        <p:spPr>
+          <a:xfrm>
+            <a:off x="8137161" y="4341420"/>
+            <a:ext cx="531933" cy="569399"/>
+          </a:xfrm>
+          <a:prstGeom prst="can">
+            <a:avLst/>
+          </a:prstGeom>
+          <a:solidFill>
+            <a:schemeClr val="bg1"/>
+          </a:solidFill>
+        </p:spPr>
+        <p:style>
+          <a:lnRef idx="2">
+            <a:schemeClr val="accent1">
+              <a:shade val="50000"/>
+            </a:schemeClr>
+          </a:lnRef>
+          <a:fillRef idx="1">
+            <a:schemeClr val="accent1"/>
+          </a:fillRef>
+          <a:effectRef idx="0">
+            <a:schemeClr val="accent1"/>
+          </a:effectRef>
+          <a:fontRef idx="minor">
+            <a:schemeClr val="lt1"/>
+          </a:fontRef>
+        </p:style>
+        <p:txBody>
+          <a:bodyPr rtlCol="0" anchor="ctr"/>
+          <a:lstStyle/>
+          <a:p>
+            <a:pPr algn="ctr"/>
+            <a:endParaRPr lang="en-US" sz="1400" dirty="0"/>
+          </a:p>
+        </p:txBody>
+      </p:sp>
+      <p:sp>
+        <p:nvSpPr>
+          <p:cNvPr id="42" name="TextBox 41">
+            <a:extLst>
+              <a:ext uri="{FF2B5EF4-FFF2-40B4-BE49-F238E27FC236}">
+                <a16:creationId xmlns:a16="http://schemas.microsoft.com/office/drawing/2014/main" id="{B4CC1306-5156-2D74-6AB2-42728AFEA3E3}"/>
+              </a:ext>
+            </a:extLst>
+          </p:cNvPr>
+          <p:cNvSpPr txBox="1"/>
+          <p:nvPr/>
+        </p:nvSpPr>
+        <p:spPr>
+          <a:xfrm>
+            <a:off x="8061961" y="4910745"/>
+            <a:ext cx="737020" cy="215444"/>
+          </a:xfrm>
+          <a:prstGeom prst="rect">
+            <a:avLst/>
+          </a:prstGeom>
+          <a:noFill/>
+        </p:spPr>
+        <p:txBody>
+          <a:bodyPr wrap="square" rtlCol="0">
+            <a:spAutoFit/>
+          </a:bodyPr>
+          <a:lstStyle/>
+          <a:p>
+            <a:pPr algn="ctr"/>
+            <a:r>
+              <a:rPr lang="es-419" sz="800" dirty="0" err="1"/>
+              <a:t>product.db</a:t>
+            </a:r>
+            <a:endParaRPr lang="en-US" sz="800" dirty="0"/>
+          </a:p>
+        </p:txBody>
+      </p:sp>
+      <p:pic>
+        <p:nvPicPr>
+          <p:cNvPr id="43" name="Picture 4" descr="Microsoft SQL Server - Table Connector | Low-Code Microsoft SQL Server -  Table Integration | Cyclr">
+            <a:extLst>
+              <a:ext uri="{FF2B5EF4-FFF2-40B4-BE49-F238E27FC236}">
+                <a16:creationId xmlns:a16="http://schemas.microsoft.com/office/drawing/2014/main" id="{05F6A976-15AC-D421-CCF2-CCB217A075A4}"/>
+              </a:ext>
+            </a:extLst>
+          </p:cNvPr>
+          <p:cNvPicPr>
+            <a:picLocks noChangeAspect="1" noChangeArrowheads="1"/>
+          </p:cNvPicPr>
+          <p:nvPr/>
+        </p:nvPicPr>
+        <p:blipFill>
+          <a:blip r:embed="rId8">
+            <a:extLst>
+              <a:ext uri="{28A0092B-C50C-407E-A947-70E740481C1C}">
+                <a14:useLocalDpi xmlns:a14="http://schemas.microsoft.com/office/drawing/2010/main" val="0"/>
+              </a:ext>
+            </a:extLst>
+          </a:blip>
+          <a:srcRect/>
+          <a:stretch>
+            <a:fillRect/>
+          </a:stretch>
+        </p:blipFill>
+        <p:spPr bwMode="auto">
+          <a:xfrm>
+            <a:off x="8241175" y="2537245"/>
+            <a:ext cx="323903" cy="323903"/>
+          </a:xfrm>
+          <a:prstGeom prst="rect">
+            <a:avLst/>
+          </a:prstGeom>
+          <a:noFill/>
+          <a:extLst>
+            <a:ext uri="{909E8E84-426E-40DD-AFC4-6F175D3DCCD1}">
+              <a14:hiddenFill xmlns:a14="http://schemas.microsoft.com/office/drawing/2010/main">
+                <a:solidFill>
+                  <a:srgbClr val="FFFFFF"/>
+                </a:solidFill>
+              </a14:hiddenFill>
+            </a:ext>
+          </a:extLst>
+        </p:spPr>
+      </p:pic>
+      <p:pic>
+        <p:nvPicPr>
+          <p:cNvPr id="44" name="Picture 6" descr="Marten | .NET Transactional Document DB and Event Store on PostgreSQL">
+            <a:extLst>
+              <a:ext uri="{FF2B5EF4-FFF2-40B4-BE49-F238E27FC236}">
+                <a16:creationId xmlns:a16="http://schemas.microsoft.com/office/drawing/2014/main" id="{787CA9B0-B905-D541-9482-44D81A0A6529}"/>
+              </a:ext>
+            </a:extLst>
+          </p:cNvPr>
+          <p:cNvPicPr>
+            <a:picLocks noChangeAspect="1" noChangeArrowheads="1"/>
+          </p:cNvPicPr>
+          <p:nvPr/>
+        </p:nvPicPr>
+        <p:blipFill>
+          <a:blip r:embed="rId9">
+            <a:extLst>
+              <a:ext uri="{28A0092B-C50C-407E-A947-70E740481C1C}">
+                <a14:useLocalDpi xmlns:a14="http://schemas.microsoft.com/office/drawing/2010/main" val="0"/>
+              </a:ext>
+            </a:extLst>
+          </a:blip>
+          <a:srcRect/>
+          <a:stretch>
+            <a:fillRect/>
+          </a:stretch>
+        </p:blipFill>
+        <p:spPr bwMode="auto">
+          <a:xfrm>
+            <a:off x="8241175" y="3558412"/>
+            <a:ext cx="323903" cy="323903"/>
+          </a:xfrm>
+          <a:prstGeom prst="rect">
+            <a:avLst/>
+          </a:prstGeom>
+          <a:noFill/>
+          <a:extLst>
+            <a:ext uri="{909E8E84-426E-40DD-AFC4-6F175D3DCCD1}">
+              <a14:hiddenFill xmlns:a14="http://schemas.microsoft.com/office/drawing/2010/main">
+                <a:solidFill>
+                  <a:srgbClr val="FFFFFF"/>
+                </a:solidFill>
+              </a14:hiddenFill>
+            </a:ext>
+          </a:extLst>
+        </p:spPr>
+      </p:pic>
+      <p:pic>
+        <p:nvPicPr>
+          <p:cNvPr id="45" name="Picture 4" descr="Microsoft SQL Server - Table Connector | Low-Code Microsoft SQL Server -  Table Integration | Cyclr">
+            <a:extLst>
+              <a:ext uri="{FF2B5EF4-FFF2-40B4-BE49-F238E27FC236}">
+                <a16:creationId xmlns:a16="http://schemas.microsoft.com/office/drawing/2014/main" id="{A7B32F8C-0C86-85EB-0143-8BA079E350A7}"/>
+              </a:ext>
+            </a:extLst>
+          </p:cNvPr>
+          <p:cNvPicPr>
+            <a:picLocks noChangeAspect="1" noChangeArrowheads="1"/>
+          </p:cNvPicPr>
+          <p:nvPr/>
+        </p:nvPicPr>
+        <p:blipFill>
+          <a:blip r:embed="rId8">
+            <a:extLst>
+              <a:ext uri="{28A0092B-C50C-407E-A947-70E740481C1C}">
+                <a14:useLocalDpi xmlns:a14="http://schemas.microsoft.com/office/drawing/2010/main" val="0"/>
+              </a:ext>
+            </a:extLst>
+          </a:blip>
+          <a:srcRect/>
+          <a:stretch>
+            <a:fillRect/>
+          </a:stretch>
+        </p:blipFill>
+        <p:spPr bwMode="auto">
+          <a:xfrm>
+            <a:off x="8241175" y="4510600"/>
+            <a:ext cx="323903" cy="323903"/>
+          </a:xfrm>
+          <a:prstGeom prst="rect">
+            <a:avLst/>
+          </a:prstGeom>
+          <a:noFill/>
+          <a:extLst>
+            <a:ext uri="{909E8E84-426E-40DD-AFC4-6F175D3DCCD1}">
+              <a14:hiddenFill xmlns:a14="http://schemas.microsoft.com/office/drawing/2010/main">
+                <a:solidFill>
+                  <a:srgbClr val="FFFFFF"/>
+                </a:solidFill>
+              </a14:hiddenFill>
+            </a:ext>
+          </a:extLst>
+        </p:spPr>
+      </p:pic>
+      <p:sp>
+        <p:nvSpPr>
+          <p:cNvPr id="46" name="TextBox 45">
+            <a:extLst>
+              <a:ext uri="{FF2B5EF4-FFF2-40B4-BE49-F238E27FC236}">
+                <a16:creationId xmlns:a16="http://schemas.microsoft.com/office/drawing/2014/main" id="{31CCCF14-D111-EDCA-2119-EA3C8EFFAAFC}"/>
+              </a:ext>
+            </a:extLst>
+          </p:cNvPr>
+          <p:cNvSpPr txBox="1"/>
+          <p:nvPr/>
+        </p:nvSpPr>
+        <p:spPr>
+          <a:xfrm>
+            <a:off x="8061961" y="4910745"/>
+            <a:ext cx="737020" cy="215444"/>
+          </a:xfrm>
+          <a:prstGeom prst="rect">
+            <a:avLst/>
+          </a:prstGeom>
+          <a:noFill/>
+        </p:spPr>
+        <p:txBody>
+          <a:bodyPr wrap="square" rtlCol="0">
+            <a:spAutoFit/>
+          </a:bodyPr>
+          <a:lstStyle/>
+          <a:p>
+            <a:pPr algn="ctr"/>
+            <a:r>
+              <a:rPr lang="es-419" sz="800" dirty="0" err="1"/>
+              <a:t>product.db</a:t>
+            </a:r>
+            <a:endParaRPr lang="en-US" sz="800" dirty="0"/>
+          </a:p>
+        </p:txBody>
+      </p:sp>
+      <p:pic>
+        <p:nvPicPr>
+          <p:cNvPr id="47" name="Picture 4" descr="Microsoft SQL Server - Table Connector | Low-Code Microsoft SQL Server -  Table Integration | Cyclr">
+            <a:extLst>
+              <a:ext uri="{FF2B5EF4-FFF2-40B4-BE49-F238E27FC236}">
+                <a16:creationId xmlns:a16="http://schemas.microsoft.com/office/drawing/2014/main" id="{2F0026CC-50A1-FBA1-B407-14C63703504A}"/>
+              </a:ext>
+            </a:extLst>
+          </p:cNvPr>
+          <p:cNvPicPr>
+            <a:picLocks noChangeAspect="1" noChangeArrowheads="1"/>
+          </p:cNvPicPr>
+          <p:nvPr/>
+        </p:nvPicPr>
+        <p:blipFill>
+          <a:blip r:embed="rId8">
+            <a:extLst>
+              <a:ext uri="{28A0092B-C50C-407E-A947-70E740481C1C}">
+                <a14:useLocalDpi xmlns:a14="http://schemas.microsoft.com/office/drawing/2010/main" val="0"/>
+              </a:ext>
+            </a:extLst>
+          </a:blip>
+          <a:srcRect/>
+          <a:stretch>
+            <a:fillRect/>
+          </a:stretch>
+        </p:blipFill>
+        <p:spPr bwMode="auto">
+          <a:xfrm>
+            <a:off x="8241175" y="4510600"/>
+            <a:ext cx="323903" cy="323903"/>
+          </a:xfrm>
+          <a:prstGeom prst="rect">
+            <a:avLst/>
+          </a:prstGeom>
+          <a:noFill/>
+          <a:extLst>
+            <a:ext uri="{909E8E84-426E-40DD-AFC4-6F175D3DCCD1}">
+              <a14:hiddenFill xmlns:a14="http://schemas.microsoft.com/office/drawing/2010/main">
+                <a:solidFill>
+                  <a:srgbClr val="FFFFFF"/>
+                </a:solidFill>
+              </a14:hiddenFill>
+            </a:ext>
+          </a:extLst>
+        </p:spPr>
+      </p:pic>
+      <p:sp>
+        <p:nvSpPr>
+          <p:cNvPr id="48" name="Rectangle 47">
+            <a:extLst>
+              <a:ext uri="{FF2B5EF4-FFF2-40B4-BE49-F238E27FC236}">
+                <a16:creationId xmlns:a16="http://schemas.microsoft.com/office/drawing/2014/main" id="{54799F67-2A52-C5B9-E11F-8FAB83987F08}"/>
+              </a:ext>
+            </a:extLst>
+          </p:cNvPr>
+          <p:cNvSpPr/>
+          <p:nvPr/>
+        </p:nvSpPr>
+        <p:spPr>
+          <a:xfrm>
+            <a:off x="6186705" y="5521555"/>
+            <a:ext cx="5552136" cy="1263626"/>
+          </a:xfrm>
+          <a:prstGeom prst="rect">
+            <a:avLst/>
+          </a:prstGeom>
+          <a:solidFill>
+            <a:schemeClr val="accent2">
+              <a:lumMod val="60000"/>
+              <a:lumOff val="40000"/>
+              <a:alpha val="25000"/>
+            </a:schemeClr>
+          </a:solidFill>
+          <a:ln>
+            <a:noFill/>
+          </a:ln>
+        </p:spPr>
+        <p:style>
+          <a:lnRef idx="2">
+            <a:schemeClr val="accent1">
+              <a:shade val="50000"/>
+            </a:schemeClr>
+          </a:lnRef>
+          <a:fillRef idx="1">
+            <a:schemeClr val="accent1"/>
+          </a:fillRef>
+          <a:effectRef idx="0">
+            <a:schemeClr val="accent1"/>
+          </a:effectRef>
+          <a:fontRef idx="minor">
+            <a:schemeClr val="lt1"/>
+          </a:fontRef>
+        </p:style>
+        <p:txBody>
+          <a:bodyPr rtlCol="0" anchor="ctr"/>
+          <a:lstStyle/>
+          <a:p>
+            <a:pPr algn="ctr"/>
+            <a:endParaRPr lang="es-419"/>
+          </a:p>
+        </p:txBody>
+      </p:sp>
+      <p:sp>
+        <p:nvSpPr>
+          <p:cNvPr id="49" name="Cylinder 48">
+            <a:extLst>
+              <a:ext uri="{FF2B5EF4-FFF2-40B4-BE49-F238E27FC236}">
+                <a16:creationId xmlns:a16="http://schemas.microsoft.com/office/drawing/2014/main" id="{02376428-C6F3-201F-AA1A-93FAB45C0C0C}"/>
+              </a:ext>
+            </a:extLst>
+          </p:cNvPr>
+          <p:cNvSpPr/>
+          <p:nvPr/>
+        </p:nvSpPr>
+        <p:spPr>
+          <a:xfrm>
+            <a:off x="9530079" y="5690736"/>
+            <a:ext cx="531933" cy="569399"/>
+          </a:xfrm>
+          <a:prstGeom prst="can">
+            <a:avLst/>
+          </a:prstGeom>
+        </p:spPr>
+        <p:style>
+          <a:lnRef idx="2">
+            <a:schemeClr val="accent2"/>
+          </a:lnRef>
+          <a:fillRef idx="1">
+            <a:schemeClr val="lt1"/>
+          </a:fillRef>
+          <a:effectRef idx="0">
+            <a:schemeClr val="accent2"/>
+          </a:effectRef>
+          <a:fontRef idx="minor">
+            <a:schemeClr val="dk1"/>
+          </a:fontRef>
+        </p:style>
+        <p:txBody>
+          <a:bodyPr rtlCol="0" anchor="ctr"/>
+          <a:lstStyle/>
+          <a:p>
+            <a:pPr algn="ctr"/>
+            <a:endParaRPr lang="en-US" sz="1400" dirty="0"/>
+          </a:p>
+        </p:txBody>
+      </p:sp>
+      <p:sp>
+        <p:nvSpPr>
+          <p:cNvPr id="50" name="TextBox 49">
+            <a:extLst>
+              <a:ext uri="{FF2B5EF4-FFF2-40B4-BE49-F238E27FC236}">
+                <a16:creationId xmlns:a16="http://schemas.microsoft.com/office/drawing/2014/main" id="{6CA9BC98-D936-8C1F-6595-39BF3AFD3040}"/>
+              </a:ext>
+            </a:extLst>
+          </p:cNvPr>
+          <p:cNvSpPr txBox="1"/>
+          <p:nvPr/>
+        </p:nvSpPr>
+        <p:spPr>
+          <a:xfrm>
+            <a:off x="9398412" y="6260060"/>
+            <a:ext cx="823930" cy="215444"/>
+          </a:xfrm>
+          <a:prstGeom prst="rect">
+            <a:avLst/>
+          </a:prstGeom>
+          <a:noFill/>
+        </p:spPr>
+        <p:txBody>
+          <a:bodyPr wrap="square" rtlCol="0">
+            <a:spAutoFit/>
+          </a:bodyPr>
+          <a:lstStyle/>
+          <a:p>
+            <a:pPr algn="ctr"/>
+            <a:r>
+              <a:rPr lang="es-419" sz="800" dirty="0" err="1"/>
+              <a:t>elastic</a:t>
+            </a:r>
+            <a:r>
+              <a:rPr lang="es-419" sz="800" dirty="0"/>
+              <a:t> </a:t>
+            </a:r>
+            <a:r>
+              <a:rPr lang="es-419" sz="800" dirty="0" err="1"/>
+              <a:t>search</a:t>
+            </a:r>
+            <a:endParaRPr lang="en-US" sz="800" dirty="0"/>
+          </a:p>
+        </p:txBody>
+      </p:sp>
+      <p:pic>
+        <p:nvPicPr>
+          <p:cNvPr id="51" name="Picture 8" descr="download logo elastic search icon svg eps png psd ai vector color | Search  icon, Vector, Psd">
+            <a:extLst>
+              <a:ext uri="{FF2B5EF4-FFF2-40B4-BE49-F238E27FC236}">
+                <a16:creationId xmlns:a16="http://schemas.microsoft.com/office/drawing/2014/main" id="{C170156A-D957-EF62-2178-479C45199785}"/>
+              </a:ext>
+            </a:extLst>
+          </p:cNvPr>
+          <p:cNvPicPr>
+            <a:picLocks noChangeAspect="1" noChangeArrowheads="1"/>
+          </p:cNvPicPr>
+          <p:nvPr/>
+        </p:nvPicPr>
+        <p:blipFill>
+          <a:blip r:embed="rId10">
+            <a:extLst>
+              <a:ext uri="{28A0092B-C50C-407E-A947-70E740481C1C}">
+                <a14:useLocalDpi xmlns:a14="http://schemas.microsoft.com/office/drawing/2010/main" val="0"/>
+              </a:ext>
+            </a:extLst>
+          </a:blip>
+          <a:srcRect/>
+          <a:stretch>
+            <a:fillRect/>
+          </a:stretch>
+        </p:blipFill>
+        <p:spPr bwMode="auto">
+          <a:xfrm>
+            <a:off x="9661747" y="5856147"/>
+            <a:ext cx="288476" cy="323903"/>
+          </a:xfrm>
+          <a:prstGeom prst="rect">
+            <a:avLst/>
+          </a:prstGeom>
+          <a:noFill/>
+          <a:extLst>
+            <a:ext uri="{909E8E84-426E-40DD-AFC4-6F175D3DCCD1}">
+              <a14:hiddenFill xmlns:a14="http://schemas.microsoft.com/office/drawing/2010/main">
+                <a:solidFill>
+                  <a:srgbClr val="FFFFFF"/>
+                </a:solidFill>
+              </a14:hiddenFill>
+            </a:ext>
+          </a:extLst>
+        </p:spPr>
+      </p:pic>
+      <p:sp>
+        <p:nvSpPr>
+          <p:cNvPr id="52" name="Rectangle: Rounded Corners 51">
+            <a:extLst>
+              <a:ext uri="{FF2B5EF4-FFF2-40B4-BE49-F238E27FC236}">
+                <a16:creationId xmlns:a16="http://schemas.microsoft.com/office/drawing/2014/main" id="{7E7BAB82-B4F6-D3E9-CD6C-071C96BE54BB}"/>
+              </a:ext>
+            </a:extLst>
+          </p:cNvPr>
+          <p:cNvSpPr/>
+          <p:nvPr/>
+        </p:nvSpPr>
+        <p:spPr>
+          <a:xfrm>
+            <a:off x="10441154" y="5802410"/>
+            <a:ext cx="720769" cy="395847"/>
+          </a:xfrm>
+          <a:prstGeom prst="roundRect">
+            <a:avLst/>
+          </a:prstGeom>
+        </p:spPr>
+        <p:style>
+          <a:lnRef idx="2">
+            <a:schemeClr val="accent2"/>
+          </a:lnRef>
+          <a:fillRef idx="1">
+            <a:schemeClr val="lt1"/>
+          </a:fillRef>
+          <a:effectRef idx="0">
+            <a:schemeClr val="accent2"/>
+          </a:effectRef>
+          <a:fontRef idx="minor">
+            <a:schemeClr val="dk1"/>
+          </a:fontRef>
+        </p:style>
+        <p:txBody>
+          <a:bodyPr vert="horz" rtlCol="0" anchor="ctr"/>
+          <a:lstStyle/>
+          <a:p>
+            <a:pPr algn="ctr"/>
+            <a:r>
+              <a:rPr lang="es-419" sz="800" dirty="0" err="1">
+                <a:solidFill>
+                  <a:schemeClr val="tx1"/>
+                </a:solidFill>
+              </a:rPr>
+              <a:t>Kibana</a:t>
+            </a:r>
+            <a:endParaRPr lang="en-US" sz="800" dirty="0">
+              <a:solidFill>
+                <a:schemeClr val="tx1"/>
+              </a:solidFill>
+            </a:endParaRPr>
+          </a:p>
+        </p:txBody>
+      </p:sp>
+      <p:cxnSp>
+        <p:nvCxnSpPr>
+          <p:cNvPr id="53" name="Straight Arrow Connector 52">
+            <a:extLst>
+              <a:ext uri="{FF2B5EF4-FFF2-40B4-BE49-F238E27FC236}">
+                <a16:creationId xmlns:a16="http://schemas.microsoft.com/office/drawing/2014/main" id="{6EA2E335-9857-CDE9-3DB6-EB9A39FFA612}"/>
+              </a:ext>
+            </a:extLst>
+          </p:cNvPr>
+          <p:cNvCxnSpPr>
+            <a:cxnSpLocks/>
+            <a:stCxn id="49" idx="4"/>
+            <a:endCxn id="52" idx="1"/>
+          </p:cNvCxnSpPr>
+          <p:nvPr/>
+        </p:nvCxnSpPr>
+        <p:spPr>
+          <a:xfrm>
+            <a:off x="10062012" y="5975436"/>
+            <a:ext cx="379142" cy="24898"/>
+          </a:xfrm>
+          <a:prstGeom prst="straightConnector1">
+            <a:avLst/>
+          </a:prstGeom>
+          <a:ln>
+            <a:tailEnd type="triangle"/>
+          </a:ln>
+        </p:spPr>
+        <p:style>
+          <a:lnRef idx="1">
+            <a:schemeClr val="accent2"/>
+          </a:lnRef>
+          <a:fillRef idx="0">
+            <a:schemeClr val="accent2"/>
+          </a:fillRef>
+          <a:effectRef idx="0">
+            <a:schemeClr val="accent2"/>
+          </a:effectRef>
+          <a:fontRef idx="minor">
+            <a:schemeClr val="tx1"/>
+          </a:fontRef>
+        </p:style>
+      </p:cxnSp>
+      <p:pic>
+        <p:nvPicPr>
+          <p:cNvPr id="54" name="Picture 16" descr="kibana icon">
+            <a:extLst>
+              <a:ext uri="{FF2B5EF4-FFF2-40B4-BE49-F238E27FC236}">
+                <a16:creationId xmlns:a16="http://schemas.microsoft.com/office/drawing/2014/main" id="{3F9735C6-B29D-89FE-8205-615CE79917A5}"/>
+              </a:ext>
+            </a:extLst>
+          </p:cNvPr>
+          <p:cNvPicPr>
+            <a:picLocks noChangeAspect="1" noChangeArrowheads="1"/>
+          </p:cNvPicPr>
+          <p:nvPr/>
+        </p:nvPicPr>
+        <p:blipFill>
+          <a:blip r:embed="rId11">
+            <a:extLst>
+              <a:ext uri="{28A0092B-C50C-407E-A947-70E740481C1C}">
+                <a14:useLocalDpi xmlns:a14="http://schemas.microsoft.com/office/drawing/2010/main" val="0"/>
+              </a:ext>
+            </a:extLst>
+          </a:blip>
+          <a:srcRect/>
+          <a:stretch>
+            <a:fillRect/>
+          </a:stretch>
+        </p:blipFill>
+        <p:spPr bwMode="auto">
+          <a:xfrm>
+            <a:off x="10713936" y="6254861"/>
+            <a:ext cx="226732" cy="226732"/>
+          </a:xfrm>
+          <a:prstGeom prst="rect">
+            <a:avLst/>
+          </a:prstGeom>
+          <a:noFill/>
+          <a:extLst>
+            <a:ext uri="{909E8E84-426E-40DD-AFC4-6F175D3DCCD1}">
+              <a14:hiddenFill xmlns:a14="http://schemas.microsoft.com/office/drawing/2010/main">
+                <a:solidFill>
+                  <a:srgbClr val="FFFFFF"/>
+                </a:solidFill>
+              </a14:hiddenFill>
+            </a:ext>
+          </a:extLst>
+        </p:spPr>
+      </p:pic>
+      <p:sp>
+        <p:nvSpPr>
+          <p:cNvPr id="55" name="TextBox 54">
+            <a:extLst>
+              <a:ext uri="{FF2B5EF4-FFF2-40B4-BE49-F238E27FC236}">
+                <a16:creationId xmlns:a16="http://schemas.microsoft.com/office/drawing/2014/main" id="{37BAAE6B-067A-8C6E-66A8-BDCF86ABA111}"/>
+              </a:ext>
+            </a:extLst>
+          </p:cNvPr>
+          <p:cNvSpPr txBox="1"/>
+          <p:nvPr/>
+        </p:nvSpPr>
+        <p:spPr>
+          <a:xfrm>
+            <a:off x="10821847" y="6251542"/>
+            <a:ext cx="838717" cy="215444"/>
+          </a:xfrm>
+          <a:prstGeom prst="rect">
+            <a:avLst/>
+          </a:prstGeom>
+          <a:noFill/>
+        </p:spPr>
+        <p:txBody>
+          <a:bodyPr wrap="square" rtlCol="0">
+            <a:spAutoFit/>
+          </a:bodyPr>
+          <a:lstStyle/>
+          <a:p>
+            <a:pPr algn="ctr"/>
+            <a:r>
+              <a:rPr lang="en-US" sz="800" dirty="0"/>
+              <a:t>Port: 5601</a:t>
+            </a:r>
+          </a:p>
+        </p:txBody>
+      </p:sp>
+      <p:sp>
+        <p:nvSpPr>
+          <p:cNvPr id="56" name="Rectangle: Rounded Corners 55">
+            <a:extLst>
+              <a:ext uri="{FF2B5EF4-FFF2-40B4-BE49-F238E27FC236}">
+                <a16:creationId xmlns:a16="http://schemas.microsoft.com/office/drawing/2014/main" id="{9FDB1261-A19B-6C87-C3A1-536A2B9C96B6}"/>
+              </a:ext>
+            </a:extLst>
+          </p:cNvPr>
+          <p:cNvSpPr/>
+          <p:nvPr/>
+        </p:nvSpPr>
+        <p:spPr>
+          <a:xfrm>
+            <a:off x="8629118" y="5778825"/>
+            <a:ext cx="720769" cy="395847"/>
+          </a:xfrm>
+          <a:prstGeom prst="roundRect">
+            <a:avLst/>
+          </a:prstGeom>
+        </p:spPr>
+        <p:style>
+          <a:lnRef idx="2">
+            <a:schemeClr val="accent2"/>
+          </a:lnRef>
+          <a:fillRef idx="1">
+            <a:schemeClr val="lt1"/>
+          </a:fillRef>
+          <a:effectRef idx="0">
+            <a:schemeClr val="accent2"/>
+          </a:effectRef>
+          <a:fontRef idx="minor">
+            <a:schemeClr val="dk1"/>
+          </a:fontRef>
+        </p:style>
+        <p:txBody>
+          <a:bodyPr vert="horz" rtlCol="0" anchor="ctr"/>
+          <a:lstStyle/>
+          <a:p>
+            <a:pPr algn="ctr"/>
+            <a:r>
+              <a:rPr lang="es-419" sz="800" dirty="0" err="1">
+                <a:solidFill>
+                  <a:schemeClr val="tx1"/>
+                </a:solidFill>
+              </a:rPr>
+              <a:t>LogStash</a:t>
+            </a:r>
+            <a:endParaRPr lang="en-US" sz="800" dirty="0">
+              <a:solidFill>
+                <a:schemeClr val="tx1"/>
+              </a:solidFill>
+            </a:endParaRPr>
+          </a:p>
+        </p:txBody>
+      </p:sp>
+      <p:pic>
+        <p:nvPicPr>
+          <p:cNvPr id="57" name="Picture 14" descr="Logstash free vector icon - Iconbolt">
+            <a:extLst>
+              <a:ext uri="{FF2B5EF4-FFF2-40B4-BE49-F238E27FC236}">
+                <a16:creationId xmlns:a16="http://schemas.microsoft.com/office/drawing/2014/main" id="{31C3D13E-533E-F511-C289-0C21037F0089}"/>
+              </a:ext>
+            </a:extLst>
+          </p:cNvPr>
+          <p:cNvPicPr>
+            <a:picLocks noChangeAspect="1" noChangeArrowheads="1"/>
+          </p:cNvPicPr>
+          <p:nvPr/>
+        </p:nvPicPr>
+        <p:blipFill>
+          <a:blip r:embed="rId12">
+            <a:extLst>
+              <a:ext uri="{28A0092B-C50C-407E-A947-70E740481C1C}">
+                <a14:useLocalDpi xmlns:a14="http://schemas.microsoft.com/office/drawing/2010/main" val="0"/>
+              </a:ext>
+            </a:extLst>
+          </a:blip>
+          <a:srcRect/>
+          <a:stretch>
+            <a:fillRect/>
+          </a:stretch>
+        </p:blipFill>
+        <p:spPr bwMode="auto">
+          <a:xfrm>
+            <a:off x="8883269" y="6259041"/>
+            <a:ext cx="323903" cy="170049"/>
+          </a:xfrm>
+          <a:prstGeom prst="rect">
+            <a:avLst/>
+          </a:prstGeom>
+          <a:noFill/>
+          <a:extLst>
+            <a:ext uri="{909E8E84-426E-40DD-AFC4-6F175D3DCCD1}">
+              <a14:hiddenFill xmlns:a14="http://schemas.microsoft.com/office/drawing/2010/main">
+                <a:solidFill>
+                  <a:srgbClr val="FFFFFF"/>
+                </a:solidFill>
+              </a14:hiddenFill>
+            </a:ext>
+          </a:extLst>
+        </p:spPr>
+      </p:pic>
+      <p:cxnSp>
+        <p:nvCxnSpPr>
+          <p:cNvPr id="58" name="Straight Arrow Connector 57">
+            <a:extLst>
+              <a:ext uri="{FF2B5EF4-FFF2-40B4-BE49-F238E27FC236}">
+                <a16:creationId xmlns:a16="http://schemas.microsoft.com/office/drawing/2014/main" id="{6DE272B1-342E-ECE9-23E7-F700C03AA2AD}"/>
+              </a:ext>
+            </a:extLst>
+          </p:cNvPr>
+          <p:cNvCxnSpPr>
+            <a:cxnSpLocks/>
+          </p:cNvCxnSpPr>
+          <p:nvPr/>
+        </p:nvCxnSpPr>
+        <p:spPr>
+          <a:xfrm flipV="1">
+            <a:off x="9349887" y="5975435"/>
+            <a:ext cx="180192" cy="1314"/>
+          </a:xfrm>
+          <a:prstGeom prst="straightConnector1">
+            <a:avLst/>
+          </a:prstGeom>
+          <a:ln>
+            <a:tailEnd type="triangle"/>
+          </a:ln>
+        </p:spPr>
+        <p:style>
+          <a:lnRef idx="1">
+            <a:schemeClr val="accent2"/>
+          </a:lnRef>
+          <a:fillRef idx="0">
+            <a:schemeClr val="accent2"/>
+          </a:fillRef>
+          <a:effectRef idx="0">
+            <a:schemeClr val="accent2"/>
+          </a:effectRef>
+          <a:fontRef idx="minor">
+            <a:schemeClr val="tx1"/>
+          </a:fontRef>
+        </p:style>
+      </p:cxnSp>
+      <p:sp>
+        <p:nvSpPr>
+          <p:cNvPr id="59" name="Rectangle 58">
+            <a:extLst>
+              <a:ext uri="{FF2B5EF4-FFF2-40B4-BE49-F238E27FC236}">
+                <a16:creationId xmlns:a16="http://schemas.microsoft.com/office/drawing/2014/main" id="{1293D2DE-AE61-A995-2620-4CB3768479B7}"/>
+              </a:ext>
+            </a:extLst>
+          </p:cNvPr>
+          <p:cNvSpPr/>
+          <p:nvPr/>
+        </p:nvSpPr>
+        <p:spPr>
+          <a:xfrm>
+            <a:off x="10211326" y="4889543"/>
+            <a:ext cx="1531906" cy="628386"/>
+          </a:xfrm>
+          <a:prstGeom prst="rect">
+            <a:avLst/>
+          </a:prstGeom>
+          <a:solidFill>
+            <a:schemeClr val="accent2">
+              <a:lumMod val="60000"/>
+              <a:lumOff val="40000"/>
+              <a:alpha val="25000"/>
+            </a:schemeClr>
+          </a:solidFill>
+          <a:ln>
+            <a:noFill/>
+          </a:ln>
+        </p:spPr>
+        <p:style>
+          <a:lnRef idx="2">
+            <a:schemeClr val="accent1">
+              <a:shade val="50000"/>
+            </a:schemeClr>
+          </a:lnRef>
+          <a:fillRef idx="1">
+            <a:schemeClr val="accent1"/>
+          </a:fillRef>
+          <a:effectRef idx="0">
+            <a:schemeClr val="accent1"/>
+          </a:effectRef>
+          <a:fontRef idx="minor">
+            <a:schemeClr val="lt1"/>
+          </a:fontRef>
+        </p:style>
+        <p:txBody>
+          <a:bodyPr rtlCol="0" anchor="ctr"/>
+          <a:lstStyle/>
+          <a:p>
+            <a:pPr algn="ctr"/>
+            <a:endParaRPr lang="es-419" dirty="0"/>
+          </a:p>
+        </p:txBody>
+      </p:sp>
+      <p:sp>
+        <p:nvSpPr>
+          <p:cNvPr id="60" name="Rectangle: Rounded Corners 59">
+            <a:extLst>
+              <a:ext uri="{FF2B5EF4-FFF2-40B4-BE49-F238E27FC236}">
+                <a16:creationId xmlns:a16="http://schemas.microsoft.com/office/drawing/2014/main" id="{70500383-F401-C47B-2533-88AF96AC420D}"/>
+              </a:ext>
+            </a:extLst>
+          </p:cNvPr>
+          <p:cNvSpPr/>
+          <p:nvPr/>
+        </p:nvSpPr>
+        <p:spPr>
+          <a:xfrm>
+            <a:off x="10441153" y="4998646"/>
+            <a:ext cx="720769" cy="395847"/>
+          </a:xfrm>
+          <a:prstGeom prst="roundRect">
+            <a:avLst/>
+          </a:prstGeom>
+          <a:ln>
+            <a:prstDash val="dash"/>
+          </a:ln>
+        </p:spPr>
+        <p:style>
+          <a:lnRef idx="2">
+            <a:schemeClr val="accent2"/>
+          </a:lnRef>
+          <a:fillRef idx="1">
+            <a:schemeClr val="lt1"/>
+          </a:fillRef>
+          <a:effectRef idx="0">
+            <a:schemeClr val="accent2"/>
+          </a:effectRef>
+          <a:fontRef idx="minor">
+            <a:schemeClr val="dk1"/>
+          </a:fontRef>
+        </p:style>
+        <p:txBody>
+          <a:bodyPr vert="horz" rtlCol="0" anchor="ctr"/>
+          <a:lstStyle/>
+          <a:p>
+            <a:pPr algn="ctr"/>
+            <a:r>
+              <a:rPr lang="es-419" sz="800" dirty="0">
+                <a:solidFill>
+                  <a:schemeClr val="tx1"/>
+                </a:solidFill>
+              </a:rPr>
+              <a:t>APM</a:t>
+            </a:r>
+            <a:endParaRPr lang="en-US" sz="800" dirty="0">
+              <a:solidFill>
+                <a:schemeClr val="tx1"/>
+              </a:solidFill>
+            </a:endParaRPr>
+          </a:p>
+        </p:txBody>
+      </p:sp>
+      <p:cxnSp>
+        <p:nvCxnSpPr>
+          <p:cNvPr id="61" name="Straight Arrow Connector 60">
+            <a:extLst>
+              <a:ext uri="{FF2B5EF4-FFF2-40B4-BE49-F238E27FC236}">
+                <a16:creationId xmlns:a16="http://schemas.microsoft.com/office/drawing/2014/main" id="{3B86C57D-FB1E-E9F5-A655-D949F1496092}"/>
+              </a:ext>
+            </a:extLst>
+          </p:cNvPr>
+          <p:cNvCxnSpPr>
+            <a:cxnSpLocks/>
+            <a:stCxn id="52" idx="0"/>
+            <a:endCxn id="60" idx="2"/>
+          </p:cNvCxnSpPr>
+          <p:nvPr/>
+        </p:nvCxnSpPr>
+        <p:spPr>
+          <a:xfrm flipH="1" flipV="1">
+            <a:off x="10801538" y="5394493"/>
+            <a:ext cx="1" cy="407917"/>
+          </a:xfrm>
+          <a:prstGeom prst="straightConnector1">
+            <a:avLst/>
+          </a:prstGeom>
+          <a:ln>
+            <a:prstDash val="lgDash"/>
+            <a:tailEnd type="triangle"/>
+          </a:ln>
+        </p:spPr>
+        <p:style>
+          <a:lnRef idx="1">
+            <a:schemeClr val="accent2"/>
+          </a:lnRef>
+          <a:fillRef idx="0">
+            <a:schemeClr val="accent2"/>
+          </a:fillRef>
+          <a:effectRef idx="0">
+            <a:schemeClr val="accent2"/>
+          </a:effectRef>
+          <a:fontRef idx="minor">
+            <a:schemeClr val="tx1"/>
+          </a:fontRef>
+        </p:style>
+      </p:cxnSp>
+      <p:cxnSp>
+        <p:nvCxnSpPr>
+          <p:cNvPr id="62" name="Straight Arrow Connector 61">
+            <a:extLst>
+              <a:ext uri="{FF2B5EF4-FFF2-40B4-BE49-F238E27FC236}">
+                <a16:creationId xmlns:a16="http://schemas.microsoft.com/office/drawing/2014/main" id="{B8DB639B-6586-22AD-2543-41B264D562A3}"/>
+              </a:ext>
+            </a:extLst>
+          </p:cNvPr>
+          <p:cNvCxnSpPr>
+            <a:cxnSpLocks/>
+            <a:stCxn id="60" idx="1"/>
+            <a:endCxn id="49" idx="1"/>
+          </p:cNvCxnSpPr>
+          <p:nvPr/>
+        </p:nvCxnSpPr>
+        <p:spPr>
+          <a:xfrm flipH="1">
+            <a:off x="9796046" y="5196570"/>
+            <a:ext cx="645107" cy="494166"/>
+          </a:xfrm>
+          <a:prstGeom prst="straightConnector1">
+            <a:avLst/>
+          </a:prstGeom>
+          <a:ln>
+            <a:tailEnd type="triangle"/>
+          </a:ln>
+        </p:spPr>
+        <p:style>
+          <a:lnRef idx="1">
+            <a:schemeClr val="accent2"/>
+          </a:lnRef>
+          <a:fillRef idx="0">
+            <a:schemeClr val="accent2"/>
+          </a:fillRef>
+          <a:effectRef idx="0">
+            <a:schemeClr val="accent2"/>
+          </a:effectRef>
+          <a:fontRef idx="minor">
+            <a:schemeClr val="tx1"/>
+          </a:fontRef>
+        </p:style>
+      </p:cxnSp>
+      <p:sp>
+        <p:nvSpPr>
+          <p:cNvPr id="63" name="Rectangle: Rounded Corners 62">
+            <a:extLst>
+              <a:ext uri="{FF2B5EF4-FFF2-40B4-BE49-F238E27FC236}">
+                <a16:creationId xmlns:a16="http://schemas.microsoft.com/office/drawing/2014/main" id="{1A6E6FD6-AF27-1B8A-BBC1-B62480A0F018}"/>
+              </a:ext>
+            </a:extLst>
+          </p:cNvPr>
+          <p:cNvSpPr/>
+          <p:nvPr/>
+        </p:nvSpPr>
+        <p:spPr>
+          <a:xfrm>
+            <a:off x="6320710" y="5726473"/>
+            <a:ext cx="521166" cy="395847"/>
+          </a:xfrm>
+          <a:prstGeom prst="roundRect">
+            <a:avLst/>
+          </a:prstGeom>
+        </p:spPr>
+        <p:style>
+          <a:lnRef idx="2">
+            <a:schemeClr val="accent6"/>
+          </a:lnRef>
+          <a:fillRef idx="1">
+            <a:schemeClr val="lt1"/>
+          </a:fillRef>
+          <a:effectRef idx="0">
+            <a:schemeClr val="accent6"/>
+          </a:effectRef>
+          <a:fontRef idx="minor">
+            <a:schemeClr val="dk1"/>
+          </a:fontRef>
+        </p:style>
+        <p:txBody>
+          <a:bodyPr vert="horz" rtlCol="0" anchor="ctr"/>
+          <a:lstStyle/>
+          <a:p>
+            <a:pPr algn="ctr"/>
+            <a:r>
+              <a:rPr lang="es-419" sz="800" dirty="0">
+                <a:solidFill>
+                  <a:schemeClr val="tx1"/>
+                </a:solidFill>
+              </a:rPr>
+              <a:t>Jaeger</a:t>
+            </a:r>
+            <a:endParaRPr lang="en-US" sz="800" dirty="0">
+              <a:solidFill>
+                <a:schemeClr val="tx1"/>
+              </a:solidFill>
+            </a:endParaRPr>
+          </a:p>
+        </p:txBody>
+      </p:sp>
+      <p:pic>
+        <p:nvPicPr>
+          <p:cNvPr id="64" name="Picture 12" descr="CNCF Branding | Jaeger">
+            <a:extLst>
+              <a:ext uri="{FF2B5EF4-FFF2-40B4-BE49-F238E27FC236}">
+                <a16:creationId xmlns:a16="http://schemas.microsoft.com/office/drawing/2014/main" id="{D20B35FF-AD30-8E10-B9B0-10D754A47A1E}"/>
+              </a:ext>
+            </a:extLst>
+          </p:cNvPr>
+          <p:cNvPicPr>
+            <a:picLocks noChangeAspect="1" noChangeArrowheads="1"/>
+          </p:cNvPicPr>
+          <p:nvPr/>
+        </p:nvPicPr>
+        <p:blipFill>
+          <a:blip r:embed="rId13">
+            <a:extLst>
+              <a:ext uri="{28A0092B-C50C-407E-A947-70E740481C1C}">
+                <a14:useLocalDpi xmlns:a14="http://schemas.microsoft.com/office/drawing/2010/main" val="0"/>
+              </a:ext>
+            </a:extLst>
+          </a:blip>
+          <a:srcRect/>
+          <a:stretch>
+            <a:fillRect/>
+          </a:stretch>
+        </p:blipFill>
+        <p:spPr bwMode="auto">
+          <a:xfrm>
+            <a:off x="6350305" y="6228338"/>
+            <a:ext cx="323903" cy="323903"/>
+          </a:xfrm>
+          <a:prstGeom prst="rect">
+            <a:avLst/>
+          </a:prstGeom>
+          <a:noFill/>
+          <a:extLst>
+            <a:ext uri="{909E8E84-426E-40DD-AFC4-6F175D3DCCD1}">
+              <a14:hiddenFill xmlns:a14="http://schemas.microsoft.com/office/drawing/2010/main">
+                <a:solidFill>
+                  <a:srgbClr val="FFFFFF"/>
+                </a:solidFill>
+              </a14:hiddenFill>
+            </a:ext>
+          </a:extLst>
+        </p:spPr>
+      </p:pic>
+      <p:sp>
+        <p:nvSpPr>
+          <p:cNvPr id="65" name="TextBox 64">
+            <a:extLst>
+              <a:ext uri="{FF2B5EF4-FFF2-40B4-BE49-F238E27FC236}">
+                <a16:creationId xmlns:a16="http://schemas.microsoft.com/office/drawing/2014/main" id="{34849F75-838A-92E9-6DC8-6900EE941082}"/>
+              </a:ext>
+            </a:extLst>
+          </p:cNvPr>
+          <p:cNvSpPr txBox="1"/>
+          <p:nvPr/>
+        </p:nvSpPr>
+        <p:spPr>
+          <a:xfrm>
+            <a:off x="6484430" y="6260060"/>
+            <a:ext cx="838717" cy="215444"/>
+          </a:xfrm>
+          <a:prstGeom prst="rect">
+            <a:avLst/>
+          </a:prstGeom>
+          <a:noFill/>
+        </p:spPr>
+        <p:txBody>
+          <a:bodyPr wrap="square" rtlCol="0">
+            <a:spAutoFit/>
+          </a:bodyPr>
+          <a:lstStyle/>
+          <a:p>
+            <a:pPr algn="ctr"/>
+            <a:r>
+              <a:rPr lang="en-US" sz="800" dirty="0"/>
+              <a:t>Port: 16686</a:t>
+            </a:r>
+          </a:p>
+        </p:txBody>
+      </p:sp>
+      <p:sp>
+        <p:nvSpPr>
+          <p:cNvPr id="66" name="Rectangle: Rounded Corners 65">
+            <a:extLst>
+              <a:ext uri="{FF2B5EF4-FFF2-40B4-BE49-F238E27FC236}">
+                <a16:creationId xmlns:a16="http://schemas.microsoft.com/office/drawing/2014/main" id="{890E1661-DC54-2381-C78B-03A9417B7B81}"/>
+              </a:ext>
+            </a:extLst>
+          </p:cNvPr>
+          <p:cNvSpPr/>
+          <p:nvPr/>
+        </p:nvSpPr>
+        <p:spPr>
+          <a:xfrm>
+            <a:off x="7457888" y="5730848"/>
+            <a:ext cx="687932" cy="395847"/>
+          </a:xfrm>
+          <a:prstGeom prst="roundRect">
+            <a:avLst/>
+          </a:prstGeom>
+        </p:spPr>
+        <p:style>
+          <a:lnRef idx="2">
+            <a:schemeClr val="accent6"/>
+          </a:lnRef>
+          <a:fillRef idx="1">
+            <a:schemeClr val="lt1"/>
+          </a:fillRef>
+          <a:effectRef idx="0">
+            <a:schemeClr val="accent6"/>
+          </a:effectRef>
+          <a:fontRef idx="minor">
+            <a:schemeClr val="dk1"/>
+          </a:fontRef>
+        </p:style>
+        <p:txBody>
+          <a:bodyPr vert="horz" rtlCol="0" anchor="ctr"/>
+          <a:lstStyle/>
+          <a:p>
+            <a:pPr algn="ctr"/>
+            <a:r>
+              <a:rPr lang="es-419" sz="800" dirty="0">
+                <a:solidFill>
+                  <a:schemeClr val="tx1"/>
+                </a:solidFill>
+              </a:rPr>
+              <a:t>OTEL</a:t>
+            </a:r>
+          </a:p>
+          <a:p>
+            <a:pPr algn="ctr"/>
+            <a:r>
+              <a:rPr lang="es-419" sz="800" dirty="0" err="1">
+                <a:solidFill>
+                  <a:schemeClr val="tx1"/>
+                </a:solidFill>
+              </a:rPr>
+              <a:t>Collector</a:t>
+            </a:r>
+            <a:endParaRPr lang="en-US" sz="800" dirty="0">
+              <a:solidFill>
+                <a:schemeClr val="tx1"/>
+              </a:solidFill>
+            </a:endParaRPr>
+          </a:p>
+        </p:txBody>
+      </p:sp>
+      <p:sp>
+        <p:nvSpPr>
+          <p:cNvPr id="67" name="Rectangle: Rounded Corners 66">
+            <a:extLst>
+              <a:ext uri="{FF2B5EF4-FFF2-40B4-BE49-F238E27FC236}">
+                <a16:creationId xmlns:a16="http://schemas.microsoft.com/office/drawing/2014/main" id="{9DB9EC25-7352-3EE5-F428-89DE71B85774}"/>
+              </a:ext>
+            </a:extLst>
+          </p:cNvPr>
+          <p:cNvSpPr/>
+          <p:nvPr/>
+        </p:nvSpPr>
+        <p:spPr>
+          <a:xfrm>
+            <a:off x="7407846" y="6277580"/>
+            <a:ext cx="789848" cy="395847"/>
+          </a:xfrm>
+          <a:prstGeom prst="roundRect">
+            <a:avLst/>
+          </a:prstGeom>
+        </p:spPr>
+        <p:style>
+          <a:lnRef idx="2">
+            <a:schemeClr val="accent6"/>
+          </a:lnRef>
+          <a:fillRef idx="1">
+            <a:schemeClr val="lt1"/>
+          </a:fillRef>
+          <a:effectRef idx="0">
+            <a:schemeClr val="accent6"/>
+          </a:effectRef>
+          <a:fontRef idx="minor">
+            <a:schemeClr val="dk1"/>
+          </a:fontRef>
+        </p:style>
+        <p:txBody>
+          <a:bodyPr vert="horz" rtlCol="0" anchor="ctr"/>
+          <a:lstStyle/>
+          <a:p>
+            <a:pPr algn="ctr"/>
+            <a:r>
+              <a:rPr lang="es-419" sz="800" dirty="0" err="1">
+                <a:solidFill>
+                  <a:schemeClr val="tx1"/>
+                </a:solidFill>
+              </a:rPr>
+              <a:t>Prometheus</a:t>
+            </a:r>
+            <a:endParaRPr lang="en-US" sz="800" dirty="0">
+              <a:solidFill>
+                <a:schemeClr val="tx1"/>
+              </a:solidFill>
+            </a:endParaRPr>
+          </a:p>
+        </p:txBody>
+      </p:sp>
+      <p:cxnSp>
+        <p:nvCxnSpPr>
+          <p:cNvPr id="68" name="Straight Arrow Connector 67">
+            <a:extLst>
+              <a:ext uri="{FF2B5EF4-FFF2-40B4-BE49-F238E27FC236}">
+                <a16:creationId xmlns:a16="http://schemas.microsoft.com/office/drawing/2014/main" id="{33EC3B19-312E-4861-4832-2E4BC0A55CF0}"/>
+              </a:ext>
+            </a:extLst>
+          </p:cNvPr>
+          <p:cNvCxnSpPr>
+            <a:cxnSpLocks/>
+            <a:stCxn id="66" idx="1"/>
+            <a:endCxn id="63" idx="3"/>
+          </p:cNvCxnSpPr>
+          <p:nvPr/>
+        </p:nvCxnSpPr>
+        <p:spPr>
+          <a:xfrm flipH="1" flipV="1">
+            <a:off x="6841876" y="5924397"/>
+            <a:ext cx="616012" cy="4375"/>
+          </a:xfrm>
+          <a:prstGeom prst="straightConnector1">
+            <a:avLst/>
+          </a:prstGeom>
+          <a:ln>
+            <a:tailEnd type="triangle"/>
+          </a:ln>
+        </p:spPr>
+        <p:style>
+          <a:lnRef idx="1">
+            <a:schemeClr val="accent2"/>
+          </a:lnRef>
+          <a:fillRef idx="0">
+            <a:schemeClr val="accent2"/>
+          </a:fillRef>
+          <a:effectRef idx="0">
+            <a:schemeClr val="accent2"/>
+          </a:effectRef>
+          <a:fontRef idx="minor">
+            <a:schemeClr val="tx1"/>
+          </a:fontRef>
+        </p:style>
+      </p:cxnSp>
+      <p:cxnSp>
+        <p:nvCxnSpPr>
+          <p:cNvPr id="69" name="Straight Arrow Connector 68">
+            <a:extLst>
+              <a:ext uri="{FF2B5EF4-FFF2-40B4-BE49-F238E27FC236}">
+                <a16:creationId xmlns:a16="http://schemas.microsoft.com/office/drawing/2014/main" id="{30BFBD31-54EE-A806-9BF4-B997ED393E6E}"/>
+              </a:ext>
+            </a:extLst>
+          </p:cNvPr>
+          <p:cNvCxnSpPr>
+            <a:cxnSpLocks/>
+            <a:stCxn id="66" idx="2"/>
+            <a:endCxn id="67" idx="0"/>
+          </p:cNvCxnSpPr>
+          <p:nvPr/>
+        </p:nvCxnSpPr>
+        <p:spPr>
+          <a:xfrm>
+            <a:off x="7801854" y="6126695"/>
+            <a:ext cx="916" cy="150885"/>
+          </a:xfrm>
+          <a:prstGeom prst="straightConnector1">
+            <a:avLst/>
+          </a:prstGeom>
+          <a:ln>
+            <a:tailEnd type="triangle"/>
+          </a:ln>
+        </p:spPr>
+        <p:style>
+          <a:lnRef idx="1">
+            <a:schemeClr val="accent2"/>
+          </a:lnRef>
+          <a:fillRef idx="0">
+            <a:schemeClr val="accent2"/>
+          </a:fillRef>
+          <a:effectRef idx="0">
+            <a:schemeClr val="accent2"/>
+          </a:effectRef>
+          <a:fontRef idx="minor">
+            <a:schemeClr val="tx1"/>
+          </a:fontRef>
+        </p:style>
+      </p:cxnSp>
+      <p:cxnSp>
+        <p:nvCxnSpPr>
+          <p:cNvPr id="70" name="Straight Arrow Connector 69">
+            <a:extLst>
+              <a:ext uri="{FF2B5EF4-FFF2-40B4-BE49-F238E27FC236}">
+                <a16:creationId xmlns:a16="http://schemas.microsoft.com/office/drawing/2014/main" id="{5241137B-59A4-0E52-6631-2B327DF840E7}"/>
+              </a:ext>
+            </a:extLst>
+          </p:cNvPr>
+          <p:cNvCxnSpPr>
+            <a:cxnSpLocks/>
+            <a:stCxn id="67" idx="1"/>
+            <a:endCxn id="63" idx="3"/>
+          </p:cNvCxnSpPr>
+          <p:nvPr/>
+        </p:nvCxnSpPr>
+        <p:spPr>
+          <a:xfrm flipH="1" flipV="1">
+            <a:off x="6841876" y="5924397"/>
+            <a:ext cx="565970" cy="551107"/>
+          </a:xfrm>
+          <a:prstGeom prst="straightConnector1">
+            <a:avLst/>
+          </a:prstGeom>
+          <a:ln>
+            <a:tailEnd type="triangle"/>
+          </a:ln>
+        </p:spPr>
+        <p:style>
+          <a:lnRef idx="1">
+            <a:schemeClr val="accent2"/>
+          </a:lnRef>
+          <a:fillRef idx="0">
+            <a:schemeClr val="accent2"/>
+          </a:fillRef>
+          <a:effectRef idx="0">
+            <a:schemeClr val="accent2"/>
+          </a:effectRef>
+          <a:fontRef idx="minor">
+            <a:schemeClr val="tx1"/>
+          </a:fontRef>
+        </p:style>
+      </p:cxnSp>
+      <p:cxnSp>
+        <p:nvCxnSpPr>
+          <p:cNvPr id="79" name="Straight Arrow Connector 101">
+            <a:extLst>
+              <a:ext uri="{FF2B5EF4-FFF2-40B4-BE49-F238E27FC236}">
+                <a16:creationId xmlns:a16="http://schemas.microsoft.com/office/drawing/2014/main" id="{5B463038-939D-8F23-C139-D4648CB32DAD}"/>
+              </a:ext>
+            </a:extLst>
+          </p:cNvPr>
+          <p:cNvCxnSpPr>
+            <a:cxnSpLocks/>
+          </p:cNvCxnSpPr>
+          <p:nvPr/>
+        </p:nvCxnSpPr>
+        <p:spPr>
+          <a:xfrm rot="16200000" flipH="1">
+            <a:off x="4770363" y="-1032529"/>
+            <a:ext cx="4513418" cy="7548932"/>
+          </a:xfrm>
+          <a:prstGeom prst="curvedConnector3">
+            <a:avLst>
+              <a:gd name="adj1" fmla="val -5065"/>
+            </a:avLst>
+          </a:prstGeom>
+          <a:ln>
+            <a:solidFill>
+              <a:srgbClr val="00B0F0"/>
+            </a:solidFill>
+            <a:tailEnd type="triangle"/>
+          </a:ln>
+        </p:spPr>
+        <p:style>
+          <a:lnRef idx="1">
+            <a:schemeClr val="accent1"/>
+          </a:lnRef>
+          <a:fillRef idx="0">
+            <a:schemeClr val="accent1"/>
+          </a:fillRef>
+          <a:effectRef idx="0">
+            <a:schemeClr val="accent1"/>
+          </a:effectRef>
+          <a:fontRef idx="minor">
+            <a:schemeClr val="tx1"/>
+          </a:fontRef>
+        </p:style>
+      </p:cxnSp>
+      <p:cxnSp>
+        <p:nvCxnSpPr>
+          <p:cNvPr id="80" name="Straight Arrow Connector 101">
+            <a:extLst>
+              <a:ext uri="{FF2B5EF4-FFF2-40B4-BE49-F238E27FC236}">
+                <a16:creationId xmlns:a16="http://schemas.microsoft.com/office/drawing/2014/main" id="{4C992CB8-3034-EB5B-D947-27D23CB0744D}"/>
+              </a:ext>
+            </a:extLst>
+          </p:cNvPr>
+          <p:cNvCxnSpPr>
+            <a:cxnSpLocks/>
+          </p:cNvCxnSpPr>
+          <p:nvPr/>
+        </p:nvCxnSpPr>
+        <p:spPr>
+          <a:xfrm rot="5400000" flipH="1" flipV="1">
+            <a:off x="7513324" y="2846313"/>
+            <a:ext cx="740033" cy="5836393"/>
+          </a:xfrm>
+          <a:prstGeom prst="curvedConnector3">
+            <a:avLst>
+              <a:gd name="adj1" fmla="val -30891"/>
+            </a:avLst>
+          </a:prstGeom>
+          <a:ln>
+            <a:solidFill>
+              <a:srgbClr val="00B0F0"/>
+            </a:solidFill>
+            <a:tailEnd type="triangle"/>
+          </a:ln>
+        </p:spPr>
+        <p:style>
+          <a:lnRef idx="1">
+            <a:schemeClr val="accent1"/>
+          </a:lnRef>
+          <a:fillRef idx="0">
+            <a:schemeClr val="accent1"/>
+          </a:fillRef>
+          <a:effectRef idx="0">
+            <a:schemeClr val="accent1"/>
+          </a:effectRef>
+          <a:fontRef idx="minor">
+            <a:schemeClr val="tx1"/>
+          </a:fontRef>
+        </p:style>
+      </p:cxnSp>
+      <p:cxnSp>
+        <p:nvCxnSpPr>
+          <p:cNvPr id="81" name="Straight Arrow Connector 101">
+            <a:extLst>
+              <a:ext uri="{FF2B5EF4-FFF2-40B4-BE49-F238E27FC236}">
+                <a16:creationId xmlns:a16="http://schemas.microsoft.com/office/drawing/2014/main" id="{154B9EA2-818D-5C7A-813E-375CB8C9A8F2}"/>
+              </a:ext>
+            </a:extLst>
+          </p:cNvPr>
+          <p:cNvCxnSpPr>
+            <a:cxnSpLocks/>
+          </p:cNvCxnSpPr>
+          <p:nvPr/>
+        </p:nvCxnSpPr>
+        <p:spPr>
+          <a:xfrm>
+            <a:off x="8954382" y="1623824"/>
+            <a:ext cx="1847156" cy="3374822"/>
+          </a:xfrm>
+          <a:prstGeom prst="curvedConnector2">
+            <a:avLst/>
+          </a:prstGeom>
+          <a:ln>
+            <a:solidFill>
+              <a:srgbClr val="00B0F0"/>
+            </a:solidFill>
+            <a:tailEnd type="triangle"/>
+          </a:ln>
+        </p:spPr>
+        <p:style>
+          <a:lnRef idx="1">
+            <a:schemeClr val="accent1"/>
+          </a:lnRef>
+          <a:fillRef idx="0">
+            <a:schemeClr val="accent1"/>
+          </a:fillRef>
+          <a:effectRef idx="0">
+            <a:schemeClr val="accent1"/>
+          </a:effectRef>
+          <a:fontRef idx="minor">
+            <a:schemeClr val="tx1"/>
+          </a:fontRef>
+        </p:style>
+      </p:cxnSp>
+      <p:cxnSp>
+        <p:nvCxnSpPr>
+          <p:cNvPr id="82" name="Straight Arrow Connector 101">
+            <a:extLst>
+              <a:ext uri="{FF2B5EF4-FFF2-40B4-BE49-F238E27FC236}">
+                <a16:creationId xmlns:a16="http://schemas.microsoft.com/office/drawing/2014/main" id="{89E62559-AF88-2718-AB7B-980BA1E4B391}"/>
+              </a:ext>
+            </a:extLst>
+          </p:cNvPr>
+          <p:cNvCxnSpPr>
+            <a:cxnSpLocks/>
+          </p:cNvCxnSpPr>
+          <p:nvPr/>
+        </p:nvCxnSpPr>
+        <p:spPr>
+          <a:xfrm>
+            <a:off x="5322353" y="1618141"/>
+            <a:ext cx="5479185" cy="3380505"/>
+          </a:xfrm>
+          <a:prstGeom prst="curvedConnector2">
+            <a:avLst/>
+          </a:prstGeom>
+          <a:ln>
+            <a:solidFill>
+              <a:srgbClr val="00B0F0"/>
+            </a:solidFill>
+            <a:tailEnd type="triangle"/>
+          </a:ln>
+        </p:spPr>
+        <p:style>
+          <a:lnRef idx="1">
+            <a:schemeClr val="accent1"/>
+          </a:lnRef>
+          <a:fillRef idx="0">
+            <a:schemeClr val="accent1"/>
+          </a:fillRef>
+          <a:effectRef idx="0">
+            <a:schemeClr val="accent1"/>
+          </a:effectRef>
+          <a:fontRef idx="minor">
+            <a:schemeClr val="tx1"/>
+          </a:fontRef>
+        </p:style>
+      </p:cxnSp>
+      <p:cxnSp>
+        <p:nvCxnSpPr>
+          <p:cNvPr id="83" name="Straight Arrow Connector 101">
+            <a:extLst>
+              <a:ext uri="{FF2B5EF4-FFF2-40B4-BE49-F238E27FC236}">
+                <a16:creationId xmlns:a16="http://schemas.microsoft.com/office/drawing/2014/main" id="{09CCAF79-3F20-9672-EC72-C456F52FF087}"/>
+              </a:ext>
+            </a:extLst>
+          </p:cNvPr>
+          <p:cNvCxnSpPr>
+            <a:cxnSpLocks/>
+          </p:cNvCxnSpPr>
+          <p:nvPr/>
+        </p:nvCxnSpPr>
+        <p:spPr>
+          <a:xfrm rot="16200000" flipH="1">
+            <a:off x="4953846" y="-849046"/>
+            <a:ext cx="2127303" cy="9568080"/>
+          </a:xfrm>
+          <a:prstGeom prst="curvedConnector3">
+            <a:avLst>
+              <a:gd name="adj1" fmla="val -10746"/>
+            </a:avLst>
+          </a:prstGeom>
+          <a:ln>
+            <a:solidFill>
+              <a:srgbClr val="00B0F0"/>
+            </a:solidFill>
+            <a:tailEnd type="triangle"/>
+          </a:ln>
+        </p:spPr>
+        <p:style>
+          <a:lnRef idx="1">
+            <a:schemeClr val="accent1"/>
+          </a:lnRef>
+          <a:fillRef idx="0">
+            <a:schemeClr val="accent1"/>
+          </a:fillRef>
+          <a:effectRef idx="0">
+            <a:schemeClr val="accent1"/>
+          </a:effectRef>
+          <a:fontRef idx="minor">
+            <a:schemeClr val="tx1"/>
+          </a:fontRef>
+        </p:style>
+      </p:cxnSp>
+      <p:sp>
+        <p:nvSpPr>
+          <p:cNvPr id="100" name="Rectangle 99">
+            <a:extLst>
+              <a:ext uri="{FF2B5EF4-FFF2-40B4-BE49-F238E27FC236}">
+                <a16:creationId xmlns:a16="http://schemas.microsoft.com/office/drawing/2014/main" id="{DA192210-BCD3-0D8F-695A-C09D9C07E497}"/>
+              </a:ext>
+            </a:extLst>
+          </p:cNvPr>
+          <p:cNvSpPr/>
+          <p:nvPr/>
+        </p:nvSpPr>
+        <p:spPr>
+          <a:xfrm>
+            <a:off x="5702198" y="1464627"/>
+            <a:ext cx="1193234" cy="4008951"/>
+          </a:xfrm>
+          <a:prstGeom prst="rect">
+            <a:avLst/>
+          </a:prstGeom>
+          <a:solidFill>
+            <a:srgbClr val="C59EE2">
+              <a:alpha val="24706"/>
+            </a:srgbClr>
+          </a:solidFill>
+          <a:ln>
+            <a:noFill/>
+          </a:ln>
+        </p:spPr>
+        <p:style>
+          <a:lnRef idx="2">
+            <a:schemeClr val="accent1">
+              <a:shade val="50000"/>
+            </a:schemeClr>
+          </a:lnRef>
+          <a:fillRef idx="1">
+            <a:schemeClr val="accent1"/>
+          </a:fillRef>
+          <a:effectRef idx="0">
+            <a:schemeClr val="accent1"/>
+          </a:effectRef>
+          <a:fontRef idx="minor">
+            <a:schemeClr val="lt1"/>
+          </a:fontRef>
+        </p:style>
+        <p:txBody>
+          <a:bodyPr rtlCol="0" anchor="ctr"/>
+          <a:lstStyle/>
+          <a:p>
+            <a:pPr algn="ctr"/>
+            <a:endParaRPr lang="es-419"/>
+          </a:p>
+        </p:txBody>
+      </p:sp>
+      <p:sp>
+        <p:nvSpPr>
+          <p:cNvPr id="101" name="Hexagon 100">
+            <a:extLst>
+              <a:ext uri="{FF2B5EF4-FFF2-40B4-BE49-F238E27FC236}">
+                <a16:creationId xmlns:a16="http://schemas.microsoft.com/office/drawing/2014/main" id="{E7925DA6-CB15-B69C-3BF8-F04B7B9ACE14}"/>
+              </a:ext>
+            </a:extLst>
+          </p:cNvPr>
+          <p:cNvSpPr/>
+          <p:nvPr/>
+        </p:nvSpPr>
+        <p:spPr>
+          <a:xfrm>
+            <a:off x="5941510" y="1589226"/>
+            <a:ext cx="737021" cy="635363"/>
+          </a:xfrm>
+          <a:prstGeom prst="hexagon">
+            <a:avLst/>
+          </a:prstGeom>
+          <a:solidFill>
+            <a:schemeClr val="bg1"/>
+          </a:solidFill>
+        </p:spPr>
+        <p:style>
+          <a:lnRef idx="2">
+            <a:schemeClr val="accent1">
+              <a:shade val="50000"/>
+            </a:schemeClr>
+          </a:lnRef>
+          <a:fillRef idx="1">
+            <a:schemeClr val="accent1"/>
+          </a:fillRef>
+          <a:effectRef idx="0">
+            <a:schemeClr val="accent1"/>
+          </a:effectRef>
+          <a:fontRef idx="minor">
+            <a:schemeClr val="lt1"/>
+          </a:fontRef>
+        </p:style>
+        <p:txBody>
+          <a:bodyPr lIns="0" tIns="0" rIns="0" bIns="0" rtlCol="0" anchor="ctr"/>
+          <a:lstStyle/>
+          <a:p>
+            <a:pPr algn="ctr"/>
+            <a:r>
+              <a:rPr lang="es-419" sz="800" dirty="0" err="1">
+                <a:solidFill>
+                  <a:schemeClr val="tx1"/>
+                </a:solidFill>
+              </a:rPr>
+              <a:t>policy.api</a:t>
+            </a:r>
+            <a:endParaRPr lang="en-US" sz="800" dirty="0">
+              <a:solidFill>
+                <a:schemeClr val="tx1"/>
+              </a:solidFill>
+            </a:endParaRPr>
+          </a:p>
+        </p:txBody>
+      </p:sp>
+      <p:sp>
+        <p:nvSpPr>
+          <p:cNvPr id="102" name="Hexagon 101">
+            <a:extLst>
+              <a:ext uri="{FF2B5EF4-FFF2-40B4-BE49-F238E27FC236}">
+                <a16:creationId xmlns:a16="http://schemas.microsoft.com/office/drawing/2014/main" id="{7149C9DC-DBE3-1EA2-5685-D9FCAD07B488}"/>
+              </a:ext>
+            </a:extLst>
+          </p:cNvPr>
+          <p:cNvSpPr/>
+          <p:nvPr/>
+        </p:nvSpPr>
+        <p:spPr>
+          <a:xfrm>
+            <a:off x="5941510" y="2575748"/>
+            <a:ext cx="737021" cy="635363"/>
+          </a:xfrm>
+          <a:prstGeom prst="hexagon">
+            <a:avLst/>
+          </a:prstGeom>
+          <a:solidFill>
+            <a:schemeClr val="bg1"/>
+          </a:solidFill>
+        </p:spPr>
+        <p:style>
+          <a:lnRef idx="2">
+            <a:schemeClr val="accent1">
+              <a:shade val="50000"/>
+            </a:schemeClr>
+          </a:lnRef>
+          <a:fillRef idx="1">
+            <a:schemeClr val="accent1"/>
+          </a:fillRef>
+          <a:effectRef idx="0">
+            <a:schemeClr val="accent1"/>
+          </a:effectRef>
+          <a:fontRef idx="minor">
+            <a:schemeClr val="lt1"/>
+          </a:fontRef>
+        </p:style>
+        <p:txBody>
+          <a:bodyPr lIns="0" tIns="0" rIns="0" bIns="0" rtlCol="0" anchor="ctr"/>
+          <a:lstStyle/>
+          <a:p>
+            <a:pPr algn="ctr"/>
+            <a:r>
+              <a:rPr lang="es-419" sz="800" dirty="0" err="1">
+                <a:solidFill>
+                  <a:schemeClr val="tx1"/>
+                </a:solidFill>
+              </a:rPr>
+              <a:t>pricing.api</a:t>
+            </a:r>
+            <a:endParaRPr lang="en-US" sz="800" dirty="0">
+              <a:solidFill>
+                <a:schemeClr val="tx1"/>
+              </a:solidFill>
+            </a:endParaRPr>
+          </a:p>
+        </p:txBody>
+      </p:sp>
+      <p:sp>
+        <p:nvSpPr>
+          <p:cNvPr id="103" name="Hexagon 102">
+            <a:extLst>
+              <a:ext uri="{FF2B5EF4-FFF2-40B4-BE49-F238E27FC236}">
+                <a16:creationId xmlns:a16="http://schemas.microsoft.com/office/drawing/2014/main" id="{4860F07B-DB39-C2FE-005F-3459D893080E}"/>
+              </a:ext>
+            </a:extLst>
+          </p:cNvPr>
+          <p:cNvSpPr/>
+          <p:nvPr/>
+        </p:nvSpPr>
+        <p:spPr>
+          <a:xfrm>
+            <a:off x="5941510" y="3548322"/>
+            <a:ext cx="737021" cy="635363"/>
+          </a:xfrm>
+          <a:prstGeom prst="hexagon">
+            <a:avLst/>
+          </a:prstGeom>
+          <a:solidFill>
+            <a:schemeClr val="bg1"/>
+          </a:solidFill>
+        </p:spPr>
+        <p:style>
+          <a:lnRef idx="2">
+            <a:schemeClr val="accent1">
+              <a:shade val="50000"/>
+            </a:schemeClr>
+          </a:lnRef>
+          <a:fillRef idx="1">
+            <a:schemeClr val="accent1"/>
+          </a:fillRef>
+          <a:effectRef idx="0">
+            <a:schemeClr val="accent1"/>
+          </a:effectRef>
+          <a:fontRef idx="minor">
+            <a:schemeClr val="lt1"/>
+          </a:fontRef>
+        </p:style>
+        <p:txBody>
+          <a:bodyPr lIns="0" tIns="0" rIns="0" bIns="0" rtlCol="0" anchor="ctr"/>
+          <a:lstStyle/>
+          <a:p>
+            <a:pPr algn="ctr"/>
+            <a:r>
+              <a:rPr lang="es-419" sz="700" dirty="0" err="1">
+                <a:solidFill>
+                  <a:schemeClr val="tx1"/>
+                </a:solidFill>
+              </a:rPr>
+              <a:t>product.api</a:t>
+            </a:r>
+            <a:endParaRPr lang="en-US" sz="700" dirty="0">
+              <a:solidFill>
+                <a:schemeClr val="tx1"/>
+              </a:solidFill>
+            </a:endParaRPr>
+          </a:p>
+        </p:txBody>
+      </p:sp>
+      <p:pic>
+        <p:nvPicPr>
+          <p:cNvPr id="104" name="Picture 22" descr="Download C Sharp (C#) Logo Vector SVG, EPS, PDF, Ai and PNG (1.85 KB) Free">
+            <a:extLst>
+              <a:ext uri="{FF2B5EF4-FFF2-40B4-BE49-F238E27FC236}">
+                <a16:creationId xmlns:a16="http://schemas.microsoft.com/office/drawing/2014/main" id="{BCEC48E6-C005-5FF7-8F7E-97B86E8AE0E8}"/>
+              </a:ext>
+            </a:extLst>
+          </p:cNvPr>
+          <p:cNvPicPr>
+            <a:picLocks noChangeAspect="1" noChangeArrowheads="1"/>
+          </p:cNvPicPr>
+          <p:nvPr/>
+        </p:nvPicPr>
+        <p:blipFill>
+          <a:blip r:embed="rId6">
+            <a:extLst>
+              <a:ext uri="{28A0092B-C50C-407E-A947-70E740481C1C}">
+                <a14:useLocalDpi xmlns:a14="http://schemas.microsoft.com/office/drawing/2010/main" val="0"/>
+              </a:ext>
+            </a:extLst>
+          </a:blip>
+          <a:srcRect/>
+          <a:stretch>
+            <a:fillRect/>
+          </a:stretch>
+        </p:blipFill>
+        <p:spPr bwMode="auto">
+          <a:xfrm>
+            <a:off x="6517180" y="1583514"/>
+            <a:ext cx="322704" cy="323903"/>
+          </a:xfrm>
+          <a:prstGeom prst="rect">
+            <a:avLst/>
+          </a:prstGeom>
+          <a:noFill/>
+          <a:extLst>
+            <a:ext uri="{909E8E84-426E-40DD-AFC4-6F175D3DCCD1}">
+              <a14:hiddenFill xmlns:a14="http://schemas.microsoft.com/office/drawing/2010/main">
+                <a:solidFill>
+                  <a:srgbClr val="FFFFFF"/>
+                </a:solidFill>
+              </a14:hiddenFill>
+            </a:ext>
+          </a:extLst>
+        </p:spPr>
+      </p:pic>
+      <p:pic>
+        <p:nvPicPr>
+          <p:cNvPr id="105" name="Picture 104" descr="Download C Sharp (C#) Logo Vector SVG, EPS, PDF, Ai and PNG (1.85 KB) Free">
+            <a:extLst>
+              <a:ext uri="{FF2B5EF4-FFF2-40B4-BE49-F238E27FC236}">
+                <a16:creationId xmlns:a16="http://schemas.microsoft.com/office/drawing/2014/main" id="{C7C5D92F-A807-4A7F-E9AA-6983EAAC76B5}"/>
+              </a:ext>
+            </a:extLst>
+          </p:cNvPr>
+          <p:cNvPicPr>
+            <a:picLocks noChangeAspect="1" noChangeArrowheads="1"/>
+          </p:cNvPicPr>
+          <p:nvPr/>
+        </p:nvPicPr>
+        <p:blipFill>
+          <a:blip r:embed="rId6">
+            <a:extLst>
+              <a:ext uri="{28A0092B-C50C-407E-A947-70E740481C1C}">
+                <a14:useLocalDpi xmlns:a14="http://schemas.microsoft.com/office/drawing/2010/main" val="0"/>
+              </a:ext>
+            </a:extLst>
+          </a:blip>
+          <a:srcRect/>
+          <a:stretch>
+            <a:fillRect/>
+          </a:stretch>
+        </p:blipFill>
+        <p:spPr bwMode="auto">
+          <a:xfrm>
+            <a:off x="6517180" y="2561901"/>
+            <a:ext cx="322704" cy="323903"/>
+          </a:xfrm>
+          <a:prstGeom prst="rect">
+            <a:avLst/>
+          </a:prstGeom>
+          <a:noFill/>
+          <a:extLst>
+            <a:ext uri="{909E8E84-426E-40DD-AFC4-6F175D3DCCD1}">
+              <a14:hiddenFill xmlns:a14="http://schemas.microsoft.com/office/drawing/2010/main">
+                <a:solidFill>
+                  <a:srgbClr val="FFFFFF"/>
+                </a:solidFill>
+              </a14:hiddenFill>
+            </a:ext>
+          </a:extLst>
+        </p:spPr>
+      </p:pic>
+      <p:pic>
+        <p:nvPicPr>
+          <p:cNvPr id="106" name="Picture 22" descr="Download C Sharp (C#) Logo Vector SVG, EPS, PDF, Ai and PNG (1.85 KB) Free">
+            <a:extLst>
+              <a:ext uri="{FF2B5EF4-FFF2-40B4-BE49-F238E27FC236}">
+                <a16:creationId xmlns:a16="http://schemas.microsoft.com/office/drawing/2014/main" id="{618CB8CB-8827-80DE-96FA-FF533A9C39E8}"/>
+              </a:ext>
+            </a:extLst>
+          </p:cNvPr>
+          <p:cNvPicPr>
+            <a:picLocks noChangeAspect="1" noChangeArrowheads="1"/>
+          </p:cNvPicPr>
+          <p:nvPr/>
+        </p:nvPicPr>
+        <p:blipFill>
+          <a:blip r:embed="rId6">
+            <a:extLst>
+              <a:ext uri="{28A0092B-C50C-407E-A947-70E740481C1C}">
+                <a14:useLocalDpi xmlns:a14="http://schemas.microsoft.com/office/drawing/2010/main" val="0"/>
+              </a:ext>
+            </a:extLst>
+          </a:blip>
+          <a:srcRect/>
+          <a:stretch>
+            <a:fillRect/>
+          </a:stretch>
+        </p:blipFill>
+        <p:spPr bwMode="auto">
+          <a:xfrm>
+            <a:off x="6517180" y="3542101"/>
+            <a:ext cx="322704" cy="323903"/>
+          </a:xfrm>
+          <a:prstGeom prst="rect">
+            <a:avLst/>
+          </a:prstGeom>
+          <a:noFill/>
+          <a:extLst>
+            <a:ext uri="{909E8E84-426E-40DD-AFC4-6F175D3DCCD1}">
+              <a14:hiddenFill xmlns:a14="http://schemas.microsoft.com/office/drawing/2010/main">
+                <a:solidFill>
+                  <a:srgbClr val="FFFFFF"/>
+                </a:solidFill>
+              </a14:hiddenFill>
+            </a:ext>
+          </a:extLst>
+        </p:spPr>
+      </p:pic>
+      <p:sp>
+        <p:nvSpPr>
+          <p:cNvPr id="107" name="Hexagon 106">
+            <a:extLst>
+              <a:ext uri="{FF2B5EF4-FFF2-40B4-BE49-F238E27FC236}">
+                <a16:creationId xmlns:a16="http://schemas.microsoft.com/office/drawing/2014/main" id="{49DD17EF-6BAA-5F56-F45B-08742EF0060E}"/>
+              </a:ext>
+            </a:extLst>
+          </p:cNvPr>
+          <p:cNvSpPr/>
+          <p:nvPr/>
+        </p:nvSpPr>
+        <p:spPr>
+          <a:xfrm>
+            <a:off x="5946075" y="3262614"/>
+            <a:ext cx="210797" cy="181721"/>
+          </a:xfrm>
+          <a:prstGeom prst="hexagon">
+            <a:avLst/>
+          </a:prstGeom>
+          <a:solidFill>
+            <a:schemeClr val="bg1"/>
+          </a:solidFill>
+        </p:spPr>
+        <p:style>
+          <a:lnRef idx="2">
+            <a:schemeClr val="accent1">
+              <a:shade val="50000"/>
+            </a:schemeClr>
+          </a:lnRef>
+          <a:fillRef idx="1">
+            <a:schemeClr val="accent1"/>
+          </a:fillRef>
+          <a:effectRef idx="0">
+            <a:schemeClr val="accent1"/>
+          </a:effectRef>
+          <a:fontRef idx="minor">
+            <a:schemeClr val="lt1"/>
+          </a:fontRef>
+        </p:style>
+        <p:txBody>
+          <a:bodyPr lIns="0" tIns="0" rIns="0" bIns="0" rtlCol="0" anchor="ctr"/>
+          <a:lstStyle/>
+          <a:p>
+            <a:pPr algn="ctr"/>
+            <a:endParaRPr lang="en-US" sz="800" dirty="0">
+              <a:solidFill>
+                <a:schemeClr val="tx1"/>
+              </a:solidFill>
+            </a:endParaRPr>
+          </a:p>
+        </p:txBody>
+      </p:sp>
+      <p:sp>
+        <p:nvSpPr>
+          <p:cNvPr id="108" name="Hexagon 107">
+            <a:extLst>
+              <a:ext uri="{FF2B5EF4-FFF2-40B4-BE49-F238E27FC236}">
+                <a16:creationId xmlns:a16="http://schemas.microsoft.com/office/drawing/2014/main" id="{D71078D2-8022-8DF7-CD79-2A912AB732C6}"/>
+              </a:ext>
+            </a:extLst>
+          </p:cNvPr>
+          <p:cNvSpPr/>
+          <p:nvPr/>
+        </p:nvSpPr>
+        <p:spPr>
+          <a:xfrm>
+            <a:off x="6216939" y="3262614"/>
+            <a:ext cx="210797" cy="181721"/>
+          </a:xfrm>
+          <a:prstGeom prst="hexagon">
+            <a:avLst/>
+          </a:prstGeom>
+          <a:solidFill>
+            <a:schemeClr val="bg1"/>
+          </a:solidFill>
+        </p:spPr>
+        <p:style>
+          <a:lnRef idx="2">
+            <a:schemeClr val="accent1">
+              <a:shade val="50000"/>
+            </a:schemeClr>
+          </a:lnRef>
+          <a:fillRef idx="1">
+            <a:schemeClr val="accent1"/>
+          </a:fillRef>
+          <a:effectRef idx="0">
+            <a:schemeClr val="accent1"/>
+          </a:effectRef>
+          <a:fontRef idx="minor">
+            <a:schemeClr val="lt1"/>
+          </a:fontRef>
+        </p:style>
+        <p:txBody>
+          <a:bodyPr lIns="0" tIns="0" rIns="0" bIns="0" rtlCol="0" anchor="ctr"/>
+          <a:lstStyle/>
+          <a:p>
+            <a:pPr algn="ctr"/>
+            <a:endParaRPr lang="en-US" sz="800" dirty="0">
+              <a:solidFill>
+                <a:schemeClr val="tx1"/>
+              </a:solidFill>
+            </a:endParaRPr>
+          </a:p>
+        </p:txBody>
+      </p:sp>
+      <p:sp>
+        <p:nvSpPr>
+          <p:cNvPr id="109" name="Hexagon 108">
+            <a:extLst>
+              <a:ext uri="{FF2B5EF4-FFF2-40B4-BE49-F238E27FC236}">
+                <a16:creationId xmlns:a16="http://schemas.microsoft.com/office/drawing/2014/main" id="{0BBE3423-6EA9-5D5B-FA65-5DF0D3A728D5}"/>
+              </a:ext>
+            </a:extLst>
+          </p:cNvPr>
+          <p:cNvSpPr/>
+          <p:nvPr/>
+        </p:nvSpPr>
+        <p:spPr>
+          <a:xfrm>
+            <a:off x="6471940" y="3262614"/>
+            <a:ext cx="210797" cy="181721"/>
+          </a:xfrm>
+          <a:prstGeom prst="hexagon">
+            <a:avLst/>
+          </a:prstGeom>
+          <a:solidFill>
+            <a:schemeClr val="bg1"/>
+          </a:solidFill>
+        </p:spPr>
+        <p:style>
+          <a:lnRef idx="2">
+            <a:schemeClr val="accent1">
+              <a:shade val="50000"/>
+            </a:schemeClr>
+          </a:lnRef>
+          <a:fillRef idx="1">
+            <a:schemeClr val="accent1"/>
+          </a:fillRef>
+          <a:effectRef idx="0">
+            <a:schemeClr val="accent1"/>
+          </a:effectRef>
+          <a:fontRef idx="minor">
+            <a:schemeClr val="lt1"/>
+          </a:fontRef>
+        </p:style>
+        <p:txBody>
+          <a:bodyPr lIns="0" tIns="0" rIns="0" bIns="0" rtlCol="0" anchor="ctr"/>
+          <a:lstStyle/>
+          <a:p>
+            <a:pPr algn="ctr"/>
+            <a:endParaRPr lang="en-US" sz="800" dirty="0">
+              <a:solidFill>
+                <a:schemeClr val="tx1"/>
+              </a:solidFill>
+            </a:endParaRPr>
+          </a:p>
+        </p:txBody>
+      </p:sp>
+      <p:sp>
+        <p:nvSpPr>
+          <p:cNvPr id="110" name="Hexagon 109">
+            <a:extLst>
+              <a:ext uri="{FF2B5EF4-FFF2-40B4-BE49-F238E27FC236}">
+                <a16:creationId xmlns:a16="http://schemas.microsoft.com/office/drawing/2014/main" id="{7E554527-17FE-1F46-AE08-DA31E089361F}"/>
+              </a:ext>
+            </a:extLst>
+          </p:cNvPr>
+          <p:cNvSpPr/>
+          <p:nvPr/>
+        </p:nvSpPr>
+        <p:spPr>
+          <a:xfrm>
+            <a:off x="5946075" y="2276093"/>
+            <a:ext cx="210797" cy="181721"/>
+          </a:xfrm>
+          <a:prstGeom prst="hexagon">
+            <a:avLst/>
+          </a:prstGeom>
+          <a:solidFill>
+            <a:schemeClr val="bg1"/>
+          </a:solidFill>
+        </p:spPr>
+        <p:style>
+          <a:lnRef idx="2">
+            <a:schemeClr val="accent1">
+              <a:shade val="50000"/>
+            </a:schemeClr>
+          </a:lnRef>
+          <a:fillRef idx="1">
+            <a:schemeClr val="accent1"/>
+          </a:fillRef>
+          <a:effectRef idx="0">
+            <a:schemeClr val="accent1"/>
+          </a:effectRef>
+          <a:fontRef idx="minor">
+            <a:schemeClr val="lt1"/>
+          </a:fontRef>
+        </p:style>
+        <p:txBody>
+          <a:bodyPr lIns="0" tIns="0" rIns="0" bIns="0" rtlCol="0" anchor="ctr"/>
+          <a:lstStyle/>
+          <a:p>
+            <a:pPr algn="ctr"/>
+            <a:endParaRPr lang="en-US" sz="800" dirty="0">
+              <a:solidFill>
+                <a:schemeClr val="tx1"/>
+              </a:solidFill>
+            </a:endParaRPr>
+          </a:p>
+        </p:txBody>
+      </p:sp>
+      <p:sp>
+        <p:nvSpPr>
+          <p:cNvPr id="111" name="Hexagon 110">
+            <a:extLst>
+              <a:ext uri="{FF2B5EF4-FFF2-40B4-BE49-F238E27FC236}">
+                <a16:creationId xmlns:a16="http://schemas.microsoft.com/office/drawing/2014/main" id="{C83E556A-F9D7-4032-154B-1E479D188FA1}"/>
+              </a:ext>
+            </a:extLst>
+          </p:cNvPr>
+          <p:cNvSpPr/>
+          <p:nvPr/>
+        </p:nvSpPr>
+        <p:spPr>
+          <a:xfrm>
+            <a:off x="6216939" y="2276093"/>
+            <a:ext cx="210797" cy="181721"/>
+          </a:xfrm>
+          <a:prstGeom prst="hexagon">
+            <a:avLst/>
+          </a:prstGeom>
+          <a:solidFill>
+            <a:schemeClr val="bg1"/>
+          </a:solidFill>
+        </p:spPr>
+        <p:style>
+          <a:lnRef idx="2">
+            <a:schemeClr val="accent1">
+              <a:shade val="50000"/>
+            </a:schemeClr>
+          </a:lnRef>
+          <a:fillRef idx="1">
+            <a:schemeClr val="accent1"/>
+          </a:fillRef>
+          <a:effectRef idx="0">
+            <a:schemeClr val="accent1"/>
+          </a:effectRef>
+          <a:fontRef idx="minor">
+            <a:schemeClr val="lt1"/>
+          </a:fontRef>
+        </p:style>
+        <p:txBody>
+          <a:bodyPr lIns="0" tIns="0" rIns="0" bIns="0" rtlCol="0" anchor="ctr"/>
+          <a:lstStyle/>
+          <a:p>
+            <a:pPr algn="ctr"/>
+            <a:endParaRPr lang="en-US" sz="800" dirty="0">
+              <a:solidFill>
+                <a:schemeClr val="tx1"/>
+              </a:solidFill>
+            </a:endParaRPr>
+          </a:p>
+        </p:txBody>
+      </p:sp>
+      <p:sp>
+        <p:nvSpPr>
+          <p:cNvPr id="112" name="Hexagon 111">
+            <a:extLst>
+              <a:ext uri="{FF2B5EF4-FFF2-40B4-BE49-F238E27FC236}">
+                <a16:creationId xmlns:a16="http://schemas.microsoft.com/office/drawing/2014/main" id="{0B0F6448-4D0D-0292-FECB-B69C536A8FBF}"/>
+              </a:ext>
+            </a:extLst>
+          </p:cNvPr>
+          <p:cNvSpPr/>
+          <p:nvPr/>
+        </p:nvSpPr>
+        <p:spPr>
+          <a:xfrm>
+            <a:off x="6471940" y="2276093"/>
+            <a:ext cx="210797" cy="181721"/>
+          </a:xfrm>
+          <a:prstGeom prst="hexagon">
+            <a:avLst/>
+          </a:prstGeom>
+          <a:solidFill>
+            <a:schemeClr val="bg1"/>
+          </a:solidFill>
+        </p:spPr>
+        <p:style>
+          <a:lnRef idx="2">
+            <a:schemeClr val="accent1">
+              <a:shade val="50000"/>
+            </a:schemeClr>
+          </a:lnRef>
+          <a:fillRef idx="1">
+            <a:schemeClr val="accent1"/>
+          </a:fillRef>
+          <a:effectRef idx="0">
+            <a:schemeClr val="accent1"/>
+          </a:effectRef>
+          <a:fontRef idx="minor">
+            <a:schemeClr val="lt1"/>
+          </a:fontRef>
+        </p:style>
+        <p:txBody>
+          <a:bodyPr lIns="0" tIns="0" rIns="0" bIns="0" rtlCol="0" anchor="ctr"/>
+          <a:lstStyle/>
+          <a:p>
+            <a:pPr algn="ctr"/>
+            <a:endParaRPr lang="en-US" sz="800" dirty="0">
+              <a:solidFill>
+                <a:schemeClr val="tx1"/>
+              </a:solidFill>
+            </a:endParaRPr>
+          </a:p>
+        </p:txBody>
+      </p:sp>
+      <p:sp>
+        <p:nvSpPr>
+          <p:cNvPr id="113" name="Hexagon 112">
+            <a:extLst>
+              <a:ext uri="{FF2B5EF4-FFF2-40B4-BE49-F238E27FC236}">
+                <a16:creationId xmlns:a16="http://schemas.microsoft.com/office/drawing/2014/main" id="{0CBFE744-C39A-EF4F-D034-51A4CEC56A31}"/>
+              </a:ext>
+            </a:extLst>
+          </p:cNvPr>
+          <p:cNvSpPr/>
+          <p:nvPr/>
+        </p:nvSpPr>
+        <p:spPr>
+          <a:xfrm>
+            <a:off x="5946075" y="4241484"/>
+            <a:ext cx="210797" cy="181721"/>
+          </a:xfrm>
+          <a:prstGeom prst="hexagon">
+            <a:avLst/>
+          </a:prstGeom>
+          <a:solidFill>
+            <a:schemeClr val="bg1"/>
+          </a:solidFill>
+        </p:spPr>
+        <p:style>
+          <a:lnRef idx="2">
+            <a:schemeClr val="accent1">
+              <a:shade val="50000"/>
+            </a:schemeClr>
+          </a:lnRef>
+          <a:fillRef idx="1">
+            <a:schemeClr val="accent1"/>
+          </a:fillRef>
+          <a:effectRef idx="0">
+            <a:schemeClr val="accent1"/>
+          </a:effectRef>
+          <a:fontRef idx="minor">
+            <a:schemeClr val="lt1"/>
+          </a:fontRef>
+        </p:style>
+        <p:txBody>
+          <a:bodyPr lIns="0" tIns="0" rIns="0" bIns="0" rtlCol="0" anchor="ctr"/>
+          <a:lstStyle/>
+          <a:p>
+            <a:pPr algn="ctr"/>
+            <a:endParaRPr lang="en-US" sz="800" dirty="0">
+              <a:solidFill>
+                <a:schemeClr val="tx1"/>
+              </a:solidFill>
+            </a:endParaRPr>
+          </a:p>
+        </p:txBody>
+      </p:sp>
+      <p:sp>
+        <p:nvSpPr>
+          <p:cNvPr id="114" name="Hexagon 113">
+            <a:extLst>
+              <a:ext uri="{FF2B5EF4-FFF2-40B4-BE49-F238E27FC236}">
+                <a16:creationId xmlns:a16="http://schemas.microsoft.com/office/drawing/2014/main" id="{CDB7F1BD-8299-F97B-26EA-BA3D275F5EF8}"/>
+              </a:ext>
+            </a:extLst>
+          </p:cNvPr>
+          <p:cNvSpPr/>
+          <p:nvPr/>
+        </p:nvSpPr>
+        <p:spPr>
+          <a:xfrm>
+            <a:off x="6216939" y="4241484"/>
+            <a:ext cx="210797" cy="181721"/>
+          </a:xfrm>
+          <a:prstGeom prst="hexagon">
+            <a:avLst/>
+          </a:prstGeom>
+          <a:solidFill>
+            <a:schemeClr val="bg1"/>
+          </a:solidFill>
+        </p:spPr>
+        <p:style>
+          <a:lnRef idx="2">
+            <a:schemeClr val="accent1">
+              <a:shade val="50000"/>
+            </a:schemeClr>
+          </a:lnRef>
+          <a:fillRef idx="1">
+            <a:schemeClr val="accent1"/>
+          </a:fillRef>
+          <a:effectRef idx="0">
+            <a:schemeClr val="accent1"/>
+          </a:effectRef>
+          <a:fontRef idx="minor">
+            <a:schemeClr val="lt1"/>
+          </a:fontRef>
+        </p:style>
+        <p:txBody>
+          <a:bodyPr lIns="0" tIns="0" rIns="0" bIns="0" rtlCol="0" anchor="ctr"/>
+          <a:lstStyle/>
+          <a:p>
+            <a:pPr algn="ctr"/>
+            <a:endParaRPr lang="en-US" sz="800" dirty="0">
+              <a:solidFill>
+                <a:schemeClr val="tx1"/>
+              </a:solidFill>
+            </a:endParaRPr>
+          </a:p>
+        </p:txBody>
+      </p:sp>
+      <p:sp>
+        <p:nvSpPr>
+          <p:cNvPr id="115" name="Hexagon 114">
+            <a:extLst>
+              <a:ext uri="{FF2B5EF4-FFF2-40B4-BE49-F238E27FC236}">
+                <a16:creationId xmlns:a16="http://schemas.microsoft.com/office/drawing/2014/main" id="{0BB5E8D1-8EAB-95F2-642C-E3010910FA73}"/>
+              </a:ext>
+            </a:extLst>
+          </p:cNvPr>
+          <p:cNvSpPr/>
+          <p:nvPr/>
+        </p:nvSpPr>
+        <p:spPr>
+          <a:xfrm>
+            <a:off x="6471940" y="4241484"/>
+            <a:ext cx="210797" cy="181721"/>
+          </a:xfrm>
+          <a:prstGeom prst="hexagon">
+            <a:avLst/>
+          </a:prstGeom>
+          <a:solidFill>
+            <a:schemeClr val="bg1"/>
+          </a:solidFill>
+        </p:spPr>
+        <p:style>
+          <a:lnRef idx="2">
+            <a:schemeClr val="accent1">
+              <a:shade val="50000"/>
+            </a:schemeClr>
+          </a:lnRef>
+          <a:fillRef idx="1">
+            <a:schemeClr val="accent1"/>
+          </a:fillRef>
+          <a:effectRef idx="0">
+            <a:schemeClr val="accent1"/>
+          </a:effectRef>
+          <a:fontRef idx="minor">
+            <a:schemeClr val="lt1"/>
+          </a:fontRef>
+        </p:style>
+        <p:txBody>
+          <a:bodyPr lIns="0" tIns="0" rIns="0" bIns="0" rtlCol="0" anchor="ctr"/>
+          <a:lstStyle/>
+          <a:p>
+            <a:pPr algn="ctr"/>
+            <a:endParaRPr lang="en-US" sz="800" dirty="0">
+              <a:solidFill>
+                <a:schemeClr val="tx1"/>
+              </a:solidFill>
+            </a:endParaRPr>
+          </a:p>
+        </p:txBody>
+      </p:sp>
+      <p:cxnSp>
+        <p:nvCxnSpPr>
+          <p:cNvPr id="116" name="Connector: Curved 115">
+            <a:extLst>
+              <a:ext uri="{FF2B5EF4-FFF2-40B4-BE49-F238E27FC236}">
+                <a16:creationId xmlns:a16="http://schemas.microsoft.com/office/drawing/2014/main" id="{627242F4-D27D-8E86-A8D4-1F3499B7E668}"/>
+              </a:ext>
+            </a:extLst>
+          </p:cNvPr>
+          <p:cNvCxnSpPr>
+            <a:cxnSpLocks/>
+          </p:cNvCxnSpPr>
+          <p:nvPr/>
+        </p:nvCxnSpPr>
+        <p:spPr>
+          <a:xfrm rot="10800000" flipV="1">
+            <a:off x="5941510" y="1906908"/>
+            <a:ext cx="12700" cy="986522"/>
+          </a:xfrm>
+          <a:prstGeom prst="curvedConnector3">
+            <a:avLst>
+              <a:gd name="adj1" fmla="val 5183134"/>
+            </a:avLst>
+          </a:prstGeom>
+          <a:ln w="19050">
+            <a:solidFill>
+              <a:schemeClr val="tx1"/>
+            </a:solidFill>
+            <a:prstDash val="dash"/>
+            <a:tailEnd type="triangle"/>
+          </a:ln>
+        </p:spPr>
+        <p:style>
+          <a:lnRef idx="1">
+            <a:schemeClr val="accent1"/>
+          </a:lnRef>
+          <a:fillRef idx="0">
+            <a:schemeClr val="accent1"/>
+          </a:fillRef>
+          <a:effectRef idx="0">
+            <a:schemeClr val="accent1"/>
+          </a:effectRef>
+          <a:fontRef idx="minor">
+            <a:schemeClr val="tx1"/>
+          </a:fontRef>
+        </p:style>
+      </p:cxnSp>
+      <p:cxnSp>
+        <p:nvCxnSpPr>
+          <p:cNvPr id="136" name="Connector: Elbow 135">
+            <a:extLst>
+              <a:ext uri="{FF2B5EF4-FFF2-40B4-BE49-F238E27FC236}">
+                <a16:creationId xmlns:a16="http://schemas.microsoft.com/office/drawing/2014/main" id="{A4F534BE-6D7D-4D96-75E2-69CDED6B077F}"/>
+              </a:ext>
+            </a:extLst>
+          </p:cNvPr>
+          <p:cNvCxnSpPr/>
+          <p:nvPr/>
+        </p:nvCxnSpPr>
+        <p:spPr>
+          <a:xfrm rot="5400000" flipH="1" flipV="1">
+            <a:off x="8308270" y="1144445"/>
+            <a:ext cx="278086" cy="3855246"/>
+          </a:xfrm>
+          <a:prstGeom prst="bentConnector3">
+            <a:avLst>
+              <a:gd name="adj1" fmla="val -41716"/>
+            </a:avLst>
+          </a:prstGeom>
+          <a:ln>
+            <a:solidFill>
+              <a:srgbClr val="FF0000"/>
+            </a:solidFill>
+            <a:prstDash val="lgDash"/>
+            <a:tailEnd type="triangle"/>
+          </a:ln>
+        </p:spPr>
+        <p:style>
+          <a:lnRef idx="1">
+            <a:schemeClr val="accent1"/>
+          </a:lnRef>
+          <a:fillRef idx="0">
+            <a:schemeClr val="accent1"/>
+          </a:fillRef>
+          <a:effectRef idx="0">
+            <a:schemeClr val="accent1"/>
+          </a:effectRef>
+          <a:fontRef idx="minor">
+            <a:schemeClr val="tx1"/>
+          </a:fontRef>
+        </p:style>
+      </p:cxnSp>
+      <p:cxnSp>
+        <p:nvCxnSpPr>
+          <p:cNvPr id="137" name="Connector: Elbow 136">
+            <a:extLst>
+              <a:ext uri="{FF2B5EF4-FFF2-40B4-BE49-F238E27FC236}">
+                <a16:creationId xmlns:a16="http://schemas.microsoft.com/office/drawing/2014/main" id="{8FD82EE8-742E-D140-6D61-1AE5C28C540D}"/>
+              </a:ext>
+            </a:extLst>
+          </p:cNvPr>
+          <p:cNvCxnSpPr>
+            <a:cxnSpLocks/>
+          </p:cNvCxnSpPr>
+          <p:nvPr/>
+        </p:nvCxnSpPr>
+        <p:spPr>
+          <a:xfrm>
+            <a:off x="6517180" y="2237531"/>
+            <a:ext cx="3857756" cy="429454"/>
+          </a:xfrm>
+          <a:prstGeom prst="bentConnector4">
+            <a:avLst>
+              <a:gd name="adj1" fmla="val 48276"/>
+              <a:gd name="adj2" fmla="val 2062"/>
+            </a:avLst>
+          </a:prstGeom>
+          <a:ln>
+            <a:solidFill>
+              <a:srgbClr val="FF0000"/>
+            </a:solidFill>
+            <a:prstDash val="lgDash"/>
+            <a:tailEnd type="triangle"/>
+          </a:ln>
+        </p:spPr>
+        <p:style>
+          <a:lnRef idx="1">
+            <a:schemeClr val="accent1"/>
+          </a:lnRef>
+          <a:fillRef idx="0">
+            <a:schemeClr val="accent1"/>
+          </a:fillRef>
+          <a:effectRef idx="0">
+            <a:schemeClr val="accent1"/>
+          </a:effectRef>
+          <a:fontRef idx="minor">
+            <a:schemeClr val="tx1"/>
+          </a:fontRef>
+        </p:style>
+      </p:cxnSp>
+      <p:sp>
+        <p:nvSpPr>
+          <p:cNvPr id="138" name="Hexagon 137">
+            <a:extLst>
+              <a:ext uri="{FF2B5EF4-FFF2-40B4-BE49-F238E27FC236}">
+                <a16:creationId xmlns:a16="http://schemas.microsoft.com/office/drawing/2014/main" id="{F873DFD9-F2B3-EDDD-18E8-E8AD884F5EA2}"/>
+              </a:ext>
+            </a:extLst>
+          </p:cNvPr>
+          <p:cNvSpPr/>
+          <p:nvPr/>
+        </p:nvSpPr>
+        <p:spPr>
+          <a:xfrm>
+            <a:off x="2889936" y="1297262"/>
+            <a:ext cx="737021" cy="635363"/>
+          </a:xfrm>
+          <a:prstGeom prst="hexagon">
+            <a:avLst/>
+          </a:prstGeom>
+          <a:solidFill>
+            <a:schemeClr val="bg1"/>
+          </a:solidFill>
+          <a:ln>
+            <a:prstDash val="dash"/>
+          </a:ln>
+        </p:spPr>
+        <p:style>
+          <a:lnRef idx="2">
+            <a:schemeClr val="accent1">
+              <a:shade val="50000"/>
+            </a:schemeClr>
+          </a:lnRef>
+          <a:fillRef idx="1">
+            <a:schemeClr val="accent1"/>
+          </a:fillRef>
+          <a:effectRef idx="0">
+            <a:schemeClr val="accent1"/>
+          </a:effectRef>
+          <a:fontRef idx="minor">
+            <a:schemeClr val="lt1"/>
+          </a:fontRef>
+        </p:style>
+        <p:txBody>
+          <a:bodyPr lIns="0" tIns="0" rIns="0" bIns="0" rtlCol="0" anchor="ctr"/>
+          <a:lstStyle/>
+          <a:p>
+            <a:pPr algn="ctr"/>
+            <a:r>
+              <a:rPr lang="es-419" sz="800" dirty="0" err="1">
+                <a:solidFill>
+                  <a:schemeClr val="tx1"/>
+                </a:solidFill>
+              </a:rPr>
+              <a:t>auth.api</a:t>
+            </a:r>
+            <a:endParaRPr lang="en-US" sz="800" dirty="0">
+              <a:solidFill>
+                <a:schemeClr val="tx1"/>
+              </a:solidFill>
+            </a:endParaRPr>
+          </a:p>
+        </p:txBody>
+      </p:sp>
+      <p:sp>
+        <p:nvSpPr>
+          <p:cNvPr id="139" name="TextBox 138">
+            <a:extLst>
+              <a:ext uri="{FF2B5EF4-FFF2-40B4-BE49-F238E27FC236}">
+                <a16:creationId xmlns:a16="http://schemas.microsoft.com/office/drawing/2014/main" id="{6E122C44-F46A-F691-0212-553C276F006C}"/>
+              </a:ext>
+            </a:extLst>
+          </p:cNvPr>
+          <p:cNvSpPr txBox="1"/>
+          <p:nvPr/>
+        </p:nvSpPr>
+        <p:spPr>
+          <a:xfrm>
+            <a:off x="2809950" y="1919974"/>
+            <a:ext cx="962854" cy="215444"/>
+          </a:xfrm>
+          <a:prstGeom prst="rect">
+            <a:avLst/>
+          </a:prstGeom>
+          <a:noFill/>
+        </p:spPr>
+        <p:txBody>
+          <a:bodyPr wrap="square" rtlCol="0">
+            <a:spAutoFit/>
+          </a:bodyPr>
+          <a:lstStyle/>
+          <a:p>
+            <a:pPr algn="ctr"/>
+            <a:r>
+              <a:rPr lang="en-US" sz="800" dirty="0"/>
+              <a:t>POST /</a:t>
+            </a:r>
+            <a:r>
+              <a:rPr lang="en-US" sz="800" dirty="0" err="1"/>
+              <a:t>api</a:t>
+            </a:r>
+            <a:r>
+              <a:rPr lang="en-US" sz="800" dirty="0"/>
+              <a:t>/users</a:t>
+            </a:r>
+          </a:p>
+        </p:txBody>
+      </p:sp>
+      <p:sp>
+        <p:nvSpPr>
+          <p:cNvPr id="140" name="Hexagon 139">
+            <a:extLst>
+              <a:ext uri="{FF2B5EF4-FFF2-40B4-BE49-F238E27FC236}">
+                <a16:creationId xmlns:a16="http://schemas.microsoft.com/office/drawing/2014/main" id="{B9DDD52C-A999-1FC7-03E2-B4627FF2FBBE}"/>
+              </a:ext>
+            </a:extLst>
+          </p:cNvPr>
+          <p:cNvSpPr/>
+          <p:nvPr/>
+        </p:nvSpPr>
+        <p:spPr>
+          <a:xfrm>
+            <a:off x="2889936" y="2349268"/>
+            <a:ext cx="737021" cy="635363"/>
+          </a:xfrm>
+          <a:prstGeom prst="hexagon">
+            <a:avLst/>
+          </a:prstGeom>
+          <a:solidFill>
+            <a:schemeClr val="bg1"/>
+          </a:solidFill>
+          <a:ln>
+            <a:prstDash val="dash"/>
+          </a:ln>
+        </p:spPr>
+        <p:style>
+          <a:lnRef idx="2">
+            <a:schemeClr val="accent1">
+              <a:shade val="50000"/>
+            </a:schemeClr>
+          </a:lnRef>
+          <a:fillRef idx="1">
+            <a:schemeClr val="accent1"/>
+          </a:fillRef>
+          <a:effectRef idx="0">
+            <a:schemeClr val="accent1"/>
+          </a:effectRef>
+          <a:fontRef idx="minor">
+            <a:schemeClr val="lt1"/>
+          </a:fontRef>
+        </p:style>
+        <p:txBody>
+          <a:bodyPr lIns="0" tIns="0" rIns="0" bIns="0" rtlCol="0" anchor="ctr"/>
+          <a:lstStyle/>
+          <a:p>
+            <a:pPr algn="ctr"/>
+            <a:r>
+              <a:rPr lang="es-419" sz="800" dirty="0" err="1">
+                <a:solidFill>
+                  <a:schemeClr val="tx1"/>
+                </a:solidFill>
+              </a:rPr>
+              <a:t>policy.api</a:t>
+            </a:r>
+            <a:endParaRPr lang="en-US" sz="800" dirty="0">
+              <a:solidFill>
+                <a:schemeClr val="tx1"/>
+              </a:solidFill>
+            </a:endParaRPr>
+          </a:p>
+        </p:txBody>
+      </p:sp>
+      <p:pic>
+        <p:nvPicPr>
+          <p:cNvPr id="141" name="Picture 30" descr="Padlock - Free security icons">
+            <a:extLst>
+              <a:ext uri="{FF2B5EF4-FFF2-40B4-BE49-F238E27FC236}">
+                <a16:creationId xmlns:a16="http://schemas.microsoft.com/office/drawing/2014/main" id="{B6783C41-036D-C9BF-A2F0-512F9025F5B1}"/>
+              </a:ext>
+            </a:extLst>
+          </p:cNvPr>
+          <p:cNvPicPr>
+            <a:picLocks noChangeAspect="1" noChangeArrowheads="1"/>
+          </p:cNvPicPr>
+          <p:nvPr/>
+        </p:nvPicPr>
+        <p:blipFill>
+          <a:blip r:embed="rId14">
+            <a:extLst>
+              <a:ext uri="{28A0092B-C50C-407E-A947-70E740481C1C}">
+                <a14:useLocalDpi xmlns:a14="http://schemas.microsoft.com/office/drawing/2010/main" val="0"/>
+              </a:ext>
+            </a:extLst>
+          </a:blip>
+          <a:srcRect/>
+          <a:stretch>
+            <a:fillRect/>
+          </a:stretch>
+        </p:blipFill>
+        <p:spPr bwMode="auto">
+          <a:xfrm>
+            <a:off x="2709039" y="2326571"/>
+            <a:ext cx="252000" cy="252000"/>
+          </a:xfrm>
+          <a:prstGeom prst="rect">
+            <a:avLst/>
+          </a:prstGeom>
+          <a:noFill/>
+          <a:extLst>
+            <a:ext uri="{909E8E84-426E-40DD-AFC4-6F175D3DCCD1}">
+              <a14:hiddenFill xmlns:a14="http://schemas.microsoft.com/office/drawing/2010/main">
+                <a:solidFill>
+                  <a:srgbClr val="FFFFFF"/>
+                </a:solidFill>
+              </a14:hiddenFill>
+            </a:ext>
+          </a:extLst>
+        </p:spPr>
+      </p:pic>
+      <p:sp>
+        <p:nvSpPr>
+          <p:cNvPr id="142" name="TextBox 141">
+            <a:extLst>
+              <a:ext uri="{FF2B5EF4-FFF2-40B4-BE49-F238E27FC236}">
+                <a16:creationId xmlns:a16="http://schemas.microsoft.com/office/drawing/2014/main" id="{513310A1-F9AC-7817-648C-229572BDCDEA}"/>
+              </a:ext>
+            </a:extLst>
+          </p:cNvPr>
+          <p:cNvSpPr txBox="1"/>
+          <p:nvPr/>
+        </p:nvSpPr>
+        <p:spPr>
+          <a:xfrm>
+            <a:off x="2863612" y="3106994"/>
+            <a:ext cx="838717" cy="215444"/>
+          </a:xfrm>
+          <a:prstGeom prst="rect">
+            <a:avLst/>
+          </a:prstGeom>
+          <a:noFill/>
+        </p:spPr>
+        <p:txBody>
+          <a:bodyPr wrap="square" rtlCol="0">
+            <a:spAutoFit/>
+          </a:bodyPr>
+          <a:lstStyle/>
+          <a:p>
+            <a:pPr algn="ctr"/>
+            <a:r>
+              <a:rPr lang="en-US" sz="800" dirty="0"/>
+              <a:t>/</a:t>
+            </a:r>
+            <a:r>
+              <a:rPr lang="en-US" sz="800" dirty="0" err="1"/>
+              <a:t>api</a:t>
+            </a:r>
+            <a:r>
+              <a:rPr lang="en-US" sz="800" dirty="0"/>
+              <a:t>/policies</a:t>
+            </a:r>
+          </a:p>
+        </p:txBody>
+      </p:sp>
+      <p:sp>
+        <p:nvSpPr>
+          <p:cNvPr id="143" name="TextBox 142">
+            <a:extLst>
+              <a:ext uri="{FF2B5EF4-FFF2-40B4-BE49-F238E27FC236}">
+                <a16:creationId xmlns:a16="http://schemas.microsoft.com/office/drawing/2014/main" id="{D0044CD6-057D-37AD-E80F-593037F78F95}"/>
+              </a:ext>
+            </a:extLst>
+          </p:cNvPr>
+          <p:cNvSpPr txBox="1"/>
+          <p:nvPr/>
+        </p:nvSpPr>
+        <p:spPr>
+          <a:xfrm>
+            <a:off x="2863612" y="2988501"/>
+            <a:ext cx="838717" cy="215444"/>
+          </a:xfrm>
+          <a:prstGeom prst="rect">
+            <a:avLst/>
+          </a:prstGeom>
+          <a:noFill/>
+        </p:spPr>
+        <p:txBody>
+          <a:bodyPr wrap="square" rtlCol="0">
+            <a:spAutoFit/>
+          </a:bodyPr>
+          <a:lstStyle/>
+          <a:p>
+            <a:pPr algn="ctr"/>
+            <a:r>
+              <a:rPr lang="en-US" sz="800" dirty="0"/>
+              <a:t>/</a:t>
+            </a:r>
+            <a:r>
+              <a:rPr lang="en-US" sz="800" dirty="0" err="1"/>
+              <a:t>api</a:t>
+            </a:r>
+            <a:r>
+              <a:rPr lang="en-US" sz="800" dirty="0"/>
+              <a:t>/offers</a:t>
+            </a:r>
+          </a:p>
+        </p:txBody>
+      </p:sp>
+      <p:sp>
+        <p:nvSpPr>
+          <p:cNvPr id="144" name="Hexagon 143">
+            <a:extLst>
+              <a:ext uri="{FF2B5EF4-FFF2-40B4-BE49-F238E27FC236}">
+                <a16:creationId xmlns:a16="http://schemas.microsoft.com/office/drawing/2014/main" id="{76D42DAE-A8D8-9DE8-A8E3-BF9DF07B1560}"/>
+              </a:ext>
+            </a:extLst>
+          </p:cNvPr>
+          <p:cNvSpPr/>
+          <p:nvPr/>
+        </p:nvSpPr>
+        <p:spPr>
+          <a:xfrm>
+            <a:off x="2889936" y="3335790"/>
+            <a:ext cx="737021" cy="635363"/>
+          </a:xfrm>
+          <a:prstGeom prst="hexagon">
+            <a:avLst/>
+          </a:prstGeom>
+          <a:solidFill>
+            <a:schemeClr val="bg1"/>
+          </a:solidFill>
+          <a:ln>
+            <a:prstDash val="dash"/>
+          </a:ln>
+        </p:spPr>
+        <p:style>
+          <a:lnRef idx="2">
+            <a:schemeClr val="accent1">
+              <a:shade val="50000"/>
+            </a:schemeClr>
+          </a:lnRef>
+          <a:fillRef idx="1">
+            <a:schemeClr val="accent1"/>
+          </a:fillRef>
+          <a:effectRef idx="0">
+            <a:schemeClr val="accent1"/>
+          </a:effectRef>
+          <a:fontRef idx="minor">
+            <a:schemeClr val="lt1"/>
+          </a:fontRef>
+        </p:style>
+        <p:txBody>
+          <a:bodyPr lIns="0" tIns="0" rIns="0" bIns="0" rtlCol="0" anchor="ctr"/>
+          <a:lstStyle/>
+          <a:p>
+            <a:pPr algn="ctr"/>
+            <a:r>
+              <a:rPr lang="es-419" sz="800" dirty="0" err="1">
+                <a:solidFill>
+                  <a:schemeClr val="tx1"/>
+                </a:solidFill>
+              </a:rPr>
+              <a:t>pricing.api</a:t>
+            </a:r>
+            <a:endParaRPr lang="en-US" sz="800" dirty="0">
+              <a:solidFill>
+                <a:schemeClr val="tx1"/>
+              </a:solidFill>
+            </a:endParaRPr>
+          </a:p>
+        </p:txBody>
+      </p:sp>
+      <p:pic>
+        <p:nvPicPr>
+          <p:cNvPr id="145" name="Picture 30" descr="Padlock - Free security icons">
+            <a:extLst>
+              <a:ext uri="{FF2B5EF4-FFF2-40B4-BE49-F238E27FC236}">
+                <a16:creationId xmlns:a16="http://schemas.microsoft.com/office/drawing/2014/main" id="{AA23CBC9-AFAB-C6AE-7CBE-79DD281335F6}"/>
+              </a:ext>
+            </a:extLst>
+          </p:cNvPr>
+          <p:cNvPicPr>
+            <a:picLocks noChangeAspect="1" noChangeArrowheads="1"/>
+          </p:cNvPicPr>
+          <p:nvPr/>
+        </p:nvPicPr>
+        <p:blipFill>
+          <a:blip r:embed="rId14">
+            <a:extLst>
+              <a:ext uri="{28A0092B-C50C-407E-A947-70E740481C1C}">
+                <a14:useLocalDpi xmlns:a14="http://schemas.microsoft.com/office/drawing/2010/main" val="0"/>
+              </a:ext>
+            </a:extLst>
+          </a:blip>
+          <a:srcRect/>
+          <a:stretch>
+            <a:fillRect/>
+          </a:stretch>
+        </p:blipFill>
+        <p:spPr bwMode="auto">
+          <a:xfrm>
+            <a:off x="2709039" y="3322869"/>
+            <a:ext cx="252000" cy="252000"/>
+          </a:xfrm>
+          <a:prstGeom prst="rect">
+            <a:avLst/>
+          </a:prstGeom>
+          <a:noFill/>
+          <a:extLst>
+            <a:ext uri="{909E8E84-426E-40DD-AFC4-6F175D3DCCD1}">
+              <a14:hiddenFill xmlns:a14="http://schemas.microsoft.com/office/drawing/2010/main">
+                <a:solidFill>
+                  <a:srgbClr val="FFFFFF"/>
+                </a:solidFill>
+              </a14:hiddenFill>
+            </a:ext>
+          </a:extLst>
+        </p:spPr>
+      </p:pic>
+      <p:sp>
+        <p:nvSpPr>
+          <p:cNvPr id="146" name="TextBox 145">
+            <a:extLst>
+              <a:ext uri="{FF2B5EF4-FFF2-40B4-BE49-F238E27FC236}">
+                <a16:creationId xmlns:a16="http://schemas.microsoft.com/office/drawing/2014/main" id="{00282EF7-DD06-7D62-924D-59B33FE446DB}"/>
+              </a:ext>
+            </a:extLst>
+          </p:cNvPr>
+          <p:cNvSpPr txBox="1"/>
+          <p:nvPr/>
+        </p:nvSpPr>
+        <p:spPr>
+          <a:xfrm>
+            <a:off x="2863612" y="3967418"/>
+            <a:ext cx="838717" cy="215444"/>
+          </a:xfrm>
+          <a:prstGeom prst="rect">
+            <a:avLst/>
+          </a:prstGeom>
+          <a:noFill/>
+        </p:spPr>
+        <p:txBody>
+          <a:bodyPr wrap="square" rtlCol="0">
+            <a:spAutoFit/>
+          </a:bodyPr>
+          <a:lstStyle/>
+          <a:p>
+            <a:pPr algn="ctr"/>
+            <a:r>
+              <a:rPr lang="en-US" sz="800" dirty="0"/>
+              <a:t>/</a:t>
+            </a:r>
+            <a:r>
+              <a:rPr lang="en-US" sz="800" dirty="0" err="1"/>
+              <a:t>api</a:t>
+            </a:r>
+            <a:r>
+              <a:rPr lang="en-US" sz="800" dirty="0"/>
+              <a:t>/pricing</a:t>
+            </a:r>
+          </a:p>
+        </p:txBody>
+      </p:sp>
+      <p:sp>
+        <p:nvSpPr>
+          <p:cNvPr id="147" name="Hexagon 146">
+            <a:extLst>
+              <a:ext uri="{FF2B5EF4-FFF2-40B4-BE49-F238E27FC236}">
+                <a16:creationId xmlns:a16="http://schemas.microsoft.com/office/drawing/2014/main" id="{C80A9EC1-0EC5-D92B-B32D-FBD8DB6438F0}"/>
+              </a:ext>
+            </a:extLst>
+          </p:cNvPr>
+          <p:cNvSpPr/>
+          <p:nvPr/>
+        </p:nvSpPr>
+        <p:spPr>
+          <a:xfrm>
+            <a:off x="2889936" y="4308364"/>
+            <a:ext cx="737021" cy="635363"/>
+          </a:xfrm>
+          <a:prstGeom prst="hexagon">
+            <a:avLst/>
+          </a:prstGeom>
+          <a:solidFill>
+            <a:schemeClr val="bg1"/>
+          </a:solidFill>
+          <a:ln>
+            <a:prstDash val="dash"/>
+          </a:ln>
+        </p:spPr>
+        <p:style>
+          <a:lnRef idx="2">
+            <a:schemeClr val="accent1">
+              <a:shade val="50000"/>
+            </a:schemeClr>
+          </a:lnRef>
+          <a:fillRef idx="1">
+            <a:schemeClr val="accent1"/>
+          </a:fillRef>
+          <a:effectRef idx="0">
+            <a:schemeClr val="accent1"/>
+          </a:effectRef>
+          <a:fontRef idx="minor">
+            <a:schemeClr val="lt1"/>
+          </a:fontRef>
+        </p:style>
+        <p:txBody>
+          <a:bodyPr lIns="0" tIns="0" rIns="0" bIns="0" rtlCol="0" anchor="ctr"/>
+          <a:lstStyle/>
+          <a:p>
+            <a:pPr algn="ctr"/>
+            <a:r>
+              <a:rPr lang="es-419" sz="800" dirty="0" err="1">
+                <a:solidFill>
+                  <a:schemeClr val="tx1"/>
+                </a:solidFill>
+              </a:rPr>
+              <a:t>product.api</a:t>
+            </a:r>
+            <a:endParaRPr lang="en-US" sz="800" dirty="0">
+              <a:solidFill>
+                <a:schemeClr val="tx1"/>
+              </a:solidFill>
+            </a:endParaRPr>
+          </a:p>
+        </p:txBody>
+      </p:sp>
+      <p:pic>
+        <p:nvPicPr>
+          <p:cNvPr id="148" name="Picture 30" descr="Padlock - Free security icons">
+            <a:extLst>
+              <a:ext uri="{FF2B5EF4-FFF2-40B4-BE49-F238E27FC236}">
+                <a16:creationId xmlns:a16="http://schemas.microsoft.com/office/drawing/2014/main" id="{37D04AA5-F184-7DF5-E22E-FBF6FE82BC24}"/>
+              </a:ext>
+            </a:extLst>
+          </p:cNvPr>
+          <p:cNvPicPr>
+            <a:picLocks noChangeAspect="1" noChangeArrowheads="1"/>
+          </p:cNvPicPr>
+          <p:nvPr/>
+        </p:nvPicPr>
+        <p:blipFill>
+          <a:blip r:embed="rId14">
+            <a:extLst>
+              <a:ext uri="{28A0092B-C50C-407E-A947-70E740481C1C}">
+                <a14:useLocalDpi xmlns:a14="http://schemas.microsoft.com/office/drawing/2010/main" val="0"/>
+              </a:ext>
+            </a:extLst>
+          </a:blip>
+          <a:srcRect/>
+          <a:stretch>
+            <a:fillRect/>
+          </a:stretch>
+        </p:blipFill>
+        <p:spPr bwMode="auto">
+          <a:xfrm>
+            <a:off x="2709039" y="4255704"/>
+            <a:ext cx="252000" cy="252000"/>
+          </a:xfrm>
+          <a:prstGeom prst="rect">
+            <a:avLst/>
+          </a:prstGeom>
+          <a:noFill/>
+          <a:extLst>
+            <a:ext uri="{909E8E84-426E-40DD-AFC4-6F175D3DCCD1}">
+              <a14:hiddenFill xmlns:a14="http://schemas.microsoft.com/office/drawing/2010/main">
+                <a:solidFill>
+                  <a:srgbClr val="FFFFFF"/>
+                </a:solidFill>
+              </a14:hiddenFill>
+            </a:ext>
+          </a:extLst>
+        </p:spPr>
+      </p:pic>
+      <p:sp>
+        <p:nvSpPr>
+          <p:cNvPr id="149" name="TextBox 148">
+            <a:extLst>
+              <a:ext uri="{FF2B5EF4-FFF2-40B4-BE49-F238E27FC236}">
+                <a16:creationId xmlns:a16="http://schemas.microsoft.com/office/drawing/2014/main" id="{1727C58E-4835-47FA-209A-6A1FBD713EB5}"/>
+              </a:ext>
+            </a:extLst>
+          </p:cNvPr>
+          <p:cNvSpPr txBox="1"/>
+          <p:nvPr/>
+        </p:nvSpPr>
+        <p:spPr>
+          <a:xfrm>
+            <a:off x="2863612" y="4954498"/>
+            <a:ext cx="838717" cy="215444"/>
+          </a:xfrm>
+          <a:prstGeom prst="rect">
+            <a:avLst/>
+          </a:prstGeom>
+          <a:noFill/>
+        </p:spPr>
+        <p:txBody>
+          <a:bodyPr wrap="square" rtlCol="0">
+            <a:spAutoFit/>
+          </a:bodyPr>
+          <a:lstStyle/>
+          <a:p>
+            <a:pPr algn="ctr"/>
+            <a:r>
+              <a:rPr lang="en-US" sz="800" dirty="0"/>
+              <a:t>/</a:t>
+            </a:r>
+            <a:r>
+              <a:rPr lang="en-US" sz="800" dirty="0" err="1"/>
+              <a:t>api</a:t>
+            </a:r>
+            <a:r>
+              <a:rPr lang="en-US" sz="800" dirty="0"/>
+              <a:t>/products</a:t>
+            </a:r>
+          </a:p>
+        </p:txBody>
+      </p:sp>
+      <p:sp>
+        <p:nvSpPr>
+          <p:cNvPr id="150" name="TextBox 149">
+            <a:extLst>
+              <a:ext uri="{FF2B5EF4-FFF2-40B4-BE49-F238E27FC236}">
+                <a16:creationId xmlns:a16="http://schemas.microsoft.com/office/drawing/2014/main" id="{E676D522-2C00-82F0-F027-DF9C5D67B0F1}"/>
+              </a:ext>
+            </a:extLst>
+          </p:cNvPr>
+          <p:cNvSpPr txBox="1"/>
+          <p:nvPr/>
+        </p:nvSpPr>
+        <p:spPr>
+          <a:xfrm>
+            <a:off x="2172657" y="3025365"/>
+            <a:ext cx="838717" cy="215444"/>
+          </a:xfrm>
+          <a:prstGeom prst="rect">
+            <a:avLst/>
+          </a:prstGeom>
+          <a:noFill/>
+        </p:spPr>
+        <p:txBody>
+          <a:bodyPr wrap="square" rtlCol="0">
+            <a:spAutoFit/>
+          </a:bodyPr>
+          <a:lstStyle/>
+          <a:p>
+            <a:pPr algn="ctr"/>
+            <a:r>
+              <a:rPr lang="en-US" sz="800" dirty="0"/>
+              <a:t>Port: 44399</a:t>
+            </a:r>
+          </a:p>
+        </p:txBody>
+      </p:sp>
+      <p:cxnSp>
+        <p:nvCxnSpPr>
+          <p:cNvPr id="151" name="Straight Arrow Connector 150">
+            <a:extLst>
+              <a:ext uri="{FF2B5EF4-FFF2-40B4-BE49-F238E27FC236}">
+                <a16:creationId xmlns:a16="http://schemas.microsoft.com/office/drawing/2014/main" id="{030E35D5-E452-06F2-C6FA-950D859C9496}"/>
+              </a:ext>
+            </a:extLst>
+          </p:cNvPr>
+          <p:cNvCxnSpPr/>
+          <p:nvPr/>
+        </p:nvCxnSpPr>
+        <p:spPr>
+          <a:xfrm flipV="1">
+            <a:off x="1795510" y="2666950"/>
+            <a:ext cx="1094427" cy="583168"/>
+          </a:xfrm>
+          <a:prstGeom prst="straightConnector1">
+            <a:avLst/>
+          </a:prstGeom>
+          <a:ln>
+            <a:tailEnd type="triangle"/>
+          </a:ln>
+        </p:spPr>
+        <p:style>
+          <a:lnRef idx="1">
+            <a:schemeClr val="accent1"/>
+          </a:lnRef>
+          <a:fillRef idx="0">
+            <a:schemeClr val="accent1"/>
+          </a:fillRef>
+          <a:effectRef idx="0">
+            <a:schemeClr val="accent1"/>
+          </a:effectRef>
+          <a:fontRef idx="minor">
+            <a:schemeClr val="tx1"/>
+          </a:fontRef>
+        </p:style>
+      </p:cxnSp>
+      <p:cxnSp>
+        <p:nvCxnSpPr>
+          <p:cNvPr id="152" name="Straight Arrow Connector 151">
+            <a:extLst>
+              <a:ext uri="{FF2B5EF4-FFF2-40B4-BE49-F238E27FC236}">
+                <a16:creationId xmlns:a16="http://schemas.microsoft.com/office/drawing/2014/main" id="{CC6666CB-BCC8-F030-91E2-B27494CA15D0}"/>
+              </a:ext>
+            </a:extLst>
+          </p:cNvPr>
+          <p:cNvCxnSpPr/>
+          <p:nvPr/>
+        </p:nvCxnSpPr>
+        <p:spPr>
+          <a:xfrm>
+            <a:off x="1795510" y="3250118"/>
+            <a:ext cx="1094427" cy="1375928"/>
+          </a:xfrm>
+          <a:prstGeom prst="straightConnector1">
+            <a:avLst/>
+          </a:prstGeom>
+          <a:ln>
+            <a:tailEnd type="triangle"/>
+          </a:ln>
+        </p:spPr>
+        <p:style>
+          <a:lnRef idx="1">
+            <a:schemeClr val="accent1"/>
+          </a:lnRef>
+          <a:fillRef idx="0">
+            <a:schemeClr val="accent1"/>
+          </a:fillRef>
+          <a:effectRef idx="0">
+            <a:schemeClr val="accent1"/>
+          </a:effectRef>
+          <a:fontRef idx="minor">
+            <a:schemeClr val="tx1"/>
+          </a:fontRef>
+        </p:style>
+      </p:cxnSp>
+      <p:cxnSp>
+        <p:nvCxnSpPr>
+          <p:cNvPr id="153" name="Straight Arrow Connector 152">
+            <a:extLst>
+              <a:ext uri="{FF2B5EF4-FFF2-40B4-BE49-F238E27FC236}">
+                <a16:creationId xmlns:a16="http://schemas.microsoft.com/office/drawing/2014/main" id="{90439CBF-6579-57AE-CC3A-5E66645B7F3B}"/>
+              </a:ext>
+            </a:extLst>
+          </p:cNvPr>
+          <p:cNvCxnSpPr>
+            <a:cxnSpLocks/>
+          </p:cNvCxnSpPr>
+          <p:nvPr/>
+        </p:nvCxnSpPr>
+        <p:spPr>
+          <a:xfrm flipV="1">
+            <a:off x="1795510" y="1614943"/>
+            <a:ext cx="1094427" cy="1635174"/>
+          </a:xfrm>
+          <a:prstGeom prst="straightConnector1">
+            <a:avLst/>
+          </a:prstGeom>
+          <a:ln>
+            <a:tailEnd type="triangle"/>
+          </a:ln>
+        </p:spPr>
+        <p:style>
+          <a:lnRef idx="1">
+            <a:schemeClr val="accent1"/>
+          </a:lnRef>
+          <a:fillRef idx="0">
+            <a:schemeClr val="accent1"/>
+          </a:fillRef>
+          <a:effectRef idx="0">
+            <a:schemeClr val="accent1"/>
+          </a:effectRef>
+          <a:fontRef idx="minor">
+            <a:schemeClr val="tx1"/>
+          </a:fontRef>
+        </p:style>
+      </p:cxnSp>
+      <p:cxnSp>
+        <p:nvCxnSpPr>
+          <p:cNvPr id="161" name="Straight Arrow Connector 160">
+            <a:extLst>
+              <a:ext uri="{FF2B5EF4-FFF2-40B4-BE49-F238E27FC236}">
+                <a16:creationId xmlns:a16="http://schemas.microsoft.com/office/drawing/2014/main" id="{DBE046CF-3943-658B-A2B1-0E9F31F2D434}"/>
+              </a:ext>
+            </a:extLst>
+          </p:cNvPr>
+          <p:cNvCxnSpPr>
+            <a:cxnSpLocks/>
+          </p:cNvCxnSpPr>
+          <p:nvPr/>
+        </p:nvCxnSpPr>
+        <p:spPr>
+          <a:xfrm>
+            <a:off x="3626958" y="1614943"/>
+            <a:ext cx="958374" cy="3198"/>
+          </a:xfrm>
+          <a:prstGeom prst="straightConnector1">
+            <a:avLst/>
+          </a:prstGeom>
+          <a:ln w="19050">
+            <a:solidFill>
+              <a:schemeClr val="tx1"/>
+            </a:solidFill>
+            <a:prstDash val="dash"/>
+            <a:tailEnd type="triangle"/>
+          </a:ln>
+        </p:spPr>
+        <p:style>
+          <a:lnRef idx="1">
+            <a:schemeClr val="accent1"/>
+          </a:lnRef>
+          <a:fillRef idx="0">
+            <a:schemeClr val="accent1"/>
+          </a:fillRef>
+          <a:effectRef idx="0">
+            <a:schemeClr val="accent1"/>
+          </a:effectRef>
+          <a:fontRef idx="minor">
+            <a:schemeClr val="tx1"/>
+          </a:fontRef>
+        </p:style>
+      </p:cxnSp>
+      <p:cxnSp>
+        <p:nvCxnSpPr>
+          <p:cNvPr id="162" name="Straight Arrow Connector 161">
+            <a:extLst>
+              <a:ext uri="{FF2B5EF4-FFF2-40B4-BE49-F238E27FC236}">
+                <a16:creationId xmlns:a16="http://schemas.microsoft.com/office/drawing/2014/main" id="{59FCAB43-2364-BBBB-530D-62C1F9EA5BEA}"/>
+              </a:ext>
+            </a:extLst>
+          </p:cNvPr>
+          <p:cNvCxnSpPr/>
+          <p:nvPr/>
+        </p:nvCxnSpPr>
+        <p:spPr>
+          <a:xfrm flipV="1">
+            <a:off x="3626957" y="1906908"/>
+            <a:ext cx="2314553" cy="760042"/>
+          </a:xfrm>
+          <a:prstGeom prst="straightConnector1">
+            <a:avLst/>
+          </a:prstGeom>
+          <a:ln w="19050">
+            <a:solidFill>
+              <a:schemeClr val="tx1"/>
+            </a:solidFill>
+            <a:prstDash val="dash"/>
+            <a:tailEnd type="triangle"/>
+          </a:ln>
+        </p:spPr>
+        <p:style>
+          <a:lnRef idx="1">
+            <a:schemeClr val="accent1"/>
+          </a:lnRef>
+          <a:fillRef idx="0">
+            <a:schemeClr val="accent1"/>
+          </a:fillRef>
+          <a:effectRef idx="0">
+            <a:schemeClr val="accent1"/>
+          </a:effectRef>
+          <a:fontRef idx="minor">
+            <a:schemeClr val="tx1"/>
+          </a:fontRef>
+        </p:style>
+      </p:cxnSp>
+      <p:cxnSp>
+        <p:nvCxnSpPr>
+          <p:cNvPr id="163" name="Straight Arrow Connector 162">
+            <a:extLst>
+              <a:ext uri="{FF2B5EF4-FFF2-40B4-BE49-F238E27FC236}">
+                <a16:creationId xmlns:a16="http://schemas.microsoft.com/office/drawing/2014/main" id="{05D2FB74-3640-6F58-C315-87F9D2CE169A}"/>
+              </a:ext>
+            </a:extLst>
+          </p:cNvPr>
+          <p:cNvCxnSpPr/>
+          <p:nvPr/>
+        </p:nvCxnSpPr>
+        <p:spPr>
+          <a:xfrm flipV="1">
+            <a:off x="3626957" y="2893430"/>
+            <a:ext cx="2314553" cy="760042"/>
+          </a:xfrm>
+          <a:prstGeom prst="straightConnector1">
+            <a:avLst/>
+          </a:prstGeom>
+          <a:ln w="19050">
+            <a:solidFill>
+              <a:schemeClr val="tx1"/>
+            </a:solidFill>
+            <a:prstDash val="dash"/>
+            <a:tailEnd type="triangle"/>
+          </a:ln>
+        </p:spPr>
+        <p:style>
+          <a:lnRef idx="1">
+            <a:schemeClr val="accent1"/>
+          </a:lnRef>
+          <a:fillRef idx="0">
+            <a:schemeClr val="accent1"/>
+          </a:fillRef>
+          <a:effectRef idx="0">
+            <a:schemeClr val="accent1"/>
+          </a:effectRef>
+          <a:fontRef idx="minor">
+            <a:schemeClr val="tx1"/>
+          </a:fontRef>
+        </p:style>
+      </p:cxnSp>
+      <p:cxnSp>
+        <p:nvCxnSpPr>
+          <p:cNvPr id="164" name="Straight Arrow Connector 163">
+            <a:extLst>
+              <a:ext uri="{FF2B5EF4-FFF2-40B4-BE49-F238E27FC236}">
+                <a16:creationId xmlns:a16="http://schemas.microsoft.com/office/drawing/2014/main" id="{0AFCD4C5-1D75-36CB-AF96-EF12B27257F1}"/>
+              </a:ext>
+            </a:extLst>
+          </p:cNvPr>
+          <p:cNvCxnSpPr>
+            <a:cxnSpLocks/>
+          </p:cNvCxnSpPr>
+          <p:nvPr/>
+        </p:nvCxnSpPr>
+        <p:spPr>
+          <a:xfrm flipV="1">
+            <a:off x="3626957" y="3866004"/>
+            <a:ext cx="2314553" cy="760042"/>
+          </a:xfrm>
+          <a:prstGeom prst="straightConnector1">
+            <a:avLst/>
+          </a:prstGeom>
+          <a:ln w="19050">
+            <a:solidFill>
+              <a:schemeClr val="tx1"/>
+            </a:solidFill>
+            <a:prstDash val="dash"/>
+            <a:tailEnd type="triangle"/>
+          </a:ln>
+        </p:spPr>
+        <p:style>
+          <a:lnRef idx="1">
+            <a:schemeClr val="accent1"/>
+          </a:lnRef>
+          <a:fillRef idx="0">
+            <a:schemeClr val="accent1"/>
+          </a:fillRef>
+          <a:effectRef idx="0">
+            <a:schemeClr val="accent1"/>
+          </a:effectRef>
+          <a:fontRef idx="minor">
+            <a:schemeClr val="tx1"/>
+          </a:fontRef>
+        </p:style>
+      </p:cxnSp>
+      <p:cxnSp>
+        <p:nvCxnSpPr>
+          <p:cNvPr id="165" name="Straight Arrow Connector 131">
+            <a:extLst>
+              <a:ext uri="{FF2B5EF4-FFF2-40B4-BE49-F238E27FC236}">
+                <a16:creationId xmlns:a16="http://schemas.microsoft.com/office/drawing/2014/main" id="{4BC70321-155F-7AF6-58DA-7AC20C46E346}"/>
+              </a:ext>
+            </a:extLst>
+          </p:cNvPr>
+          <p:cNvCxnSpPr>
+            <a:cxnSpLocks/>
+          </p:cNvCxnSpPr>
+          <p:nvPr/>
+        </p:nvCxnSpPr>
+        <p:spPr>
+          <a:xfrm>
+            <a:off x="5322353" y="1618141"/>
+            <a:ext cx="3667150" cy="4160684"/>
+          </a:xfrm>
+          <a:prstGeom prst="curvedConnector2">
+            <a:avLst/>
+          </a:prstGeom>
+          <a:ln>
+            <a:tailEnd type="triangle"/>
+          </a:ln>
+        </p:spPr>
+        <p:style>
+          <a:lnRef idx="1">
+            <a:schemeClr val="accent2"/>
+          </a:lnRef>
+          <a:fillRef idx="0">
+            <a:schemeClr val="accent2"/>
+          </a:fillRef>
+          <a:effectRef idx="0">
+            <a:schemeClr val="accent2"/>
+          </a:effectRef>
+          <a:fontRef idx="minor">
+            <a:schemeClr val="tx1"/>
+          </a:fontRef>
+        </p:style>
+      </p:cxnSp>
+      <p:cxnSp>
+        <p:nvCxnSpPr>
+          <p:cNvPr id="166" name="Straight Arrow Connector 165">
+            <a:extLst>
+              <a:ext uri="{FF2B5EF4-FFF2-40B4-BE49-F238E27FC236}">
+                <a16:creationId xmlns:a16="http://schemas.microsoft.com/office/drawing/2014/main" id="{6F78EB62-3FF5-0F48-F969-D06D1BADD334}"/>
+              </a:ext>
+            </a:extLst>
+          </p:cNvPr>
+          <p:cNvCxnSpPr>
+            <a:cxnSpLocks/>
+          </p:cNvCxnSpPr>
+          <p:nvPr/>
+        </p:nvCxnSpPr>
+        <p:spPr>
+          <a:xfrm>
+            <a:off x="6678531" y="1906908"/>
+            <a:ext cx="2310972" cy="3871917"/>
+          </a:xfrm>
+          <a:prstGeom prst="straightConnector1">
+            <a:avLst/>
+          </a:prstGeom>
+          <a:ln>
+            <a:tailEnd type="triangle"/>
+          </a:ln>
+        </p:spPr>
+        <p:style>
+          <a:lnRef idx="1">
+            <a:schemeClr val="accent2"/>
+          </a:lnRef>
+          <a:fillRef idx="0">
+            <a:schemeClr val="accent2"/>
+          </a:fillRef>
+          <a:effectRef idx="0">
+            <a:schemeClr val="accent2"/>
+          </a:effectRef>
+          <a:fontRef idx="minor">
+            <a:schemeClr val="tx1"/>
+          </a:fontRef>
+        </p:style>
+      </p:cxnSp>
+      <p:cxnSp>
+        <p:nvCxnSpPr>
+          <p:cNvPr id="167" name="Straight Arrow Connector 166">
+            <a:extLst>
+              <a:ext uri="{FF2B5EF4-FFF2-40B4-BE49-F238E27FC236}">
+                <a16:creationId xmlns:a16="http://schemas.microsoft.com/office/drawing/2014/main" id="{373A2228-2A54-CD76-312D-250D26FE1B26}"/>
+              </a:ext>
+            </a:extLst>
+          </p:cNvPr>
+          <p:cNvCxnSpPr>
+            <a:cxnSpLocks/>
+          </p:cNvCxnSpPr>
+          <p:nvPr/>
+        </p:nvCxnSpPr>
+        <p:spPr>
+          <a:xfrm>
+            <a:off x="6678531" y="2893430"/>
+            <a:ext cx="2310972" cy="2885395"/>
+          </a:xfrm>
+          <a:prstGeom prst="straightConnector1">
+            <a:avLst/>
+          </a:prstGeom>
+          <a:ln>
+            <a:tailEnd type="triangle"/>
+          </a:ln>
+        </p:spPr>
+        <p:style>
+          <a:lnRef idx="1">
+            <a:schemeClr val="accent2"/>
+          </a:lnRef>
+          <a:fillRef idx="0">
+            <a:schemeClr val="accent2"/>
+          </a:fillRef>
+          <a:effectRef idx="0">
+            <a:schemeClr val="accent2"/>
+          </a:effectRef>
+          <a:fontRef idx="minor">
+            <a:schemeClr val="tx1"/>
+          </a:fontRef>
+        </p:style>
+      </p:cxnSp>
+      <p:cxnSp>
+        <p:nvCxnSpPr>
+          <p:cNvPr id="168" name="Straight Arrow Connector 167">
+            <a:extLst>
+              <a:ext uri="{FF2B5EF4-FFF2-40B4-BE49-F238E27FC236}">
+                <a16:creationId xmlns:a16="http://schemas.microsoft.com/office/drawing/2014/main" id="{330628BF-7F3D-F1DC-4D17-CD7BCECD06F6}"/>
+              </a:ext>
+            </a:extLst>
+          </p:cNvPr>
+          <p:cNvCxnSpPr>
+            <a:cxnSpLocks/>
+          </p:cNvCxnSpPr>
+          <p:nvPr/>
+        </p:nvCxnSpPr>
+        <p:spPr>
+          <a:xfrm>
+            <a:off x="6678532" y="3866004"/>
+            <a:ext cx="2310971" cy="1912821"/>
+          </a:xfrm>
+          <a:prstGeom prst="straightConnector1">
+            <a:avLst/>
+          </a:prstGeom>
+          <a:ln>
+            <a:tailEnd type="triangle"/>
+          </a:ln>
+        </p:spPr>
+        <p:style>
+          <a:lnRef idx="1">
+            <a:schemeClr val="accent2"/>
+          </a:lnRef>
+          <a:fillRef idx="0">
+            <a:schemeClr val="accent2"/>
+          </a:fillRef>
+          <a:effectRef idx="0">
+            <a:schemeClr val="accent2"/>
+          </a:effectRef>
+          <a:fontRef idx="minor">
+            <a:schemeClr val="tx1"/>
+          </a:fontRef>
+        </p:style>
+      </p:cxnSp>
+      <p:cxnSp>
+        <p:nvCxnSpPr>
+          <p:cNvPr id="176" name="Straight Arrow Connector 175">
+            <a:extLst>
+              <a:ext uri="{FF2B5EF4-FFF2-40B4-BE49-F238E27FC236}">
+                <a16:creationId xmlns:a16="http://schemas.microsoft.com/office/drawing/2014/main" id="{34FF2B3E-8659-D60E-F9F3-3D0085ED671E}"/>
+              </a:ext>
+            </a:extLst>
+          </p:cNvPr>
+          <p:cNvCxnSpPr>
+            <a:cxnSpLocks/>
+          </p:cNvCxnSpPr>
+          <p:nvPr/>
+        </p:nvCxnSpPr>
+        <p:spPr>
+          <a:xfrm flipH="1">
+            <a:off x="7801854" y="1821747"/>
+            <a:ext cx="666054" cy="3909101"/>
+          </a:xfrm>
+          <a:prstGeom prst="straightConnector1">
+            <a:avLst/>
+          </a:prstGeom>
+          <a:ln>
+            <a:tailEnd type="triangle"/>
+          </a:ln>
+        </p:spPr>
+        <p:style>
+          <a:lnRef idx="1">
+            <a:schemeClr val="accent6"/>
+          </a:lnRef>
+          <a:fillRef idx="0">
+            <a:schemeClr val="accent6"/>
+          </a:fillRef>
+          <a:effectRef idx="0">
+            <a:schemeClr val="accent6"/>
+          </a:effectRef>
+          <a:fontRef idx="minor">
+            <a:schemeClr val="tx1"/>
+          </a:fontRef>
+        </p:style>
+      </p:cxnSp>
+      <p:cxnSp>
+        <p:nvCxnSpPr>
+          <p:cNvPr id="177" name="Connector: Curved 176">
+            <a:extLst>
+              <a:ext uri="{FF2B5EF4-FFF2-40B4-BE49-F238E27FC236}">
+                <a16:creationId xmlns:a16="http://schemas.microsoft.com/office/drawing/2014/main" id="{22D7E7F0-C3A6-0D85-8E85-551BD40620C8}"/>
+              </a:ext>
+            </a:extLst>
+          </p:cNvPr>
+          <p:cNvCxnSpPr>
+            <a:cxnSpLocks/>
+          </p:cNvCxnSpPr>
+          <p:nvPr/>
+        </p:nvCxnSpPr>
+        <p:spPr>
+          <a:xfrm rot="5400000" flipH="1" flipV="1">
+            <a:off x="5464806" y="3914495"/>
+            <a:ext cx="124847" cy="4549248"/>
+          </a:xfrm>
+          <a:prstGeom prst="curvedConnector3">
+            <a:avLst>
+              <a:gd name="adj1" fmla="val -390254"/>
+            </a:avLst>
+          </a:prstGeom>
+          <a:ln>
+            <a:tailEnd type="triangle"/>
+          </a:ln>
+        </p:spPr>
+        <p:style>
+          <a:lnRef idx="1">
+            <a:schemeClr val="accent6"/>
+          </a:lnRef>
+          <a:fillRef idx="0">
+            <a:schemeClr val="accent6"/>
+          </a:fillRef>
+          <a:effectRef idx="0">
+            <a:schemeClr val="accent6"/>
+          </a:effectRef>
+          <a:fontRef idx="minor">
+            <a:schemeClr val="tx1"/>
+          </a:fontRef>
+        </p:style>
+      </p:cxnSp>
+      <p:cxnSp>
+        <p:nvCxnSpPr>
+          <p:cNvPr id="179" name="Connector: Curved 178">
+            <a:extLst>
+              <a:ext uri="{FF2B5EF4-FFF2-40B4-BE49-F238E27FC236}">
+                <a16:creationId xmlns:a16="http://schemas.microsoft.com/office/drawing/2014/main" id="{E0537061-017E-BC0C-CE57-9A120F7E73CE}"/>
+              </a:ext>
+            </a:extLst>
+          </p:cNvPr>
+          <p:cNvCxnSpPr>
+            <a:cxnSpLocks/>
+          </p:cNvCxnSpPr>
+          <p:nvPr/>
+        </p:nvCxnSpPr>
+        <p:spPr>
+          <a:xfrm>
+            <a:off x="5322353" y="1618141"/>
+            <a:ext cx="2479501" cy="4112707"/>
+          </a:xfrm>
+          <a:prstGeom prst="curvedConnector2">
+            <a:avLst/>
+          </a:prstGeom>
+          <a:ln>
+            <a:tailEnd type="triangle"/>
+          </a:ln>
+        </p:spPr>
+        <p:style>
+          <a:lnRef idx="1">
+            <a:schemeClr val="accent6"/>
+          </a:lnRef>
+          <a:fillRef idx="0">
+            <a:schemeClr val="accent6"/>
+          </a:fillRef>
+          <a:effectRef idx="0">
+            <a:schemeClr val="accent6"/>
+          </a:effectRef>
+          <a:fontRef idx="minor">
+            <a:schemeClr val="tx1"/>
+          </a:fontRef>
+        </p:style>
+      </p:cxnSp>
+      <p:cxnSp>
+        <p:nvCxnSpPr>
+          <p:cNvPr id="180" name="Straight Arrow Connector 179">
+            <a:extLst>
+              <a:ext uri="{FF2B5EF4-FFF2-40B4-BE49-F238E27FC236}">
+                <a16:creationId xmlns:a16="http://schemas.microsoft.com/office/drawing/2014/main" id="{70EECA07-D87E-25E5-9211-5C35AA9F06CC}"/>
+              </a:ext>
+            </a:extLst>
+          </p:cNvPr>
+          <p:cNvCxnSpPr>
+            <a:cxnSpLocks/>
+          </p:cNvCxnSpPr>
+          <p:nvPr/>
+        </p:nvCxnSpPr>
+        <p:spPr>
+          <a:xfrm>
+            <a:off x="6678531" y="2054684"/>
+            <a:ext cx="1123323" cy="3676164"/>
+          </a:xfrm>
+          <a:prstGeom prst="straightConnector1">
+            <a:avLst/>
+          </a:prstGeom>
+          <a:ln>
+            <a:tailEnd type="triangle"/>
+          </a:ln>
+        </p:spPr>
+        <p:style>
+          <a:lnRef idx="1">
+            <a:schemeClr val="accent6"/>
+          </a:lnRef>
+          <a:fillRef idx="0">
+            <a:schemeClr val="accent6"/>
+          </a:fillRef>
+          <a:effectRef idx="0">
+            <a:schemeClr val="accent6"/>
+          </a:effectRef>
+          <a:fontRef idx="minor">
+            <a:schemeClr val="tx1"/>
+          </a:fontRef>
+        </p:style>
+      </p:cxnSp>
+      <p:cxnSp>
+        <p:nvCxnSpPr>
+          <p:cNvPr id="181" name="Straight Arrow Connector 180">
+            <a:extLst>
+              <a:ext uri="{FF2B5EF4-FFF2-40B4-BE49-F238E27FC236}">
+                <a16:creationId xmlns:a16="http://schemas.microsoft.com/office/drawing/2014/main" id="{554DBD48-9187-A029-24E6-B934A5044E3E}"/>
+              </a:ext>
+            </a:extLst>
+          </p:cNvPr>
+          <p:cNvCxnSpPr>
+            <a:cxnSpLocks/>
+          </p:cNvCxnSpPr>
+          <p:nvPr/>
+        </p:nvCxnSpPr>
+        <p:spPr>
+          <a:xfrm>
+            <a:off x="6678531" y="3041206"/>
+            <a:ext cx="1123323" cy="2689642"/>
+          </a:xfrm>
+          <a:prstGeom prst="straightConnector1">
+            <a:avLst/>
+          </a:prstGeom>
+          <a:ln>
+            <a:tailEnd type="triangle"/>
+          </a:ln>
+        </p:spPr>
+        <p:style>
+          <a:lnRef idx="1">
+            <a:schemeClr val="accent6"/>
+          </a:lnRef>
+          <a:fillRef idx="0">
+            <a:schemeClr val="accent6"/>
+          </a:fillRef>
+          <a:effectRef idx="0">
+            <a:schemeClr val="accent6"/>
+          </a:effectRef>
+          <a:fontRef idx="minor">
+            <a:schemeClr val="tx1"/>
+          </a:fontRef>
+        </p:style>
+      </p:cxnSp>
+      <p:cxnSp>
+        <p:nvCxnSpPr>
+          <p:cNvPr id="182" name="Straight Arrow Connector 181">
+            <a:extLst>
+              <a:ext uri="{FF2B5EF4-FFF2-40B4-BE49-F238E27FC236}">
+                <a16:creationId xmlns:a16="http://schemas.microsoft.com/office/drawing/2014/main" id="{338D1F68-54B7-6775-9A00-8F05582AE791}"/>
+              </a:ext>
+            </a:extLst>
+          </p:cNvPr>
+          <p:cNvCxnSpPr>
+            <a:cxnSpLocks/>
+          </p:cNvCxnSpPr>
+          <p:nvPr/>
+        </p:nvCxnSpPr>
+        <p:spPr>
+          <a:xfrm>
+            <a:off x="6678531" y="4013780"/>
+            <a:ext cx="1123323" cy="1717068"/>
+          </a:xfrm>
+          <a:prstGeom prst="straightConnector1">
+            <a:avLst/>
+          </a:prstGeom>
+          <a:ln>
+            <a:tailEnd type="triangle"/>
+          </a:ln>
+        </p:spPr>
+        <p:style>
+          <a:lnRef idx="1">
+            <a:schemeClr val="accent6"/>
+          </a:lnRef>
+          <a:fillRef idx="0">
+            <a:schemeClr val="accent6"/>
+          </a:fillRef>
+          <a:effectRef idx="0">
+            <a:schemeClr val="accent6"/>
+          </a:effectRef>
+          <a:fontRef idx="minor">
+            <a:schemeClr val="tx1"/>
+          </a:fontRef>
+        </p:style>
+      </p:cxnSp>
+      <p:cxnSp>
+        <p:nvCxnSpPr>
+          <p:cNvPr id="183" name="Straight Arrow Connector 182">
+            <a:extLst>
+              <a:ext uri="{FF2B5EF4-FFF2-40B4-BE49-F238E27FC236}">
+                <a16:creationId xmlns:a16="http://schemas.microsoft.com/office/drawing/2014/main" id="{897BB642-653E-50F5-A49F-845069668355}"/>
+              </a:ext>
+            </a:extLst>
+          </p:cNvPr>
+          <p:cNvCxnSpPr/>
+          <p:nvPr/>
+        </p:nvCxnSpPr>
+        <p:spPr>
+          <a:xfrm>
+            <a:off x="6678531" y="1906908"/>
+            <a:ext cx="1458630" cy="760116"/>
+          </a:xfrm>
+          <a:prstGeom prst="straightConnector1">
+            <a:avLst/>
+          </a:prstGeom>
+          <a:ln>
+            <a:tailEnd type="triangle"/>
+          </a:ln>
+        </p:spPr>
+        <p:style>
+          <a:lnRef idx="1">
+            <a:schemeClr val="accent1"/>
+          </a:lnRef>
+          <a:fillRef idx="0">
+            <a:schemeClr val="accent1"/>
+          </a:fillRef>
+          <a:effectRef idx="0">
+            <a:schemeClr val="accent1"/>
+          </a:effectRef>
+          <a:fontRef idx="minor">
+            <a:schemeClr val="tx1"/>
+          </a:fontRef>
+        </p:style>
+      </p:cxnSp>
+      <p:cxnSp>
+        <p:nvCxnSpPr>
+          <p:cNvPr id="184" name="Straight Arrow Connector 183">
+            <a:extLst>
+              <a:ext uri="{FF2B5EF4-FFF2-40B4-BE49-F238E27FC236}">
+                <a16:creationId xmlns:a16="http://schemas.microsoft.com/office/drawing/2014/main" id="{C759531C-B0D9-7A9F-1705-70686F64878D}"/>
+              </a:ext>
+            </a:extLst>
+          </p:cNvPr>
+          <p:cNvCxnSpPr/>
+          <p:nvPr/>
+        </p:nvCxnSpPr>
+        <p:spPr>
+          <a:xfrm>
+            <a:off x="6678531" y="2893430"/>
+            <a:ext cx="1458630" cy="760116"/>
+          </a:xfrm>
+          <a:prstGeom prst="straightConnector1">
+            <a:avLst/>
+          </a:prstGeom>
+          <a:ln>
+            <a:tailEnd type="triangle"/>
+          </a:ln>
+        </p:spPr>
+        <p:style>
+          <a:lnRef idx="1">
+            <a:schemeClr val="accent1"/>
+          </a:lnRef>
+          <a:fillRef idx="0">
+            <a:schemeClr val="accent1"/>
+          </a:fillRef>
+          <a:effectRef idx="0">
+            <a:schemeClr val="accent1"/>
+          </a:effectRef>
+          <a:fontRef idx="minor">
+            <a:schemeClr val="tx1"/>
+          </a:fontRef>
+        </p:style>
+      </p:cxnSp>
+      <p:cxnSp>
+        <p:nvCxnSpPr>
+          <p:cNvPr id="185" name="Straight Arrow Connector 184">
+            <a:extLst>
+              <a:ext uri="{FF2B5EF4-FFF2-40B4-BE49-F238E27FC236}">
+                <a16:creationId xmlns:a16="http://schemas.microsoft.com/office/drawing/2014/main" id="{5E5227D6-DA00-871D-310F-B40DE448DF55}"/>
+              </a:ext>
+            </a:extLst>
+          </p:cNvPr>
+          <p:cNvCxnSpPr/>
+          <p:nvPr/>
+        </p:nvCxnSpPr>
+        <p:spPr>
+          <a:xfrm>
+            <a:off x="6678531" y="3866004"/>
+            <a:ext cx="1458630" cy="760116"/>
+          </a:xfrm>
+          <a:prstGeom prst="straightConnector1">
+            <a:avLst/>
+          </a:prstGeom>
+          <a:ln>
+            <a:tailEnd type="triangle"/>
+          </a:ln>
+        </p:spPr>
+        <p:style>
+          <a:lnRef idx="1">
+            <a:schemeClr val="accent1"/>
+          </a:lnRef>
+          <a:fillRef idx="0">
+            <a:schemeClr val="accent1"/>
+          </a:fillRef>
+          <a:effectRef idx="0">
+            <a:schemeClr val="accent1"/>
+          </a:effectRef>
+          <a:fontRef idx="minor">
+            <a:schemeClr val="tx1"/>
+          </a:fontRef>
+        </p:style>
+      </p:cxnSp>
+      <p:sp>
+        <p:nvSpPr>
+          <p:cNvPr id="186" name="Hexagon 185">
+            <a:extLst>
+              <a:ext uri="{FF2B5EF4-FFF2-40B4-BE49-F238E27FC236}">
+                <a16:creationId xmlns:a16="http://schemas.microsoft.com/office/drawing/2014/main" id="{335DB9C6-A901-D6C5-A1EF-E08350EDBEA0}"/>
+              </a:ext>
+            </a:extLst>
+          </p:cNvPr>
+          <p:cNvSpPr/>
+          <p:nvPr/>
+        </p:nvSpPr>
+        <p:spPr>
+          <a:xfrm>
+            <a:off x="5952693" y="4499804"/>
+            <a:ext cx="737021" cy="635363"/>
+          </a:xfrm>
+          <a:prstGeom prst="hexagon">
+            <a:avLst/>
+          </a:prstGeom>
+          <a:solidFill>
+            <a:schemeClr val="bg1"/>
+          </a:solidFill>
+          <a:ln w="38100"/>
+        </p:spPr>
+        <p:style>
+          <a:lnRef idx="2">
+            <a:schemeClr val="accent1">
+              <a:shade val="50000"/>
+            </a:schemeClr>
+          </a:lnRef>
+          <a:fillRef idx="1">
+            <a:schemeClr val="accent1"/>
+          </a:fillRef>
+          <a:effectRef idx="0">
+            <a:schemeClr val="accent1"/>
+          </a:effectRef>
+          <a:fontRef idx="minor">
+            <a:schemeClr val="lt1"/>
+          </a:fontRef>
+        </p:style>
+        <p:txBody>
+          <a:bodyPr lIns="0" tIns="0" rIns="0" bIns="0" rtlCol="0" anchor="ctr"/>
+          <a:lstStyle/>
+          <a:p>
+            <a:pPr algn="ctr"/>
+            <a:r>
+              <a:rPr lang="es-419" sz="700" dirty="0" err="1">
+                <a:solidFill>
+                  <a:schemeClr val="tx1"/>
+                </a:solidFill>
+              </a:rPr>
+              <a:t>report.api</a:t>
+            </a:r>
+            <a:endParaRPr lang="en-US" sz="700" dirty="0">
+              <a:solidFill>
+                <a:schemeClr val="tx1"/>
+              </a:solidFill>
+            </a:endParaRPr>
+          </a:p>
+        </p:txBody>
+      </p:sp>
+      <p:sp>
+        <p:nvSpPr>
+          <p:cNvPr id="187" name="Hexagon 186">
+            <a:extLst>
+              <a:ext uri="{FF2B5EF4-FFF2-40B4-BE49-F238E27FC236}">
+                <a16:creationId xmlns:a16="http://schemas.microsoft.com/office/drawing/2014/main" id="{F695B535-7D03-9038-DD93-C253F2AB0621}"/>
+              </a:ext>
+            </a:extLst>
+          </p:cNvPr>
+          <p:cNvSpPr/>
+          <p:nvPr/>
+        </p:nvSpPr>
+        <p:spPr>
+          <a:xfrm>
+            <a:off x="5957258" y="5192966"/>
+            <a:ext cx="210797" cy="181721"/>
+          </a:xfrm>
+          <a:prstGeom prst="hexagon">
+            <a:avLst/>
+          </a:prstGeom>
+          <a:solidFill>
+            <a:schemeClr val="bg1"/>
+          </a:solidFill>
+          <a:ln w="38100"/>
+        </p:spPr>
+        <p:style>
+          <a:lnRef idx="2">
+            <a:schemeClr val="accent1">
+              <a:shade val="50000"/>
+            </a:schemeClr>
+          </a:lnRef>
+          <a:fillRef idx="1">
+            <a:schemeClr val="accent1"/>
+          </a:fillRef>
+          <a:effectRef idx="0">
+            <a:schemeClr val="accent1"/>
+          </a:effectRef>
+          <a:fontRef idx="minor">
+            <a:schemeClr val="lt1"/>
+          </a:fontRef>
+        </p:style>
+        <p:txBody>
+          <a:bodyPr lIns="0" tIns="0" rIns="0" bIns="0" rtlCol="0" anchor="ctr"/>
+          <a:lstStyle/>
+          <a:p>
+            <a:pPr algn="ctr"/>
+            <a:endParaRPr lang="en-US" sz="800" dirty="0">
+              <a:solidFill>
+                <a:schemeClr val="tx1"/>
+              </a:solidFill>
+            </a:endParaRPr>
+          </a:p>
+        </p:txBody>
+      </p:sp>
+      <p:sp>
+        <p:nvSpPr>
+          <p:cNvPr id="188" name="Hexagon 187">
+            <a:extLst>
+              <a:ext uri="{FF2B5EF4-FFF2-40B4-BE49-F238E27FC236}">
+                <a16:creationId xmlns:a16="http://schemas.microsoft.com/office/drawing/2014/main" id="{BCBAEC4A-D961-7070-7141-29F341D421FB}"/>
+              </a:ext>
+            </a:extLst>
+          </p:cNvPr>
+          <p:cNvSpPr/>
+          <p:nvPr/>
+        </p:nvSpPr>
+        <p:spPr>
+          <a:xfrm>
+            <a:off x="6228122" y="5192966"/>
+            <a:ext cx="210797" cy="181721"/>
+          </a:xfrm>
+          <a:prstGeom prst="hexagon">
+            <a:avLst/>
+          </a:prstGeom>
+          <a:solidFill>
+            <a:schemeClr val="bg1"/>
+          </a:solidFill>
+          <a:ln w="38100"/>
+        </p:spPr>
+        <p:style>
+          <a:lnRef idx="2">
+            <a:schemeClr val="accent1">
+              <a:shade val="50000"/>
+            </a:schemeClr>
+          </a:lnRef>
+          <a:fillRef idx="1">
+            <a:schemeClr val="accent1"/>
+          </a:fillRef>
+          <a:effectRef idx="0">
+            <a:schemeClr val="accent1"/>
+          </a:effectRef>
+          <a:fontRef idx="minor">
+            <a:schemeClr val="lt1"/>
+          </a:fontRef>
+        </p:style>
+        <p:txBody>
+          <a:bodyPr lIns="0" tIns="0" rIns="0" bIns="0" rtlCol="0" anchor="ctr"/>
+          <a:lstStyle/>
+          <a:p>
+            <a:pPr algn="ctr"/>
+            <a:endParaRPr lang="en-US" sz="800" dirty="0">
+              <a:solidFill>
+                <a:schemeClr val="tx1"/>
+              </a:solidFill>
+            </a:endParaRPr>
+          </a:p>
+        </p:txBody>
+      </p:sp>
+      <p:sp>
+        <p:nvSpPr>
+          <p:cNvPr id="189" name="Hexagon 188">
+            <a:extLst>
+              <a:ext uri="{FF2B5EF4-FFF2-40B4-BE49-F238E27FC236}">
+                <a16:creationId xmlns:a16="http://schemas.microsoft.com/office/drawing/2014/main" id="{51E3FC0A-21FE-B96A-E013-75AF3FD7014A}"/>
+              </a:ext>
+            </a:extLst>
+          </p:cNvPr>
+          <p:cNvSpPr/>
+          <p:nvPr/>
+        </p:nvSpPr>
+        <p:spPr>
+          <a:xfrm>
+            <a:off x="6483123" y="5192966"/>
+            <a:ext cx="210797" cy="181721"/>
+          </a:xfrm>
+          <a:prstGeom prst="hexagon">
+            <a:avLst/>
+          </a:prstGeom>
+          <a:solidFill>
+            <a:schemeClr val="bg1"/>
+          </a:solidFill>
+          <a:ln w="38100"/>
+        </p:spPr>
+        <p:style>
+          <a:lnRef idx="2">
+            <a:schemeClr val="accent1">
+              <a:shade val="50000"/>
+            </a:schemeClr>
+          </a:lnRef>
+          <a:fillRef idx="1">
+            <a:schemeClr val="accent1"/>
+          </a:fillRef>
+          <a:effectRef idx="0">
+            <a:schemeClr val="accent1"/>
+          </a:effectRef>
+          <a:fontRef idx="minor">
+            <a:schemeClr val="lt1"/>
+          </a:fontRef>
+        </p:style>
+        <p:txBody>
+          <a:bodyPr lIns="0" tIns="0" rIns="0" bIns="0" rtlCol="0" anchor="ctr"/>
+          <a:lstStyle/>
+          <a:p>
+            <a:pPr algn="ctr"/>
+            <a:endParaRPr lang="en-US" sz="800" dirty="0">
+              <a:solidFill>
+                <a:schemeClr val="tx1"/>
+              </a:solidFill>
+            </a:endParaRPr>
+          </a:p>
+        </p:txBody>
+      </p:sp>
+      <p:pic>
+        <p:nvPicPr>
+          <p:cNvPr id="190" name="Picture 22" descr="Download C Sharp (C#) Logo Vector SVG, EPS, PDF, Ai and PNG (1.85 KB) Free">
+            <a:extLst>
+              <a:ext uri="{FF2B5EF4-FFF2-40B4-BE49-F238E27FC236}">
+                <a16:creationId xmlns:a16="http://schemas.microsoft.com/office/drawing/2014/main" id="{D0509C1A-7A87-65FA-B506-B7F5488205B8}"/>
+              </a:ext>
+            </a:extLst>
+          </p:cNvPr>
+          <p:cNvPicPr>
+            <a:picLocks noChangeAspect="1" noChangeArrowheads="1"/>
+          </p:cNvPicPr>
+          <p:nvPr/>
+        </p:nvPicPr>
+        <p:blipFill>
+          <a:blip r:embed="rId6">
+            <a:extLst>
+              <a:ext uri="{28A0092B-C50C-407E-A947-70E740481C1C}">
+                <a14:useLocalDpi xmlns:a14="http://schemas.microsoft.com/office/drawing/2010/main" val="0"/>
+              </a:ext>
+            </a:extLst>
+          </a:blip>
+          <a:srcRect/>
+          <a:stretch>
+            <a:fillRect/>
+          </a:stretch>
+        </p:blipFill>
+        <p:spPr bwMode="auto">
+          <a:xfrm>
+            <a:off x="6528363" y="4493583"/>
+            <a:ext cx="322704" cy="323903"/>
+          </a:xfrm>
+          <a:prstGeom prst="rect">
+            <a:avLst/>
+          </a:prstGeom>
+          <a:noFill/>
+          <a:extLst>
+            <a:ext uri="{909E8E84-426E-40DD-AFC4-6F175D3DCCD1}">
+              <a14:hiddenFill xmlns:a14="http://schemas.microsoft.com/office/drawing/2010/main">
+                <a:solidFill>
+                  <a:srgbClr val="FFFFFF"/>
+                </a:solidFill>
+              </a14:hiddenFill>
+            </a:ext>
+          </a:extLst>
+        </p:spPr>
+      </p:pic>
+      <p:cxnSp>
+        <p:nvCxnSpPr>
+          <p:cNvPr id="191" name="Connector: Curved 190">
+            <a:extLst>
+              <a:ext uri="{FF2B5EF4-FFF2-40B4-BE49-F238E27FC236}">
+                <a16:creationId xmlns:a16="http://schemas.microsoft.com/office/drawing/2014/main" id="{2DA51799-4CDC-2E99-8F87-989473A98EA7}"/>
+              </a:ext>
+            </a:extLst>
+          </p:cNvPr>
+          <p:cNvCxnSpPr>
+            <a:cxnSpLocks/>
+          </p:cNvCxnSpPr>
+          <p:nvPr/>
+        </p:nvCxnSpPr>
+        <p:spPr>
+          <a:xfrm rot="10800000">
+            <a:off x="5941511" y="1906908"/>
+            <a:ext cx="11183" cy="2910578"/>
+          </a:xfrm>
+          <a:prstGeom prst="curvedConnector3">
+            <a:avLst>
+              <a:gd name="adj1" fmla="val 11394572"/>
+            </a:avLst>
+          </a:prstGeom>
+          <a:ln w="38100">
+            <a:solidFill>
+              <a:srgbClr val="FF0000"/>
+            </a:solidFill>
+            <a:prstDash val="dash"/>
+            <a:tailEnd type="triangle"/>
+          </a:ln>
+        </p:spPr>
+        <p:style>
+          <a:lnRef idx="1">
+            <a:schemeClr val="accent1"/>
+          </a:lnRef>
+          <a:fillRef idx="0">
+            <a:schemeClr val="accent1"/>
+          </a:fillRef>
+          <a:effectRef idx="0">
+            <a:schemeClr val="accent1"/>
+          </a:effectRef>
+          <a:fontRef idx="minor">
+            <a:schemeClr val="tx1"/>
+          </a:fontRef>
+        </p:style>
+      </p:cxnSp>
+      <p:cxnSp>
+        <p:nvCxnSpPr>
+          <p:cNvPr id="192" name="Connector: Curved 191">
+            <a:extLst>
+              <a:ext uri="{FF2B5EF4-FFF2-40B4-BE49-F238E27FC236}">
+                <a16:creationId xmlns:a16="http://schemas.microsoft.com/office/drawing/2014/main" id="{4841C9C0-18DA-E52A-E698-233E6B397B93}"/>
+              </a:ext>
+            </a:extLst>
+          </p:cNvPr>
+          <p:cNvCxnSpPr>
+            <a:cxnSpLocks/>
+          </p:cNvCxnSpPr>
+          <p:nvPr/>
+        </p:nvCxnSpPr>
+        <p:spPr>
+          <a:xfrm rot="10800000">
+            <a:off x="5941511" y="3866004"/>
+            <a:ext cx="11183" cy="951482"/>
+          </a:xfrm>
+          <a:prstGeom prst="curvedConnector3">
+            <a:avLst>
+              <a:gd name="adj1" fmla="val 4787141"/>
+            </a:avLst>
+          </a:prstGeom>
+          <a:ln w="38100">
+            <a:solidFill>
+              <a:srgbClr val="FF0000"/>
+            </a:solidFill>
+            <a:prstDash val="dash"/>
+            <a:tailEnd type="triangle"/>
+          </a:ln>
+        </p:spPr>
+        <p:style>
+          <a:lnRef idx="1">
+            <a:schemeClr val="accent1"/>
+          </a:lnRef>
+          <a:fillRef idx="0">
+            <a:schemeClr val="accent1"/>
+          </a:fillRef>
+          <a:effectRef idx="0">
+            <a:schemeClr val="accent1"/>
+          </a:effectRef>
+          <a:fontRef idx="minor">
+            <a:schemeClr val="tx1"/>
+          </a:fontRef>
+        </p:style>
+      </p:cxnSp>
+      <p:sp>
+        <p:nvSpPr>
+          <p:cNvPr id="193" name="Hexagon 192">
+            <a:extLst>
+              <a:ext uri="{FF2B5EF4-FFF2-40B4-BE49-F238E27FC236}">
+                <a16:creationId xmlns:a16="http://schemas.microsoft.com/office/drawing/2014/main" id="{985E28C5-6862-FBA5-F47E-E16B54B300BB}"/>
+              </a:ext>
+            </a:extLst>
+          </p:cNvPr>
+          <p:cNvSpPr/>
+          <p:nvPr/>
+        </p:nvSpPr>
+        <p:spPr>
+          <a:xfrm>
+            <a:off x="2889936" y="5425879"/>
+            <a:ext cx="737021" cy="635363"/>
+          </a:xfrm>
+          <a:prstGeom prst="hexagon">
+            <a:avLst/>
+          </a:prstGeom>
+          <a:solidFill>
+            <a:schemeClr val="bg1"/>
+          </a:solidFill>
+          <a:ln w="38100">
+            <a:prstDash val="dash"/>
+          </a:ln>
+        </p:spPr>
+        <p:style>
+          <a:lnRef idx="2">
+            <a:schemeClr val="accent1">
+              <a:shade val="50000"/>
+            </a:schemeClr>
+          </a:lnRef>
+          <a:fillRef idx="1">
+            <a:schemeClr val="accent1"/>
+          </a:fillRef>
+          <a:effectRef idx="0">
+            <a:schemeClr val="accent1"/>
+          </a:effectRef>
+          <a:fontRef idx="minor">
+            <a:schemeClr val="lt1"/>
+          </a:fontRef>
+        </p:style>
+        <p:txBody>
+          <a:bodyPr lIns="0" tIns="0" rIns="0" bIns="0" rtlCol="0" anchor="ctr"/>
+          <a:lstStyle/>
+          <a:p>
+            <a:pPr algn="ctr"/>
+            <a:r>
+              <a:rPr lang="es-419" sz="800" b="1" dirty="0" err="1">
+                <a:solidFill>
+                  <a:schemeClr val="tx1"/>
+                </a:solidFill>
+              </a:rPr>
+              <a:t>repost.api</a:t>
+            </a:r>
+            <a:endParaRPr lang="en-US" sz="800" b="1" dirty="0">
+              <a:solidFill>
+                <a:schemeClr val="tx1"/>
+              </a:solidFill>
+            </a:endParaRPr>
+          </a:p>
+        </p:txBody>
+      </p:sp>
+      <p:pic>
+        <p:nvPicPr>
+          <p:cNvPr id="194" name="Picture 30" descr="Padlock - Free security icons">
+            <a:extLst>
+              <a:ext uri="{FF2B5EF4-FFF2-40B4-BE49-F238E27FC236}">
+                <a16:creationId xmlns:a16="http://schemas.microsoft.com/office/drawing/2014/main" id="{5E6F3836-4C90-2B90-68DC-EC37EF3E992A}"/>
+              </a:ext>
+            </a:extLst>
+          </p:cNvPr>
+          <p:cNvPicPr>
+            <a:picLocks noChangeAspect="1" noChangeArrowheads="1"/>
+          </p:cNvPicPr>
+          <p:nvPr/>
+        </p:nvPicPr>
+        <p:blipFill>
+          <a:blip r:embed="rId14">
+            <a:extLst>
+              <a:ext uri="{28A0092B-C50C-407E-A947-70E740481C1C}">
+                <a14:useLocalDpi xmlns:a14="http://schemas.microsoft.com/office/drawing/2010/main" val="0"/>
+              </a:ext>
+            </a:extLst>
+          </a:blip>
+          <a:srcRect/>
+          <a:stretch>
+            <a:fillRect/>
+          </a:stretch>
+        </p:blipFill>
+        <p:spPr bwMode="auto">
+          <a:xfrm>
+            <a:off x="2709039" y="5371607"/>
+            <a:ext cx="252000" cy="252000"/>
+          </a:xfrm>
+          <a:prstGeom prst="rect">
+            <a:avLst/>
+          </a:prstGeom>
+          <a:noFill/>
+          <a:extLst>
+            <a:ext uri="{909E8E84-426E-40DD-AFC4-6F175D3DCCD1}">
+              <a14:hiddenFill xmlns:a14="http://schemas.microsoft.com/office/drawing/2010/main">
+                <a:solidFill>
+                  <a:srgbClr val="FFFFFF"/>
+                </a:solidFill>
+              </a14:hiddenFill>
+            </a:ext>
+          </a:extLst>
+        </p:spPr>
+      </p:pic>
+      <p:cxnSp>
+        <p:nvCxnSpPr>
+          <p:cNvPr id="195" name="Straight Arrow Connector 194">
+            <a:extLst>
+              <a:ext uri="{FF2B5EF4-FFF2-40B4-BE49-F238E27FC236}">
+                <a16:creationId xmlns:a16="http://schemas.microsoft.com/office/drawing/2014/main" id="{0ED3B23A-A9F8-2BD3-0AEA-BA26022A4471}"/>
+              </a:ext>
+            </a:extLst>
+          </p:cNvPr>
+          <p:cNvCxnSpPr>
+            <a:cxnSpLocks/>
+            <a:stCxn id="193" idx="0"/>
+          </p:cNvCxnSpPr>
+          <p:nvPr/>
+        </p:nvCxnSpPr>
+        <p:spPr>
+          <a:xfrm flipV="1">
+            <a:off x="3626957" y="4817486"/>
+            <a:ext cx="2325736" cy="926075"/>
+          </a:xfrm>
+          <a:prstGeom prst="straightConnector1">
+            <a:avLst/>
+          </a:prstGeom>
+          <a:ln w="38100">
+            <a:solidFill>
+              <a:schemeClr val="tx1"/>
+            </a:solidFill>
+            <a:prstDash val="dash"/>
+            <a:tailEnd type="triangle"/>
+          </a:ln>
+        </p:spPr>
+        <p:style>
+          <a:lnRef idx="1">
+            <a:schemeClr val="accent1"/>
+          </a:lnRef>
+          <a:fillRef idx="0">
+            <a:schemeClr val="accent1"/>
+          </a:fillRef>
+          <a:effectRef idx="0">
+            <a:schemeClr val="accent1"/>
+          </a:effectRef>
+          <a:fontRef idx="minor">
+            <a:schemeClr val="tx1"/>
+          </a:fontRef>
+        </p:style>
+      </p:cxnSp>
+      <p:cxnSp>
+        <p:nvCxnSpPr>
+          <p:cNvPr id="196" name="Straight Arrow Connector 195">
+            <a:extLst>
+              <a:ext uri="{FF2B5EF4-FFF2-40B4-BE49-F238E27FC236}">
+                <a16:creationId xmlns:a16="http://schemas.microsoft.com/office/drawing/2014/main" id="{2B3A0C4D-C0FE-826D-3762-1E0AA2C7F69E}"/>
+              </a:ext>
+            </a:extLst>
+          </p:cNvPr>
+          <p:cNvCxnSpPr>
+            <a:cxnSpLocks/>
+          </p:cNvCxnSpPr>
+          <p:nvPr/>
+        </p:nvCxnSpPr>
+        <p:spPr>
+          <a:xfrm>
+            <a:off x="1795510" y="3388659"/>
+            <a:ext cx="1094426" cy="2354902"/>
+          </a:xfrm>
+          <a:prstGeom prst="straightConnector1">
+            <a:avLst/>
+          </a:prstGeom>
+          <a:ln>
+            <a:tailEnd type="triangle"/>
+          </a:ln>
+        </p:spPr>
+        <p:style>
+          <a:lnRef idx="1">
+            <a:schemeClr val="accent1"/>
+          </a:lnRef>
+          <a:fillRef idx="0">
+            <a:schemeClr val="accent1"/>
+          </a:fillRef>
+          <a:effectRef idx="0">
+            <a:schemeClr val="accent1"/>
+          </a:effectRef>
+          <a:fontRef idx="minor">
+            <a:schemeClr val="tx1"/>
+          </a:fontRef>
+        </p:style>
+      </p:cxnSp>
+      <p:cxnSp>
+        <p:nvCxnSpPr>
+          <p:cNvPr id="197" name="Straight Arrow Connector 196">
+            <a:extLst>
+              <a:ext uri="{FF2B5EF4-FFF2-40B4-BE49-F238E27FC236}">
+                <a16:creationId xmlns:a16="http://schemas.microsoft.com/office/drawing/2014/main" id="{B3997D44-14D6-617A-CFFC-74F3B21425E9}"/>
+              </a:ext>
+            </a:extLst>
+          </p:cNvPr>
+          <p:cNvCxnSpPr>
+            <a:cxnSpLocks/>
+          </p:cNvCxnSpPr>
+          <p:nvPr/>
+        </p:nvCxnSpPr>
+        <p:spPr>
+          <a:xfrm flipH="1">
+            <a:off x="5201659" y="4817486"/>
+            <a:ext cx="751034" cy="815916"/>
+          </a:xfrm>
+          <a:prstGeom prst="straightConnector1">
+            <a:avLst/>
+          </a:prstGeom>
+          <a:ln w="57150">
+            <a:tailEnd type="triangle"/>
+          </a:ln>
+        </p:spPr>
+        <p:style>
+          <a:lnRef idx="1">
+            <a:schemeClr val="accent1"/>
+          </a:lnRef>
+          <a:fillRef idx="0">
+            <a:schemeClr val="accent1"/>
+          </a:fillRef>
+          <a:effectRef idx="0">
+            <a:schemeClr val="accent1"/>
+          </a:effectRef>
+          <a:fontRef idx="minor">
+            <a:schemeClr val="tx1"/>
+          </a:fontRef>
+        </p:style>
+      </p:cxnSp>
+      <p:cxnSp>
+        <p:nvCxnSpPr>
+          <p:cNvPr id="198" name="Straight Arrow Connector 197">
+            <a:extLst>
+              <a:ext uri="{FF2B5EF4-FFF2-40B4-BE49-F238E27FC236}">
+                <a16:creationId xmlns:a16="http://schemas.microsoft.com/office/drawing/2014/main" id="{AF9B8ABF-C110-B6EF-E2CA-BCE18D6921A0}"/>
+              </a:ext>
+            </a:extLst>
+          </p:cNvPr>
+          <p:cNvCxnSpPr>
+            <a:cxnSpLocks/>
+          </p:cNvCxnSpPr>
+          <p:nvPr/>
+        </p:nvCxnSpPr>
+        <p:spPr>
+          <a:xfrm>
+            <a:off x="6689714" y="4817486"/>
+            <a:ext cx="1112140" cy="913362"/>
+          </a:xfrm>
+          <a:prstGeom prst="straightConnector1">
+            <a:avLst/>
+          </a:prstGeom>
+          <a:ln w="57150">
+            <a:tailEnd type="triangle"/>
+          </a:ln>
+        </p:spPr>
+        <p:style>
+          <a:lnRef idx="1">
+            <a:schemeClr val="accent6"/>
+          </a:lnRef>
+          <a:fillRef idx="0">
+            <a:schemeClr val="accent6"/>
+          </a:fillRef>
+          <a:effectRef idx="0">
+            <a:schemeClr val="accent6"/>
+          </a:effectRef>
+          <a:fontRef idx="minor">
+            <a:schemeClr val="tx1"/>
+          </a:fontRef>
+        </p:style>
+      </p:cxnSp>
+      <p:cxnSp>
+        <p:nvCxnSpPr>
+          <p:cNvPr id="202" name="Straight Arrow Connector 201">
+            <a:extLst>
+              <a:ext uri="{FF2B5EF4-FFF2-40B4-BE49-F238E27FC236}">
+                <a16:creationId xmlns:a16="http://schemas.microsoft.com/office/drawing/2014/main" id="{45F03F35-DA92-4A54-530A-B85A2C43DBB1}"/>
+              </a:ext>
+            </a:extLst>
+          </p:cNvPr>
+          <p:cNvCxnSpPr>
+            <a:cxnSpLocks/>
+          </p:cNvCxnSpPr>
+          <p:nvPr/>
+        </p:nvCxnSpPr>
+        <p:spPr>
+          <a:xfrm>
+            <a:off x="6689714" y="4817486"/>
+            <a:ext cx="3751439" cy="379084"/>
+          </a:xfrm>
+          <a:prstGeom prst="straightConnector1">
+            <a:avLst/>
+          </a:prstGeom>
+          <a:ln w="57150">
+            <a:solidFill>
+              <a:srgbClr val="00B0F0"/>
+            </a:solidFill>
+            <a:tailEnd type="triangle"/>
+          </a:ln>
+        </p:spPr>
+        <p:style>
+          <a:lnRef idx="1">
+            <a:schemeClr val="accent1"/>
+          </a:lnRef>
+          <a:fillRef idx="0">
+            <a:schemeClr val="accent1"/>
+          </a:fillRef>
+          <a:effectRef idx="0">
+            <a:schemeClr val="accent1"/>
+          </a:effectRef>
+          <a:fontRef idx="minor">
+            <a:schemeClr val="tx1"/>
+          </a:fontRef>
+        </p:style>
+      </p:cxnSp>
+      <p:cxnSp>
+        <p:nvCxnSpPr>
+          <p:cNvPr id="203" name="Connector: Curved 202">
+            <a:extLst>
+              <a:ext uri="{FF2B5EF4-FFF2-40B4-BE49-F238E27FC236}">
+                <a16:creationId xmlns:a16="http://schemas.microsoft.com/office/drawing/2014/main" id="{3DE0256D-3A13-CC78-8E0B-A3CB7E609FFA}"/>
+              </a:ext>
+            </a:extLst>
+          </p:cNvPr>
+          <p:cNvCxnSpPr>
+            <a:cxnSpLocks/>
+          </p:cNvCxnSpPr>
+          <p:nvPr/>
+        </p:nvCxnSpPr>
+        <p:spPr>
+          <a:xfrm rot="10800000" flipV="1">
+            <a:off x="4965148" y="1623823"/>
+            <a:ext cx="3016287" cy="3508449"/>
+          </a:xfrm>
+          <a:prstGeom prst="curvedConnector2">
+            <a:avLst/>
+          </a:prstGeom>
+          <a:ln>
+            <a:tailEnd type="triangle"/>
+          </a:ln>
+        </p:spPr>
+        <p:style>
+          <a:lnRef idx="1">
+            <a:schemeClr val="accent1"/>
+          </a:lnRef>
+          <a:fillRef idx="0">
+            <a:schemeClr val="accent1"/>
+          </a:fillRef>
+          <a:effectRef idx="0">
+            <a:schemeClr val="accent1"/>
+          </a:effectRef>
+          <a:fontRef idx="minor">
+            <a:schemeClr val="tx1"/>
+          </a:fontRef>
+        </p:style>
+      </p:cxnSp>
+      <p:cxnSp>
+        <p:nvCxnSpPr>
+          <p:cNvPr id="204" name="Straight Arrow Connector 203">
+            <a:extLst>
+              <a:ext uri="{FF2B5EF4-FFF2-40B4-BE49-F238E27FC236}">
+                <a16:creationId xmlns:a16="http://schemas.microsoft.com/office/drawing/2014/main" id="{4170C1B4-D98A-9D98-F251-D274B03AB778}"/>
+              </a:ext>
+            </a:extLst>
+          </p:cNvPr>
+          <p:cNvCxnSpPr>
+            <a:cxnSpLocks/>
+          </p:cNvCxnSpPr>
+          <p:nvPr/>
+        </p:nvCxnSpPr>
+        <p:spPr>
+          <a:xfrm flipH="1">
+            <a:off x="5201659" y="1906908"/>
+            <a:ext cx="739851" cy="3726494"/>
+          </a:xfrm>
+          <a:prstGeom prst="straightConnector1">
+            <a:avLst/>
+          </a:prstGeom>
+          <a:ln>
+            <a:tailEnd type="triangle"/>
+          </a:ln>
+        </p:spPr>
+        <p:style>
+          <a:lnRef idx="1">
+            <a:schemeClr val="accent1"/>
+          </a:lnRef>
+          <a:fillRef idx="0">
+            <a:schemeClr val="accent1"/>
+          </a:fillRef>
+          <a:effectRef idx="0">
+            <a:schemeClr val="accent1"/>
+          </a:effectRef>
+          <a:fontRef idx="minor">
+            <a:schemeClr val="tx1"/>
+          </a:fontRef>
+        </p:style>
+      </p:cxnSp>
+      <p:cxnSp>
+        <p:nvCxnSpPr>
+          <p:cNvPr id="205" name="Straight Arrow Connector 204">
+            <a:extLst>
+              <a:ext uri="{FF2B5EF4-FFF2-40B4-BE49-F238E27FC236}">
+                <a16:creationId xmlns:a16="http://schemas.microsoft.com/office/drawing/2014/main" id="{867EDA52-625B-ADA9-A931-3F5892E610AA}"/>
+              </a:ext>
+            </a:extLst>
+          </p:cNvPr>
+          <p:cNvCxnSpPr>
+            <a:cxnSpLocks/>
+          </p:cNvCxnSpPr>
+          <p:nvPr/>
+        </p:nvCxnSpPr>
+        <p:spPr>
+          <a:xfrm flipH="1">
+            <a:off x="5201659" y="2893430"/>
+            <a:ext cx="739851" cy="2739972"/>
+          </a:xfrm>
+          <a:prstGeom prst="straightConnector1">
+            <a:avLst/>
+          </a:prstGeom>
+          <a:ln>
+            <a:tailEnd type="triangle"/>
+          </a:ln>
+        </p:spPr>
+        <p:style>
+          <a:lnRef idx="1">
+            <a:schemeClr val="accent1"/>
+          </a:lnRef>
+          <a:fillRef idx="0">
+            <a:schemeClr val="accent1"/>
+          </a:fillRef>
+          <a:effectRef idx="0">
+            <a:schemeClr val="accent1"/>
+          </a:effectRef>
+          <a:fontRef idx="minor">
+            <a:schemeClr val="tx1"/>
+          </a:fontRef>
+        </p:style>
+      </p:cxnSp>
+      <p:cxnSp>
+        <p:nvCxnSpPr>
+          <p:cNvPr id="206" name="Straight Arrow Connector 205">
+            <a:extLst>
+              <a:ext uri="{FF2B5EF4-FFF2-40B4-BE49-F238E27FC236}">
+                <a16:creationId xmlns:a16="http://schemas.microsoft.com/office/drawing/2014/main" id="{1BFB1449-E449-600A-F98B-011AC44CED64}"/>
+              </a:ext>
+            </a:extLst>
+          </p:cNvPr>
+          <p:cNvCxnSpPr>
+            <a:cxnSpLocks/>
+          </p:cNvCxnSpPr>
+          <p:nvPr/>
+        </p:nvCxnSpPr>
+        <p:spPr>
+          <a:xfrm flipH="1">
+            <a:off x="5201659" y="3866004"/>
+            <a:ext cx="739851" cy="1767398"/>
+          </a:xfrm>
+          <a:prstGeom prst="straightConnector1">
+            <a:avLst/>
+          </a:prstGeom>
+          <a:ln>
+            <a:tailEnd type="triangle"/>
+          </a:ln>
+        </p:spPr>
+        <p:style>
+          <a:lnRef idx="1">
+            <a:schemeClr val="accent1"/>
+          </a:lnRef>
+          <a:fillRef idx="0">
+            <a:schemeClr val="accent1"/>
+          </a:fillRef>
+          <a:effectRef idx="0">
+            <a:schemeClr val="accent1"/>
+          </a:effectRef>
+          <a:fontRef idx="minor">
+            <a:schemeClr val="tx1"/>
+          </a:fontRef>
+        </p:style>
+      </p:cxnSp>
+      <p:cxnSp>
+        <p:nvCxnSpPr>
+          <p:cNvPr id="207" name="Straight Arrow Connector 206">
+            <a:extLst>
+              <a:ext uri="{FF2B5EF4-FFF2-40B4-BE49-F238E27FC236}">
+                <a16:creationId xmlns:a16="http://schemas.microsoft.com/office/drawing/2014/main" id="{89F4690D-4DA0-1C2A-3429-D71FF1360B4E}"/>
+              </a:ext>
+            </a:extLst>
+          </p:cNvPr>
+          <p:cNvCxnSpPr>
+            <a:cxnSpLocks/>
+            <a:stCxn id="190" idx="2"/>
+            <a:endCxn id="56" idx="0"/>
+          </p:cNvCxnSpPr>
+          <p:nvPr/>
+        </p:nvCxnSpPr>
+        <p:spPr>
+          <a:xfrm>
+            <a:off x="6689715" y="4817486"/>
+            <a:ext cx="2299788" cy="961339"/>
+          </a:xfrm>
+          <a:prstGeom prst="straightConnector1">
+            <a:avLst/>
+          </a:prstGeom>
+          <a:ln w="57150">
+            <a:tailEnd type="triangle"/>
+          </a:ln>
+        </p:spPr>
+        <p:style>
+          <a:lnRef idx="1">
+            <a:schemeClr val="accent2"/>
+          </a:lnRef>
+          <a:fillRef idx="0">
+            <a:schemeClr val="accent2"/>
+          </a:fillRef>
+          <a:effectRef idx="0">
+            <a:schemeClr val="accent2"/>
+          </a:effectRef>
+          <a:fontRef idx="minor">
+            <a:schemeClr val="tx1"/>
+          </a:fontRef>
+        </p:style>
+      </p:cxnSp>
     </p:spTree>
     <p:extLst>
       <p:ext uri="{BB962C8B-B14F-4D97-AF65-F5344CB8AC3E}">
